--- a/IoTBlynkConnection.pptx
+++ b/IoTBlynkConnection.pptx
@@ -5,7 +5,7 @@
     <p:sldMasterId id="2147483659" r:id="rId1"/>
   </p:sldMasterIdLst>
   <p:notesMasterIdLst>
-    <p:notesMasterId r:id="rId34"/>
+    <p:notesMasterId r:id="rId35"/>
   </p:notesMasterIdLst>
   <p:sldIdLst>
     <p:sldId id="256" r:id="rId2"/>
@@ -14,49 +14,50 @@
     <p:sldId id="260" r:id="rId5"/>
     <p:sldId id="261" r:id="rId6"/>
     <p:sldId id="285" r:id="rId7"/>
-    <p:sldId id="265" r:id="rId8"/>
-    <p:sldId id="262" r:id="rId9"/>
-    <p:sldId id="264" r:id="rId10"/>
-    <p:sldId id="286" r:id="rId11"/>
-    <p:sldId id="287" r:id="rId12"/>
-    <p:sldId id="292" r:id="rId13"/>
-    <p:sldId id="296" r:id="rId14"/>
-    <p:sldId id="288" r:id="rId15"/>
-    <p:sldId id="293" r:id="rId16"/>
-    <p:sldId id="289" r:id="rId17"/>
-    <p:sldId id="291" r:id="rId18"/>
-    <p:sldId id="294" r:id="rId19"/>
-    <p:sldId id="295" r:id="rId20"/>
-    <p:sldId id="297" r:id="rId21"/>
-    <p:sldId id="304" r:id="rId22"/>
-    <p:sldId id="299" r:id="rId23"/>
-    <p:sldId id="290" r:id="rId24"/>
-    <p:sldId id="266" r:id="rId25"/>
-    <p:sldId id="301" r:id="rId26"/>
-    <p:sldId id="302" r:id="rId27"/>
-    <p:sldId id="303" r:id="rId28"/>
-    <p:sldId id="308" r:id="rId29"/>
-    <p:sldId id="306" r:id="rId30"/>
-    <p:sldId id="307" r:id="rId31"/>
-    <p:sldId id="278" r:id="rId32"/>
-    <p:sldId id="279" r:id="rId33"/>
+    <p:sldId id="309" r:id="rId8"/>
+    <p:sldId id="265" r:id="rId9"/>
+    <p:sldId id="262" r:id="rId10"/>
+    <p:sldId id="264" r:id="rId11"/>
+    <p:sldId id="286" r:id="rId12"/>
+    <p:sldId id="287" r:id="rId13"/>
+    <p:sldId id="292" r:id="rId14"/>
+    <p:sldId id="296" r:id="rId15"/>
+    <p:sldId id="288" r:id="rId16"/>
+    <p:sldId id="293" r:id="rId17"/>
+    <p:sldId id="289" r:id="rId18"/>
+    <p:sldId id="291" r:id="rId19"/>
+    <p:sldId id="294" r:id="rId20"/>
+    <p:sldId id="295" r:id="rId21"/>
+    <p:sldId id="297" r:id="rId22"/>
+    <p:sldId id="304" r:id="rId23"/>
+    <p:sldId id="299" r:id="rId24"/>
+    <p:sldId id="290" r:id="rId25"/>
+    <p:sldId id="266" r:id="rId26"/>
+    <p:sldId id="301" r:id="rId27"/>
+    <p:sldId id="302" r:id="rId28"/>
+    <p:sldId id="303" r:id="rId29"/>
+    <p:sldId id="308" r:id="rId30"/>
+    <p:sldId id="306" r:id="rId31"/>
+    <p:sldId id="307" r:id="rId32"/>
+    <p:sldId id="278" r:id="rId33"/>
+    <p:sldId id="279" r:id="rId34"/>
   </p:sldIdLst>
   <p:sldSz cx="9144000" cy="5143500" type="screen16x9"/>
   <p:notesSz cx="6858000" cy="9144000"/>
   <p:embeddedFontLst>
     <p:embeddedFont>
       <p:font typeface="Bebas Neue" panose="020B0604020202020204" charset="0"/>
-      <p:regular r:id="rId35"/>
+      <p:regular r:id="rId36"/>
     </p:embeddedFont>
     <p:embeddedFont>
       <p:font typeface="Saira Semi Condensed" panose="020B0604020202020204" charset="0"/>
-      <p:regular r:id="rId36"/>
-      <p:bold r:id="rId37"/>
+      <p:regular r:id="rId37"/>
+      <p:bold r:id="rId38"/>
     </p:embeddedFont>
     <p:embeddedFont>
       <p:font typeface="Saira SemiCondensed Light" panose="020B0604020202020204" charset="0"/>
-      <p:regular r:id="rId38"/>
-      <p:bold r:id="rId39"/>
+      <p:regular r:id="rId39"/>
+      <p:bold r:id="rId40"/>
     </p:embeddedFont>
   </p:embeddedFontLst>
   <p:defaultTextStyle>
@@ -846,7 +847,7 @@
   <p:cSld>
     <p:spTree>
       <p:nvGrpSpPr>
-        <p:cNvPr id="1" name="Shape 403"/>
+        <p:cNvPr id="1" name="Shape 439"/>
         <p:cNvGrpSpPr/>
         <p:nvPr/>
       </p:nvGrpSpPr>
@@ -860,7 +861,7 @@
       </p:grpSpPr>
       <p:sp>
         <p:nvSpPr>
-          <p:cNvPr id="404" name="Google Shape;404;p:notes"/>
+          <p:cNvPr id="440" name="Google Shape;440;g35f391192_045:notes"/>
           <p:cNvSpPr>
             <a:spLocks noGrp="1" noRot="1" noChangeAspect="1"/>
           </p:cNvSpPr>
@@ -901,7 +902,7 @@
       </p:sp>
       <p:sp>
         <p:nvSpPr>
-          <p:cNvPr id="405" name="Google Shape;405;p:notes"/>
+          <p:cNvPr id="441" name="Google Shape;441;g35f391192_045:notes"/>
           <p:cNvSpPr txBox="1">
             <a:spLocks noGrp="1"/>
           </p:cNvSpPr>
@@ -938,11 +939,6 @@
         </p:txBody>
       </p:sp>
     </p:spTree>
-    <p:extLst>
-      <p:ext uri="{BB962C8B-B14F-4D97-AF65-F5344CB8AC3E}">
-        <p14:creationId xmlns:p14="http://schemas.microsoft.com/office/powerpoint/2010/main" val="2547771488"/>
-      </p:ext>
-    </p:extLst>
   </p:cSld>
   <p:clrMapOvr>
     <a:masterClrMapping/>
@@ -1049,7 +1045,7 @@
     </p:spTree>
     <p:extLst>
       <p:ext uri="{BB962C8B-B14F-4D97-AF65-F5344CB8AC3E}">
-        <p14:creationId xmlns:p14="http://schemas.microsoft.com/office/powerpoint/2010/main" val="1669501371"/>
+        <p14:creationId xmlns:p14="http://schemas.microsoft.com/office/powerpoint/2010/main" val="2547771488"/>
       </p:ext>
     </p:extLst>
   </p:cSld>
@@ -1158,7 +1154,7 @@
     </p:spTree>
     <p:extLst>
       <p:ext uri="{BB962C8B-B14F-4D97-AF65-F5344CB8AC3E}">
-        <p14:creationId xmlns:p14="http://schemas.microsoft.com/office/powerpoint/2010/main" val="3045345383"/>
+        <p14:creationId xmlns:p14="http://schemas.microsoft.com/office/powerpoint/2010/main" val="1669501371"/>
       </p:ext>
     </p:extLst>
   </p:cSld>
@@ -1267,7 +1263,7 @@
     </p:spTree>
     <p:extLst>
       <p:ext uri="{BB962C8B-B14F-4D97-AF65-F5344CB8AC3E}">
-        <p14:creationId xmlns:p14="http://schemas.microsoft.com/office/powerpoint/2010/main" val="1922839657"/>
+        <p14:creationId xmlns:p14="http://schemas.microsoft.com/office/powerpoint/2010/main" val="3045345383"/>
       </p:ext>
     </p:extLst>
   </p:cSld>
@@ -1376,7 +1372,7 @@
     </p:spTree>
     <p:extLst>
       <p:ext uri="{BB962C8B-B14F-4D97-AF65-F5344CB8AC3E}">
-        <p14:creationId xmlns:p14="http://schemas.microsoft.com/office/powerpoint/2010/main" val="882623995"/>
+        <p14:creationId xmlns:p14="http://schemas.microsoft.com/office/powerpoint/2010/main" val="1922839657"/>
       </p:ext>
     </p:extLst>
   </p:cSld>
@@ -1485,7 +1481,7 @@
     </p:spTree>
     <p:extLst>
       <p:ext uri="{BB962C8B-B14F-4D97-AF65-F5344CB8AC3E}">
-        <p14:creationId xmlns:p14="http://schemas.microsoft.com/office/powerpoint/2010/main" val="3208176668"/>
+        <p14:creationId xmlns:p14="http://schemas.microsoft.com/office/powerpoint/2010/main" val="882623995"/>
       </p:ext>
     </p:extLst>
   </p:cSld>
@@ -1594,7 +1590,7 @@
     </p:spTree>
     <p:extLst>
       <p:ext uri="{BB962C8B-B14F-4D97-AF65-F5344CB8AC3E}">
-        <p14:creationId xmlns:p14="http://schemas.microsoft.com/office/powerpoint/2010/main" val="2132881983"/>
+        <p14:creationId xmlns:p14="http://schemas.microsoft.com/office/powerpoint/2010/main" val="3208176668"/>
       </p:ext>
     </p:extLst>
   </p:cSld>
@@ -1703,7 +1699,7 @@
     </p:spTree>
     <p:extLst>
       <p:ext uri="{BB962C8B-B14F-4D97-AF65-F5344CB8AC3E}">
-        <p14:creationId xmlns:p14="http://schemas.microsoft.com/office/powerpoint/2010/main" val="4085158903"/>
+        <p14:creationId xmlns:p14="http://schemas.microsoft.com/office/powerpoint/2010/main" val="2132881983"/>
       </p:ext>
     </p:extLst>
   </p:cSld>
@@ -1812,7 +1808,7 @@
     </p:spTree>
     <p:extLst>
       <p:ext uri="{BB962C8B-B14F-4D97-AF65-F5344CB8AC3E}">
-        <p14:creationId xmlns:p14="http://schemas.microsoft.com/office/powerpoint/2010/main" val="2716175639"/>
+        <p14:creationId xmlns:p14="http://schemas.microsoft.com/office/powerpoint/2010/main" val="4085158903"/>
       </p:ext>
     </p:extLst>
   </p:cSld>
@@ -1921,7 +1917,7 @@
     </p:spTree>
     <p:extLst>
       <p:ext uri="{BB962C8B-B14F-4D97-AF65-F5344CB8AC3E}">
-        <p14:creationId xmlns:p14="http://schemas.microsoft.com/office/powerpoint/2010/main" val="4008196198"/>
+        <p14:creationId xmlns:p14="http://schemas.microsoft.com/office/powerpoint/2010/main" val="2716175639"/>
       </p:ext>
     </p:extLst>
   </p:cSld>
@@ -2134,7 +2130,7 @@
     </p:spTree>
     <p:extLst>
       <p:ext uri="{BB962C8B-B14F-4D97-AF65-F5344CB8AC3E}">
-        <p14:creationId xmlns:p14="http://schemas.microsoft.com/office/powerpoint/2010/main" val="3660158061"/>
+        <p14:creationId xmlns:p14="http://schemas.microsoft.com/office/powerpoint/2010/main" val="4008196198"/>
       </p:ext>
     </p:extLst>
   </p:cSld>
@@ -2243,7 +2239,7 @@
     </p:spTree>
     <p:extLst>
       <p:ext uri="{BB962C8B-B14F-4D97-AF65-F5344CB8AC3E}">
-        <p14:creationId xmlns:p14="http://schemas.microsoft.com/office/powerpoint/2010/main" val="2509344841"/>
+        <p14:creationId xmlns:p14="http://schemas.microsoft.com/office/powerpoint/2010/main" val="3660158061"/>
       </p:ext>
     </p:extLst>
   </p:cSld>
@@ -2352,7 +2348,7 @@
     </p:spTree>
     <p:extLst>
       <p:ext uri="{BB962C8B-B14F-4D97-AF65-F5344CB8AC3E}">
-        <p14:creationId xmlns:p14="http://schemas.microsoft.com/office/powerpoint/2010/main" val="3157656730"/>
+        <p14:creationId xmlns:p14="http://schemas.microsoft.com/office/powerpoint/2010/main" val="2509344841"/>
       </p:ext>
     </p:extLst>
   </p:cSld>
@@ -2461,6 +2457,115 @@
     </p:spTree>
     <p:extLst>
       <p:ext uri="{BB962C8B-B14F-4D97-AF65-F5344CB8AC3E}">
+        <p14:creationId xmlns:p14="http://schemas.microsoft.com/office/powerpoint/2010/main" val="3157656730"/>
+      </p:ext>
+    </p:extLst>
+  </p:cSld>
+  <p:clrMapOvr>
+    <a:masterClrMapping/>
+  </p:clrMapOvr>
+</p:notes>
+</file>
+
+<file path=ppt/notesSlides/notesSlide24.xml><?xml version="1.0" encoding="utf-8"?>
+<p:notes xmlns:a="http://schemas.openxmlformats.org/drawingml/2006/main" xmlns:r="http://schemas.openxmlformats.org/officeDocument/2006/relationships" xmlns:p="http://schemas.openxmlformats.org/presentationml/2006/main" showMasterSp="0" showMasterPhAnim="0">
+  <p:cSld>
+    <p:spTree>
+      <p:nvGrpSpPr>
+        <p:cNvPr id="1" name="Shape 403"/>
+        <p:cNvGrpSpPr/>
+        <p:nvPr/>
+      </p:nvGrpSpPr>
+      <p:grpSpPr>
+        <a:xfrm>
+          <a:off x="0" y="0"/>
+          <a:ext cx="0" cy="0"/>
+          <a:chOff x="0" y="0"/>
+          <a:chExt cx="0" cy="0"/>
+        </a:xfrm>
+      </p:grpSpPr>
+      <p:sp>
+        <p:nvSpPr>
+          <p:cNvPr id="404" name="Google Shape;404;p:notes"/>
+          <p:cNvSpPr>
+            <a:spLocks noGrp="1" noRot="1" noChangeAspect="1"/>
+          </p:cNvSpPr>
+          <p:nvPr>
+            <p:ph type="sldImg" idx="2"/>
+          </p:nvPr>
+        </p:nvSpPr>
+        <p:spPr>
+          <a:xfrm>
+            <a:off x="381000" y="685800"/>
+            <a:ext cx="6096000" cy="3429000"/>
+          </a:xfrm>
+          <a:custGeom>
+            <a:avLst/>
+            <a:gdLst/>
+            <a:ahLst/>
+            <a:cxnLst/>
+            <a:rect l="l" t="t" r="r" b="b"/>
+            <a:pathLst>
+              <a:path w="120000" h="120000" extrusionOk="0">
+                <a:moveTo>
+                  <a:pt x="0" y="0"/>
+                </a:moveTo>
+                <a:lnTo>
+                  <a:pt x="120000" y="0"/>
+                </a:lnTo>
+                <a:lnTo>
+                  <a:pt x="120000" y="120000"/>
+                </a:lnTo>
+                <a:lnTo>
+                  <a:pt x="0" y="120000"/>
+                </a:lnTo>
+                <a:close/>
+              </a:path>
+            </a:pathLst>
+          </a:custGeom>
+        </p:spPr>
+      </p:sp>
+      <p:sp>
+        <p:nvSpPr>
+          <p:cNvPr id="405" name="Google Shape;405;p:notes"/>
+          <p:cNvSpPr txBox="1">
+            <a:spLocks noGrp="1"/>
+          </p:cNvSpPr>
+          <p:nvPr>
+            <p:ph type="body" idx="1"/>
+          </p:nvPr>
+        </p:nvSpPr>
+        <p:spPr>
+          <a:xfrm>
+            <a:off x="685800" y="4343400"/>
+            <a:ext cx="5486400" cy="4114800"/>
+          </a:xfrm>
+          <a:prstGeom prst="rect">
+            <a:avLst/>
+          </a:prstGeom>
+        </p:spPr>
+        <p:txBody>
+          <a:bodyPr spcFirstLastPara="1" wrap="square" lIns="91425" tIns="91425" rIns="91425" bIns="91425" anchor="t" anchorCtr="0">
+            <a:noAutofit/>
+          </a:bodyPr>
+          <a:lstStyle/>
+          <a:p>
+            <a:pPr marL="0" lvl="0" indent="0" algn="l" rtl="0">
+              <a:spcBef>
+                <a:spcPts val="0"/>
+              </a:spcBef>
+              <a:spcAft>
+                <a:spcPts val="0"/>
+              </a:spcAft>
+              <a:buNone/>
+            </a:pPr>
+            <a:endParaRPr/>
+          </a:p>
+        </p:txBody>
+      </p:sp>
+    </p:spTree>
+    <p:extLst>
+      <p:ext uri="{BB962C8B-B14F-4D97-AF65-F5344CB8AC3E}">
         <p14:creationId xmlns:p14="http://schemas.microsoft.com/office/powerpoint/2010/main" val="2214932943"/>
       </p:ext>
     </p:extLst>
@@ -2471,7 +2576,7 @@
 </p:notes>
 </file>
 
-<file path=ppt/notesSlides/notesSlide24.xml><?xml version="1.0" encoding="utf-8"?>
+<file path=ppt/notesSlides/notesSlide25.xml><?xml version="1.0" encoding="utf-8"?>
 <p:notes xmlns:a="http://schemas.openxmlformats.org/drawingml/2006/main" xmlns:r="http://schemas.openxmlformats.org/officeDocument/2006/relationships" xmlns:p="http://schemas.openxmlformats.org/presentationml/2006/main" showMasterSp="0" showMasterPhAnim="0">
   <p:cSld>
     <p:spTree>
@@ -2575,7 +2680,7 @@
 </p:notes>
 </file>
 
-<file path=ppt/notesSlides/notesSlide25.xml><?xml version="1.0" encoding="utf-8"?>
+<file path=ppt/notesSlides/notesSlide26.xml><?xml version="1.0" encoding="utf-8"?>
 <p:notes xmlns:a="http://schemas.openxmlformats.org/drawingml/2006/main" xmlns:r="http://schemas.openxmlformats.org/officeDocument/2006/relationships" xmlns:p="http://schemas.openxmlformats.org/presentationml/2006/main" showMasterSp="0" showMasterPhAnim="0">
   <p:cSld>
     <p:spTree>
@@ -2675,115 +2780,6 @@
     <p:extLst>
       <p:ext uri="{BB962C8B-B14F-4D97-AF65-F5344CB8AC3E}">
         <p14:creationId xmlns:p14="http://schemas.microsoft.com/office/powerpoint/2010/main" val="4063944379"/>
-      </p:ext>
-    </p:extLst>
-  </p:cSld>
-  <p:clrMapOvr>
-    <a:masterClrMapping/>
-  </p:clrMapOvr>
-</p:notes>
-</file>
-
-<file path=ppt/notesSlides/notesSlide26.xml><?xml version="1.0" encoding="utf-8"?>
-<p:notes xmlns:a="http://schemas.openxmlformats.org/drawingml/2006/main" xmlns:r="http://schemas.openxmlformats.org/officeDocument/2006/relationships" xmlns:p="http://schemas.openxmlformats.org/presentationml/2006/main" showMasterSp="0" showMasterPhAnim="0">
-  <p:cSld>
-    <p:spTree>
-      <p:nvGrpSpPr>
-        <p:cNvPr id="1" name="Shape 431"/>
-        <p:cNvGrpSpPr/>
-        <p:nvPr/>
-      </p:nvGrpSpPr>
-      <p:grpSpPr>
-        <a:xfrm>
-          <a:off x="0" y="0"/>
-          <a:ext cx="0" cy="0"/>
-          <a:chOff x="0" y="0"/>
-          <a:chExt cx="0" cy="0"/>
-        </a:xfrm>
-      </p:grpSpPr>
-      <p:sp>
-        <p:nvSpPr>
-          <p:cNvPr id="432" name="Google Shape;432;g35f391192_017:notes"/>
-          <p:cNvSpPr>
-            <a:spLocks noGrp="1" noRot="1" noChangeAspect="1"/>
-          </p:cNvSpPr>
-          <p:nvPr>
-            <p:ph type="sldImg" idx="2"/>
-          </p:nvPr>
-        </p:nvSpPr>
-        <p:spPr>
-          <a:xfrm>
-            <a:off x="381000" y="685800"/>
-            <a:ext cx="6096000" cy="3429000"/>
-          </a:xfrm>
-          <a:custGeom>
-            <a:avLst/>
-            <a:gdLst/>
-            <a:ahLst/>
-            <a:cxnLst/>
-            <a:rect l="l" t="t" r="r" b="b"/>
-            <a:pathLst>
-              <a:path w="120000" h="120000" extrusionOk="0">
-                <a:moveTo>
-                  <a:pt x="0" y="0"/>
-                </a:moveTo>
-                <a:lnTo>
-                  <a:pt x="120000" y="0"/>
-                </a:lnTo>
-                <a:lnTo>
-                  <a:pt x="120000" y="120000"/>
-                </a:lnTo>
-                <a:lnTo>
-                  <a:pt x="0" y="120000"/>
-                </a:lnTo>
-                <a:close/>
-              </a:path>
-            </a:pathLst>
-          </a:custGeom>
-        </p:spPr>
-      </p:sp>
-      <p:sp>
-        <p:nvSpPr>
-          <p:cNvPr id="433" name="Google Shape;433;g35f391192_017:notes"/>
-          <p:cNvSpPr txBox="1">
-            <a:spLocks noGrp="1"/>
-          </p:cNvSpPr>
-          <p:nvPr>
-            <p:ph type="body" idx="1"/>
-          </p:nvPr>
-        </p:nvSpPr>
-        <p:spPr>
-          <a:xfrm>
-            <a:off x="685800" y="4343400"/>
-            <a:ext cx="5486400" cy="4114800"/>
-          </a:xfrm>
-          <a:prstGeom prst="rect">
-            <a:avLst/>
-          </a:prstGeom>
-        </p:spPr>
-        <p:txBody>
-          <a:bodyPr spcFirstLastPara="1" wrap="square" lIns="91425" tIns="91425" rIns="91425" bIns="91425" anchor="t" anchorCtr="0">
-            <a:noAutofit/>
-          </a:bodyPr>
-          <a:lstStyle/>
-          <a:p>
-            <a:pPr marL="0" lvl="0" indent="0" algn="l" rtl="0">
-              <a:spcBef>
-                <a:spcPts val="0"/>
-              </a:spcBef>
-              <a:spcAft>
-                <a:spcPts val="0"/>
-              </a:spcAft>
-              <a:buNone/>
-            </a:pPr>
-            <a:endParaRPr/>
-          </a:p>
-        </p:txBody>
-      </p:sp>
-    </p:spTree>
-    <p:extLst>
-      <p:ext uri="{BB962C8B-B14F-4D97-AF65-F5344CB8AC3E}">
-        <p14:creationId xmlns:p14="http://schemas.microsoft.com/office/powerpoint/2010/main" val="2375639120"/>
       </p:ext>
     </p:extLst>
   </p:cSld>
@@ -2892,6 +2888,115 @@
     </p:spTree>
     <p:extLst>
       <p:ext uri="{BB962C8B-B14F-4D97-AF65-F5344CB8AC3E}">
+        <p14:creationId xmlns:p14="http://schemas.microsoft.com/office/powerpoint/2010/main" val="2375639120"/>
+      </p:ext>
+    </p:extLst>
+  </p:cSld>
+  <p:clrMapOvr>
+    <a:masterClrMapping/>
+  </p:clrMapOvr>
+</p:notes>
+</file>
+
+<file path=ppt/notesSlides/notesSlide28.xml><?xml version="1.0" encoding="utf-8"?>
+<p:notes xmlns:a="http://schemas.openxmlformats.org/drawingml/2006/main" xmlns:r="http://schemas.openxmlformats.org/officeDocument/2006/relationships" xmlns:p="http://schemas.openxmlformats.org/presentationml/2006/main" showMasterSp="0" showMasterPhAnim="0">
+  <p:cSld>
+    <p:spTree>
+      <p:nvGrpSpPr>
+        <p:cNvPr id="1" name="Shape 431"/>
+        <p:cNvGrpSpPr/>
+        <p:nvPr/>
+      </p:nvGrpSpPr>
+      <p:grpSpPr>
+        <a:xfrm>
+          <a:off x="0" y="0"/>
+          <a:ext cx="0" cy="0"/>
+          <a:chOff x="0" y="0"/>
+          <a:chExt cx="0" cy="0"/>
+        </a:xfrm>
+      </p:grpSpPr>
+      <p:sp>
+        <p:nvSpPr>
+          <p:cNvPr id="432" name="Google Shape;432;g35f391192_017:notes"/>
+          <p:cNvSpPr>
+            <a:spLocks noGrp="1" noRot="1" noChangeAspect="1"/>
+          </p:cNvSpPr>
+          <p:nvPr>
+            <p:ph type="sldImg" idx="2"/>
+          </p:nvPr>
+        </p:nvSpPr>
+        <p:spPr>
+          <a:xfrm>
+            <a:off x="381000" y="685800"/>
+            <a:ext cx="6096000" cy="3429000"/>
+          </a:xfrm>
+          <a:custGeom>
+            <a:avLst/>
+            <a:gdLst/>
+            <a:ahLst/>
+            <a:cxnLst/>
+            <a:rect l="l" t="t" r="r" b="b"/>
+            <a:pathLst>
+              <a:path w="120000" h="120000" extrusionOk="0">
+                <a:moveTo>
+                  <a:pt x="0" y="0"/>
+                </a:moveTo>
+                <a:lnTo>
+                  <a:pt x="120000" y="0"/>
+                </a:lnTo>
+                <a:lnTo>
+                  <a:pt x="120000" y="120000"/>
+                </a:lnTo>
+                <a:lnTo>
+                  <a:pt x="0" y="120000"/>
+                </a:lnTo>
+                <a:close/>
+              </a:path>
+            </a:pathLst>
+          </a:custGeom>
+        </p:spPr>
+      </p:sp>
+      <p:sp>
+        <p:nvSpPr>
+          <p:cNvPr id="433" name="Google Shape;433;g35f391192_017:notes"/>
+          <p:cNvSpPr txBox="1">
+            <a:spLocks noGrp="1"/>
+          </p:cNvSpPr>
+          <p:nvPr>
+            <p:ph type="body" idx="1"/>
+          </p:nvPr>
+        </p:nvSpPr>
+        <p:spPr>
+          <a:xfrm>
+            <a:off x="685800" y="4343400"/>
+            <a:ext cx="5486400" cy="4114800"/>
+          </a:xfrm>
+          <a:prstGeom prst="rect">
+            <a:avLst/>
+          </a:prstGeom>
+        </p:spPr>
+        <p:txBody>
+          <a:bodyPr spcFirstLastPara="1" wrap="square" lIns="91425" tIns="91425" rIns="91425" bIns="91425" anchor="t" anchorCtr="0">
+            <a:noAutofit/>
+          </a:bodyPr>
+          <a:lstStyle/>
+          <a:p>
+            <a:pPr marL="0" lvl="0" indent="0" algn="l" rtl="0">
+              <a:spcBef>
+                <a:spcPts val="0"/>
+              </a:spcBef>
+              <a:spcAft>
+                <a:spcPts val="0"/>
+              </a:spcAft>
+              <a:buNone/>
+            </a:pPr>
+            <a:endParaRPr/>
+          </a:p>
+        </p:txBody>
+      </p:sp>
+    </p:spTree>
+    <p:extLst>
+      <p:ext uri="{BB962C8B-B14F-4D97-AF65-F5344CB8AC3E}">
         <p14:creationId xmlns:p14="http://schemas.microsoft.com/office/powerpoint/2010/main" val="1183895887"/>
       </p:ext>
     </p:extLst>
@@ -2902,7 +3007,7 @@
 </p:notes>
 </file>
 
-<file path=ppt/notesSlides/notesSlide28.xml><?xml version="1.0" encoding="utf-8"?>
+<file path=ppt/notesSlides/notesSlide29.xml><?xml version="1.0" encoding="utf-8"?>
 <p:notes xmlns:a="http://schemas.openxmlformats.org/drawingml/2006/main" xmlns:r="http://schemas.openxmlformats.org/officeDocument/2006/relationships" xmlns:p="http://schemas.openxmlformats.org/presentationml/2006/main" showMasterSp="0" showMasterPhAnim="0">
   <p:cSld>
     <p:spTree>
@@ -3002,115 +3107,6 @@
     <p:extLst>
       <p:ext uri="{BB962C8B-B14F-4D97-AF65-F5344CB8AC3E}">
         <p14:creationId xmlns:p14="http://schemas.microsoft.com/office/powerpoint/2010/main" val="351138924"/>
-      </p:ext>
-    </p:extLst>
-  </p:cSld>
-  <p:clrMapOvr>
-    <a:masterClrMapping/>
-  </p:clrMapOvr>
-</p:notes>
-</file>
-
-<file path=ppt/notesSlides/notesSlide29.xml><?xml version="1.0" encoding="utf-8"?>
-<p:notes xmlns:a="http://schemas.openxmlformats.org/drawingml/2006/main" xmlns:r="http://schemas.openxmlformats.org/officeDocument/2006/relationships" xmlns:p="http://schemas.openxmlformats.org/presentationml/2006/main" showMasterSp="0" showMasterPhAnim="0">
-  <p:cSld>
-    <p:spTree>
-      <p:nvGrpSpPr>
-        <p:cNvPr id="1" name="Shape 236"/>
-        <p:cNvGrpSpPr/>
-        <p:nvPr/>
-      </p:nvGrpSpPr>
-      <p:grpSpPr>
-        <a:xfrm>
-          <a:off x="0" y="0"/>
-          <a:ext cx="0" cy="0"/>
-          <a:chOff x="0" y="0"/>
-          <a:chExt cx="0" cy="0"/>
-        </a:xfrm>
-      </p:grpSpPr>
-      <p:sp>
-        <p:nvSpPr>
-          <p:cNvPr id="237" name="Google Shape;237;g35ed75ccf_028:notes"/>
-          <p:cNvSpPr>
-            <a:spLocks noGrp="1" noRot="1" noChangeAspect="1"/>
-          </p:cNvSpPr>
-          <p:nvPr>
-            <p:ph type="sldImg" idx="2"/>
-          </p:nvPr>
-        </p:nvSpPr>
-        <p:spPr>
-          <a:xfrm>
-            <a:off x="381000" y="685800"/>
-            <a:ext cx="6096000" cy="3429000"/>
-          </a:xfrm>
-          <a:custGeom>
-            <a:avLst/>
-            <a:gdLst/>
-            <a:ahLst/>
-            <a:cxnLst/>
-            <a:rect l="l" t="t" r="r" b="b"/>
-            <a:pathLst>
-              <a:path w="120000" h="120000" extrusionOk="0">
-                <a:moveTo>
-                  <a:pt x="0" y="0"/>
-                </a:moveTo>
-                <a:lnTo>
-                  <a:pt x="120000" y="0"/>
-                </a:lnTo>
-                <a:lnTo>
-                  <a:pt x="120000" y="120000"/>
-                </a:lnTo>
-                <a:lnTo>
-                  <a:pt x="0" y="120000"/>
-                </a:lnTo>
-                <a:close/>
-              </a:path>
-            </a:pathLst>
-          </a:custGeom>
-        </p:spPr>
-      </p:sp>
-      <p:sp>
-        <p:nvSpPr>
-          <p:cNvPr id="238" name="Google Shape;238;g35ed75ccf_028:notes"/>
-          <p:cNvSpPr txBox="1">
-            <a:spLocks noGrp="1"/>
-          </p:cNvSpPr>
-          <p:nvPr>
-            <p:ph type="body" idx="1"/>
-          </p:nvPr>
-        </p:nvSpPr>
-        <p:spPr>
-          <a:xfrm>
-            <a:off x="685800" y="4343400"/>
-            <a:ext cx="5486400" cy="4114800"/>
-          </a:xfrm>
-          <a:prstGeom prst="rect">
-            <a:avLst/>
-          </a:prstGeom>
-        </p:spPr>
-        <p:txBody>
-          <a:bodyPr spcFirstLastPara="1" wrap="square" lIns="91425" tIns="91425" rIns="91425" bIns="91425" anchor="t" anchorCtr="0">
-            <a:noAutofit/>
-          </a:bodyPr>
-          <a:lstStyle/>
-          <a:p>
-            <a:pPr marL="0" lvl="0" indent="0" algn="l" rtl="0">
-              <a:spcBef>
-                <a:spcPts val="0"/>
-              </a:spcBef>
-              <a:spcAft>
-                <a:spcPts val="0"/>
-              </a:spcAft>
-              <a:buNone/>
-            </a:pPr>
-            <a:endParaRPr/>
-          </a:p>
-        </p:txBody>
-      </p:sp>
-    </p:spTree>
-    <p:extLst>
-      <p:ext uri="{BB962C8B-B14F-4D97-AF65-F5344CB8AC3E}">
-        <p14:creationId xmlns:p14="http://schemas.microsoft.com/office/powerpoint/2010/main" val="2655586516"/>
       </p:ext>
     </p:extLst>
   </p:cSld>
@@ -3323,6 +3319,115 @@
     </p:spTree>
     <p:extLst>
       <p:ext uri="{BB962C8B-B14F-4D97-AF65-F5344CB8AC3E}">
+        <p14:creationId xmlns:p14="http://schemas.microsoft.com/office/powerpoint/2010/main" val="2655586516"/>
+      </p:ext>
+    </p:extLst>
+  </p:cSld>
+  <p:clrMapOvr>
+    <a:masterClrMapping/>
+  </p:clrMapOvr>
+</p:notes>
+</file>
+
+<file path=ppt/notesSlides/notesSlide31.xml><?xml version="1.0" encoding="utf-8"?>
+<p:notes xmlns:a="http://schemas.openxmlformats.org/drawingml/2006/main" xmlns:r="http://schemas.openxmlformats.org/officeDocument/2006/relationships" xmlns:p="http://schemas.openxmlformats.org/presentationml/2006/main" showMasterSp="0" showMasterPhAnim="0">
+  <p:cSld>
+    <p:spTree>
+      <p:nvGrpSpPr>
+        <p:cNvPr id="1" name="Shape 236"/>
+        <p:cNvGrpSpPr/>
+        <p:nvPr/>
+      </p:nvGrpSpPr>
+      <p:grpSpPr>
+        <a:xfrm>
+          <a:off x="0" y="0"/>
+          <a:ext cx="0" cy="0"/>
+          <a:chOff x="0" y="0"/>
+          <a:chExt cx="0" cy="0"/>
+        </a:xfrm>
+      </p:grpSpPr>
+      <p:sp>
+        <p:nvSpPr>
+          <p:cNvPr id="237" name="Google Shape;237;g35ed75ccf_028:notes"/>
+          <p:cNvSpPr>
+            <a:spLocks noGrp="1" noRot="1" noChangeAspect="1"/>
+          </p:cNvSpPr>
+          <p:nvPr>
+            <p:ph type="sldImg" idx="2"/>
+          </p:nvPr>
+        </p:nvSpPr>
+        <p:spPr>
+          <a:xfrm>
+            <a:off x="381000" y="685800"/>
+            <a:ext cx="6096000" cy="3429000"/>
+          </a:xfrm>
+          <a:custGeom>
+            <a:avLst/>
+            <a:gdLst/>
+            <a:ahLst/>
+            <a:cxnLst/>
+            <a:rect l="l" t="t" r="r" b="b"/>
+            <a:pathLst>
+              <a:path w="120000" h="120000" extrusionOk="0">
+                <a:moveTo>
+                  <a:pt x="0" y="0"/>
+                </a:moveTo>
+                <a:lnTo>
+                  <a:pt x="120000" y="0"/>
+                </a:lnTo>
+                <a:lnTo>
+                  <a:pt x="120000" y="120000"/>
+                </a:lnTo>
+                <a:lnTo>
+                  <a:pt x="0" y="120000"/>
+                </a:lnTo>
+                <a:close/>
+              </a:path>
+            </a:pathLst>
+          </a:custGeom>
+        </p:spPr>
+      </p:sp>
+      <p:sp>
+        <p:nvSpPr>
+          <p:cNvPr id="238" name="Google Shape;238;g35ed75ccf_028:notes"/>
+          <p:cNvSpPr txBox="1">
+            <a:spLocks noGrp="1"/>
+          </p:cNvSpPr>
+          <p:nvPr>
+            <p:ph type="body" idx="1"/>
+          </p:nvPr>
+        </p:nvSpPr>
+        <p:spPr>
+          <a:xfrm>
+            <a:off x="685800" y="4343400"/>
+            <a:ext cx="5486400" cy="4114800"/>
+          </a:xfrm>
+          <a:prstGeom prst="rect">
+            <a:avLst/>
+          </a:prstGeom>
+        </p:spPr>
+        <p:txBody>
+          <a:bodyPr spcFirstLastPara="1" wrap="square" lIns="91425" tIns="91425" rIns="91425" bIns="91425" anchor="t" anchorCtr="0">
+            <a:noAutofit/>
+          </a:bodyPr>
+          <a:lstStyle/>
+          <a:p>
+            <a:pPr marL="0" lvl="0" indent="0" algn="l" rtl="0">
+              <a:spcBef>
+                <a:spcPts val="0"/>
+              </a:spcBef>
+              <a:spcAft>
+                <a:spcPts val="0"/>
+              </a:spcAft>
+              <a:buNone/>
+            </a:pPr>
+            <a:endParaRPr/>
+          </a:p>
+        </p:txBody>
+      </p:sp>
+    </p:spTree>
+    <p:extLst>
+      <p:ext uri="{BB962C8B-B14F-4D97-AF65-F5344CB8AC3E}">
         <p14:creationId xmlns:p14="http://schemas.microsoft.com/office/powerpoint/2010/main" val="431153121"/>
       </p:ext>
     </p:extLst>
@@ -3333,7 +3438,7 @@
 </p:notes>
 </file>
 
-<file path=ppt/notesSlides/notesSlide31.xml><?xml version="1.0" encoding="utf-8"?>
+<file path=ppt/notesSlides/notesSlide32.xml><?xml version="1.0" encoding="utf-8"?>
 <p:notes xmlns:a="http://schemas.openxmlformats.org/drawingml/2006/main" xmlns:r="http://schemas.openxmlformats.org/officeDocument/2006/relationships" xmlns:p="http://schemas.openxmlformats.org/presentationml/2006/main" showMasterSp="0" showMasterPhAnim="0">
   <p:cSld>
     <p:spTree>
@@ -3437,7 +3542,7 @@
 </p:notes>
 </file>
 
-<file path=ppt/notesSlides/notesSlide32.xml><?xml version="1.0" encoding="utf-8"?>
+<file path=ppt/notesSlides/notesSlide33.xml><?xml version="1.0" encoding="utf-8"?>
 <p:notes xmlns:a="http://schemas.openxmlformats.org/drawingml/2006/main" xmlns:r="http://schemas.openxmlformats.org/officeDocument/2006/relationships" xmlns:p="http://schemas.openxmlformats.org/presentationml/2006/main" showMasterSp="0" showMasterPhAnim="0">
   <p:cSld>
     <p:spTree>
@@ -3863,6 +3968,115 @@
   <p:cSld>
     <p:spTree>
       <p:nvGrpSpPr>
+        <p:cNvPr id="1" name="Shape 391"/>
+        <p:cNvGrpSpPr/>
+        <p:nvPr/>
+      </p:nvGrpSpPr>
+      <p:grpSpPr>
+        <a:xfrm>
+          <a:off x="0" y="0"/>
+          <a:ext cx="0" cy="0"/>
+          <a:chOff x="0" y="0"/>
+          <a:chExt cx="0" cy="0"/>
+        </a:xfrm>
+      </p:grpSpPr>
+      <p:sp>
+        <p:nvSpPr>
+          <p:cNvPr id="392" name="Google Shape;392;g35f391192_029:notes"/>
+          <p:cNvSpPr>
+            <a:spLocks noGrp="1" noRot="1" noChangeAspect="1"/>
+          </p:cNvSpPr>
+          <p:nvPr>
+            <p:ph type="sldImg" idx="2"/>
+          </p:nvPr>
+        </p:nvSpPr>
+        <p:spPr>
+          <a:xfrm>
+            <a:off x="381000" y="685800"/>
+            <a:ext cx="6096000" cy="3429000"/>
+          </a:xfrm>
+          <a:custGeom>
+            <a:avLst/>
+            <a:gdLst/>
+            <a:ahLst/>
+            <a:cxnLst/>
+            <a:rect l="l" t="t" r="r" b="b"/>
+            <a:pathLst>
+              <a:path w="120000" h="120000" extrusionOk="0">
+                <a:moveTo>
+                  <a:pt x="0" y="0"/>
+                </a:moveTo>
+                <a:lnTo>
+                  <a:pt x="120000" y="0"/>
+                </a:lnTo>
+                <a:lnTo>
+                  <a:pt x="120000" y="120000"/>
+                </a:lnTo>
+                <a:lnTo>
+                  <a:pt x="0" y="120000"/>
+                </a:lnTo>
+                <a:close/>
+              </a:path>
+            </a:pathLst>
+          </a:custGeom>
+        </p:spPr>
+      </p:sp>
+      <p:sp>
+        <p:nvSpPr>
+          <p:cNvPr id="393" name="Google Shape;393;g35f391192_029:notes"/>
+          <p:cNvSpPr txBox="1">
+            <a:spLocks noGrp="1"/>
+          </p:cNvSpPr>
+          <p:nvPr>
+            <p:ph type="body" idx="1"/>
+          </p:nvPr>
+        </p:nvSpPr>
+        <p:spPr>
+          <a:xfrm>
+            <a:off x="685800" y="4343400"/>
+            <a:ext cx="5486400" cy="4114800"/>
+          </a:xfrm>
+          <a:prstGeom prst="rect">
+            <a:avLst/>
+          </a:prstGeom>
+        </p:spPr>
+        <p:txBody>
+          <a:bodyPr spcFirstLastPara="1" wrap="square" lIns="91425" tIns="91425" rIns="91425" bIns="91425" anchor="t" anchorCtr="0">
+            <a:noAutofit/>
+          </a:bodyPr>
+          <a:lstStyle/>
+          <a:p>
+            <a:pPr marL="0" lvl="0" indent="0" algn="l" rtl="0">
+              <a:spcBef>
+                <a:spcPts val="0"/>
+              </a:spcBef>
+              <a:spcAft>
+                <a:spcPts val="0"/>
+              </a:spcAft>
+              <a:buNone/>
+            </a:pPr>
+            <a:endParaRPr/>
+          </a:p>
+        </p:txBody>
+      </p:sp>
+    </p:spTree>
+    <p:extLst>
+      <p:ext uri="{BB962C8B-B14F-4D97-AF65-F5344CB8AC3E}">
+        <p14:creationId xmlns:p14="http://schemas.microsoft.com/office/powerpoint/2010/main" val="1581240825"/>
+      </p:ext>
+    </p:extLst>
+  </p:cSld>
+  <p:clrMapOvr>
+    <a:masterClrMapping/>
+  </p:clrMapOvr>
+</p:notes>
+</file>
+
+<file path=ppt/notesSlides/notesSlide8.xml><?xml version="1.0" encoding="utf-8"?>
+<p:notes xmlns:a="http://schemas.openxmlformats.org/drawingml/2006/main" xmlns:r="http://schemas.openxmlformats.org/officeDocument/2006/relationships" xmlns:p="http://schemas.openxmlformats.org/presentationml/2006/main" showMasterSp="0" showMasterPhAnim="0">
+  <p:cSld>
+    <p:spTree>
+      <p:nvGrpSpPr>
         <p:cNvPr id="1" name="Shape 448"/>
         <p:cNvGrpSpPr/>
         <p:nvPr/>
@@ -3962,7 +4176,7 @@
 </p:notes>
 </file>
 
-<file path=ppt/notesSlides/notesSlide8.xml><?xml version="1.0" encoding="utf-8"?>
+<file path=ppt/notesSlides/notesSlide9.xml><?xml version="1.0" encoding="utf-8"?>
 <p:notes xmlns:a="http://schemas.openxmlformats.org/drawingml/2006/main" xmlns:r="http://schemas.openxmlformats.org/officeDocument/2006/relationships" xmlns:p="http://schemas.openxmlformats.org/presentationml/2006/main" showMasterSp="0" showMasterPhAnim="0">
   <p:cSld>
     <p:spTree>
@@ -4023,110 +4237,6 @@
       <p:sp>
         <p:nvSpPr>
           <p:cNvPr id="412" name="Google Shape;412;g35ed75ccf_015:notes"/>
-          <p:cNvSpPr txBox="1">
-            <a:spLocks noGrp="1"/>
-          </p:cNvSpPr>
-          <p:nvPr>
-            <p:ph type="body" idx="1"/>
-          </p:nvPr>
-        </p:nvSpPr>
-        <p:spPr>
-          <a:xfrm>
-            <a:off x="685800" y="4343400"/>
-            <a:ext cx="5486400" cy="4114800"/>
-          </a:xfrm>
-          <a:prstGeom prst="rect">
-            <a:avLst/>
-          </a:prstGeom>
-        </p:spPr>
-        <p:txBody>
-          <a:bodyPr spcFirstLastPara="1" wrap="square" lIns="91425" tIns="91425" rIns="91425" bIns="91425" anchor="t" anchorCtr="0">
-            <a:noAutofit/>
-          </a:bodyPr>
-          <a:lstStyle/>
-          <a:p>
-            <a:pPr marL="0" lvl="0" indent="0" algn="l" rtl="0">
-              <a:spcBef>
-                <a:spcPts val="0"/>
-              </a:spcBef>
-              <a:spcAft>
-                <a:spcPts val="0"/>
-              </a:spcAft>
-              <a:buNone/>
-            </a:pPr>
-            <a:endParaRPr/>
-          </a:p>
-        </p:txBody>
-      </p:sp>
-    </p:spTree>
-  </p:cSld>
-  <p:clrMapOvr>
-    <a:masterClrMapping/>
-  </p:clrMapOvr>
-</p:notes>
-</file>
-
-<file path=ppt/notesSlides/notesSlide9.xml><?xml version="1.0" encoding="utf-8"?>
-<p:notes xmlns:a="http://schemas.openxmlformats.org/drawingml/2006/main" xmlns:r="http://schemas.openxmlformats.org/officeDocument/2006/relationships" xmlns:p="http://schemas.openxmlformats.org/presentationml/2006/main" showMasterSp="0" showMasterPhAnim="0">
-  <p:cSld>
-    <p:spTree>
-      <p:nvGrpSpPr>
-        <p:cNvPr id="1" name="Shape 439"/>
-        <p:cNvGrpSpPr/>
-        <p:nvPr/>
-      </p:nvGrpSpPr>
-      <p:grpSpPr>
-        <a:xfrm>
-          <a:off x="0" y="0"/>
-          <a:ext cx="0" cy="0"/>
-          <a:chOff x="0" y="0"/>
-          <a:chExt cx="0" cy="0"/>
-        </a:xfrm>
-      </p:grpSpPr>
-      <p:sp>
-        <p:nvSpPr>
-          <p:cNvPr id="440" name="Google Shape;440;g35f391192_045:notes"/>
-          <p:cNvSpPr>
-            <a:spLocks noGrp="1" noRot="1" noChangeAspect="1"/>
-          </p:cNvSpPr>
-          <p:nvPr>
-            <p:ph type="sldImg" idx="2"/>
-          </p:nvPr>
-        </p:nvSpPr>
-        <p:spPr>
-          <a:xfrm>
-            <a:off x="381000" y="685800"/>
-            <a:ext cx="6096000" cy="3429000"/>
-          </a:xfrm>
-          <a:custGeom>
-            <a:avLst/>
-            <a:gdLst/>
-            <a:ahLst/>
-            <a:cxnLst/>
-            <a:rect l="l" t="t" r="r" b="b"/>
-            <a:pathLst>
-              <a:path w="120000" h="120000" extrusionOk="0">
-                <a:moveTo>
-                  <a:pt x="0" y="0"/>
-                </a:moveTo>
-                <a:lnTo>
-                  <a:pt x="120000" y="0"/>
-                </a:lnTo>
-                <a:lnTo>
-                  <a:pt x="120000" y="120000"/>
-                </a:lnTo>
-                <a:lnTo>
-                  <a:pt x="0" y="120000"/>
-                </a:lnTo>
-                <a:close/>
-              </a:path>
-            </a:pathLst>
-          </a:custGeom>
-        </p:spPr>
-      </p:sp>
-      <p:sp>
-        <p:nvSpPr>
-          <p:cNvPr id="441" name="Google Shape;441;g35f391192_045:notes"/>
           <p:cNvSpPr txBox="1">
             <a:spLocks noGrp="1"/>
           </p:cNvSpPr>
@@ -17526,6 +17636,547 @@
   <p:cSld>
     <p:spTree>
       <p:nvGrpSpPr>
+        <p:cNvPr id="1" name="Shape 442"/>
+        <p:cNvGrpSpPr/>
+        <p:nvPr/>
+      </p:nvGrpSpPr>
+      <p:grpSpPr>
+        <a:xfrm>
+          <a:off x="0" y="0"/>
+          <a:ext cx="0" cy="0"/>
+          <a:chOff x="0" y="0"/>
+          <a:chExt cx="0" cy="0"/>
+        </a:xfrm>
+      </p:grpSpPr>
+      <p:sp>
+        <p:nvSpPr>
+          <p:cNvPr id="443" name="Google Shape;443;p21"/>
+          <p:cNvSpPr txBox="1">
+            <a:spLocks noGrp="1"/>
+          </p:cNvSpPr>
+          <p:nvPr>
+            <p:ph type="title"/>
+          </p:nvPr>
+        </p:nvSpPr>
+        <p:spPr>
+          <a:xfrm>
+            <a:off x="1334450" y="805875"/>
+            <a:ext cx="6475200" cy="593700"/>
+          </a:xfrm>
+          <a:prstGeom prst="rect">
+            <a:avLst/>
+          </a:prstGeom>
+        </p:spPr>
+        <p:txBody>
+          <a:bodyPr spcFirstLastPara="1" wrap="square" lIns="0" tIns="0" rIns="0" bIns="0" anchor="b" anchorCtr="0">
+            <a:noAutofit/>
+          </a:bodyPr>
+          <a:lstStyle/>
+          <a:p>
+            <a:pPr marL="0" lvl="0" indent="0" algn="l" rtl="0">
+              <a:spcBef>
+                <a:spcPts val="0"/>
+              </a:spcBef>
+              <a:spcAft>
+                <a:spcPts val="0"/>
+              </a:spcAft>
+              <a:buNone/>
+            </a:pPr>
+            <a:r>
+              <a:rPr lang="en-US">
+                <a:solidFill>
+                  <a:srgbClr val="B64B7F"/>
+                </a:solidFill>
+              </a:rPr>
+              <a:t>Few</a:t>
+            </a:r>
+            <a:r>
+              <a:rPr lang="en">
+                <a:solidFill>
+                  <a:srgbClr val="B64B7F"/>
+                </a:solidFill>
+              </a:rPr>
+              <a:t> </a:t>
+            </a:r>
+            <a:r>
+              <a:rPr lang="en-US">
+                <a:solidFill>
+                  <a:srgbClr val="B64B7F"/>
+                </a:solidFill>
+              </a:rPr>
+              <a:t>THINGS</a:t>
+            </a:r>
+            <a:r>
+              <a:rPr lang="en-US">
+                <a:solidFill>
+                  <a:schemeClr val="accent1"/>
+                </a:solidFill>
+              </a:rPr>
+              <a:t> </a:t>
+            </a:r>
+            <a:r>
+              <a:rPr lang="en-US">
+                <a:solidFill>
+                  <a:schemeClr val="tx1"/>
+                </a:solidFill>
+              </a:rPr>
+              <a:t>that you need</a:t>
+            </a:r>
+            <a:endParaRPr>
+              <a:solidFill>
+                <a:schemeClr val="tx1"/>
+              </a:solidFill>
+            </a:endParaRPr>
+          </a:p>
+        </p:txBody>
+      </p:sp>
+      <p:sp>
+        <p:nvSpPr>
+          <p:cNvPr id="444" name="Google Shape;444;p21"/>
+          <p:cNvSpPr txBox="1">
+            <a:spLocks noGrp="1"/>
+          </p:cNvSpPr>
+          <p:nvPr>
+            <p:ph type="body" idx="1"/>
+          </p:nvPr>
+        </p:nvSpPr>
+        <p:spPr>
+          <a:xfrm>
+            <a:off x="1334450" y="1513150"/>
+            <a:ext cx="2007000" cy="2937300"/>
+          </a:xfrm>
+          <a:prstGeom prst="rect">
+            <a:avLst/>
+          </a:prstGeom>
+        </p:spPr>
+        <p:txBody>
+          <a:bodyPr spcFirstLastPara="1" wrap="square" lIns="0" tIns="0" rIns="0" bIns="0" anchor="t" anchorCtr="0">
+            <a:noAutofit/>
+          </a:bodyPr>
+          <a:lstStyle/>
+          <a:p>
+            <a:pPr marL="0" lvl="0" indent="0" rtl="0">
+              <a:spcBef>
+                <a:spcPts val="0"/>
+              </a:spcBef>
+              <a:spcAft>
+                <a:spcPts val="0"/>
+              </a:spcAft>
+              <a:buNone/>
+            </a:pPr>
+            <a:r>
+              <a:rPr lang="en-US" b="1" u="sng"/>
+              <a:t>Smartphone</a:t>
+            </a:r>
+            <a:endParaRPr b="1" u="sng"/>
+          </a:p>
+          <a:p>
+            <a:pPr marL="0" lvl="0" indent="0">
+              <a:spcBef>
+                <a:spcPts val="600"/>
+              </a:spcBef>
+              <a:spcAft>
+                <a:spcPts val="600"/>
+              </a:spcAft>
+              <a:buNone/>
+            </a:pPr>
+            <a:r>
+              <a:rPr lang="en-US" sz="1400"/>
+              <a:t>• Android OS version 4.2+</a:t>
+            </a:r>
+          </a:p>
+          <a:p>
+            <a:pPr marL="0" lvl="0" indent="0">
+              <a:spcBef>
+                <a:spcPts val="600"/>
+              </a:spcBef>
+              <a:spcAft>
+                <a:spcPts val="600"/>
+              </a:spcAft>
+              <a:buNone/>
+            </a:pPr>
+            <a:r>
+              <a:rPr lang="en-US" sz="1400"/>
+              <a:t>• iOS version 9+</a:t>
+            </a:r>
+          </a:p>
+          <a:p>
+            <a:pPr marL="0" lvl="0" indent="0">
+              <a:spcBef>
+                <a:spcPts val="600"/>
+              </a:spcBef>
+              <a:spcAft>
+                <a:spcPts val="600"/>
+              </a:spcAft>
+              <a:buNone/>
+            </a:pPr>
+            <a:r>
+              <a:rPr lang="en-US" sz="1400"/>
+              <a:t>Blynk doesn't run on Windows Phones, Blackberries and other dead platforms. Sorry.</a:t>
+            </a:r>
+          </a:p>
+          <a:p>
+            <a:pPr marL="0" lvl="0" indent="0">
+              <a:spcBef>
+                <a:spcPts val="600"/>
+              </a:spcBef>
+              <a:spcAft>
+                <a:spcPts val="600"/>
+              </a:spcAft>
+              <a:buNone/>
+            </a:pPr>
+            <a:r>
+              <a:rPr lang="en-US" sz="1400"/>
+              <a:t>You can also run Blynk on emulators</a:t>
+            </a:r>
+            <a:endParaRPr sz="1400"/>
+          </a:p>
+        </p:txBody>
+      </p:sp>
+      <p:sp>
+        <p:nvSpPr>
+          <p:cNvPr id="445" name="Google Shape;445;p21"/>
+          <p:cNvSpPr txBox="1">
+            <a:spLocks noGrp="1"/>
+          </p:cNvSpPr>
+          <p:nvPr>
+            <p:ph type="body" idx="2"/>
+          </p:nvPr>
+        </p:nvSpPr>
+        <p:spPr>
+          <a:xfrm>
+            <a:off x="3552414" y="1513150"/>
+            <a:ext cx="2007000" cy="2937300"/>
+          </a:xfrm>
+          <a:prstGeom prst="rect">
+            <a:avLst/>
+          </a:prstGeom>
+        </p:spPr>
+        <p:txBody>
+          <a:bodyPr spcFirstLastPara="1" wrap="square" lIns="0" tIns="0" rIns="0" bIns="0" anchor="t" anchorCtr="0">
+            <a:noAutofit/>
+          </a:bodyPr>
+          <a:lstStyle/>
+          <a:p>
+            <a:pPr marL="0" lvl="0" indent="0" rtl="0">
+              <a:spcBef>
+                <a:spcPts val="0"/>
+              </a:spcBef>
+              <a:spcAft>
+                <a:spcPts val="0"/>
+              </a:spcAft>
+              <a:buNone/>
+            </a:pPr>
+            <a:r>
+              <a:rPr lang="en-US" b="1" u="sng">
+                <a:solidFill>
+                  <a:srgbClr val="B64B7F"/>
+                </a:solidFill>
+              </a:rPr>
+              <a:t>IoT Device</a:t>
+            </a:r>
+            <a:endParaRPr b="1" u="sng">
+              <a:solidFill>
+                <a:srgbClr val="B64B7F"/>
+              </a:solidFill>
+            </a:endParaRPr>
+          </a:p>
+          <a:p>
+            <a:pPr marL="0" lvl="0" indent="0">
+              <a:spcBef>
+                <a:spcPts val="600"/>
+              </a:spcBef>
+              <a:spcAft>
+                <a:spcPts val="600"/>
+              </a:spcAft>
+              <a:buNone/>
+            </a:pPr>
+            <a:r>
+              <a:rPr lang="en-US" sz="1400">
+                <a:solidFill>
+                  <a:srgbClr val="B64B7F"/>
+                </a:solidFill>
+              </a:rPr>
+              <a:t>Blynk can run on over 400 hardware modules. The most popular are:</a:t>
+            </a:r>
+          </a:p>
+          <a:p>
+            <a:pPr marL="0" lvl="0" indent="0">
+              <a:spcBef>
+                <a:spcPts val="600"/>
+              </a:spcBef>
+              <a:spcAft>
+                <a:spcPts val="600"/>
+              </a:spcAft>
+              <a:buNone/>
+            </a:pPr>
+            <a:r>
+              <a:rPr lang="en-US" sz="1400">
+                <a:solidFill>
+                  <a:srgbClr val="B64B7F"/>
+                </a:solidFill>
+              </a:rPr>
+              <a:t>• ESP8266</a:t>
+            </a:r>
+          </a:p>
+          <a:p>
+            <a:pPr marL="0" lvl="0" indent="0">
+              <a:spcBef>
+                <a:spcPts val="600"/>
+              </a:spcBef>
+              <a:spcAft>
+                <a:spcPts val="600"/>
+              </a:spcAft>
+              <a:buNone/>
+            </a:pPr>
+            <a:r>
+              <a:rPr lang="en-US" sz="1400">
+                <a:solidFill>
+                  <a:srgbClr val="B64B7F"/>
+                </a:solidFill>
+              </a:rPr>
+              <a:t>• ESP32</a:t>
+            </a:r>
+          </a:p>
+          <a:p>
+            <a:pPr marL="0" lvl="0" indent="0">
+              <a:spcBef>
+                <a:spcPts val="600"/>
+              </a:spcBef>
+              <a:spcAft>
+                <a:spcPts val="600"/>
+              </a:spcAft>
+              <a:buNone/>
+            </a:pPr>
+            <a:r>
+              <a:rPr lang="en-US" sz="1400">
+                <a:solidFill>
+                  <a:srgbClr val="B64B7F"/>
+                </a:solidFill>
+              </a:rPr>
+              <a:t>• NodeMCU</a:t>
+            </a:r>
+          </a:p>
+          <a:p>
+            <a:pPr marL="0" lvl="0" indent="0">
+              <a:spcBef>
+                <a:spcPts val="600"/>
+              </a:spcBef>
+              <a:spcAft>
+                <a:spcPts val="600"/>
+              </a:spcAft>
+              <a:buNone/>
+            </a:pPr>
+            <a:r>
+              <a:rPr lang="en-US" sz="1400">
+                <a:solidFill>
+                  <a:srgbClr val="B64B7F"/>
+                </a:solidFill>
+              </a:rPr>
+              <a:t>• Arduino (any model)</a:t>
+            </a:r>
+          </a:p>
+          <a:p>
+            <a:pPr marL="0" lvl="0" indent="0">
+              <a:spcBef>
+                <a:spcPts val="600"/>
+              </a:spcBef>
+              <a:spcAft>
+                <a:spcPts val="600"/>
+              </a:spcAft>
+              <a:buNone/>
+            </a:pPr>
+            <a:r>
+              <a:rPr lang="en-US" sz="1400">
+                <a:solidFill>
+                  <a:srgbClr val="B64B7F"/>
+                </a:solidFill>
+              </a:rPr>
+              <a:t>• Raspberry Pi (any model)</a:t>
+            </a:r>
+            <a:r>
+              <a:rPr lang="en" sz="1400">
+                <a:solidFill>
+                  <a:srgbClr val="B64B7F"/>
+                </a:solidFill>
+              </a:rPr>
+              <a:t>.</a:t>
+            </a:r>
+            <a:endParaRPr sz="1400">
+              <a:solidFill>
+                <a:srgbClr val="B64B7F"/>
+              </a:solidFill>
+            </a:endParaRPr>
+          </a:p>
+        </p:txBody>
+      </p:sp>
+      <p:sp>
+        <p:nvSpPr>
+          <p:cNvPr id="446" name="Google Shape;446;p21"/>
+          <p:cNvSpPr txBox="1">
+            <a:spLocks noGrp="1"/>
+          </p:cNvSpPr>
+          <p:nvPr>
+            <p:ph type="body" idx="3"/>
+          </p:nvPr>
+        </p:nvSpPr>
+        <p:spPr>
+          <a:xfrm>
+            <a:off x="5770377" y="1513150"/>
+            <a:ext cx="2220072" cy="2937300"/>
+          </a:xfrm>
+          <a:prstGeom prst="rect">
+            <a:avLst/>
+          </a:prstGeom>
+        </p:spPr>
+        <p:txBody>
+          <a:bodyPr spcFirstLastPara="1" wrap="square" lIns="0" tIns="0" rIns="0" bIns="0" anchor="t" anchorCtr="0">
+            <a:noAutofit/>
+          </a:bodyPr>
+          <a:lstStyle/>
+          <a:p>
+            <a:pPr marL="0" lvl="0" indent="0" rtl="0">
+              <a:spcBef>
+                <a:spcPts val="0"/>
+              </a:spcBef>
+              <a:spcAft>
+                <a:spcPts val="0"/>
+              </a:spcAft>
+              <a:buNone/>
+            </a:pPr>
+            <a:r>
+              <a:rPr lang="en-US" b="1" u="sng"/>
+              <a:t>Internet Connection</a:t>
+            </a:r>
+            <a:endParaRPr b="1" u="sng"/>
+          </a:p>
+          <a:p>
+            <a:pPr marL="0" lvl="0" indent="0">
+              <a:spcBef>
+                <a:spcPts val="600"/>
+              </a:spcBef>
+              <a:buNone/>
+            </a:pPr>
+            <a:r>
+              <a:rPr lang="en-US" sz="1400"/>
+              <a:t>To connect your hardware to the Internet, you can choose almost any module either built-in, or external shields</a:t>
+            </a:r>
+          </a:p>
+          <a:p>
+            <a:pPr marL="0" lvl="0" indent="0">
+              <a:spcBef>
+                <a:spcPts val="600"/>
+              </a:spcBef>
+              <a:buNone/>
+            </a:pPr>
+            <a:endParaRPr lang="en-US" sz="1400"/>
+          </a:p>
+          <a:p>
+            <a:pPr marL="0" lvl="0" indent="0">
+              <a:spcBef>
+                <a:spcPts val="600"/>
+              </a:spcBef>
+              <a:buNone/>
+            </a:pPr>
+            <a:r>
+              <a:rPr lang="en-US" sz="1400"/>
+              <a:t>Supported connectivity</a:t>
+            </a:r>
+          </a:p>
+          <a:p>
+            <a:pPr marL="0" lvl="0" indent="0">
+              <a:spcBef>
+                <a:spcPts val="600"/>
+              </a:spcBef>
+              <a:buNone/>
+            </a:pPr>
+            <a:r>
+              <a:rPr lang="en-US" sz="1400"/>
+              <a:t>• WiFi</a:t>
+            </a:r>
+          </a:p>
+          <a:p>
+            <a:pPr marL="0" lvl="0" indent="0">
+              <a:spcBef>
+                <a:spcPts val="600"/>
+              </a:spcBef>
+              <a:buNone/>
+            </a:pPr>
+            <a:r>
+              <a:rPr lang="en-US" sz="1400"/>
+              <a:t>• Ethernet</a:t>
+            </a:r>
+          </a:p>
+          <a:p>
+            <a:pPr marL="0" lvl="0" indent="0">
+              <a:spcBef>
+                <a:spcPts val="600"/>
+              </a:spcBef>
+              <a:buNone/>
+            </a:pPr>
+            <a:r>
+              <a:rPr lang="en-US" sz="1400"/>
+              <a:t>• Cellular (GSM, 2g, 3g, 4g, LTE)</a:t>
+            </a:r>
+            <a:endParaRPr sz="1200"/>
+          </a:p>
+        </p:txBody>
+      </p:sp>
+      <p:sp>
+        <p:nvSpPr>
+          <p:cNvPr id="447" name="Google Shape;447;p21"/>
+          <p:cNvSpPr txBox="1">
+            <a:spLocks noGrp="1"/>
+          </p:cNvSpPr>
+          <p:nvPr>
+            <p:ph type="sldNum" idx="12"/>
+          </p:nvPr>
+        </p:nvSpPr>
+        <p:spPr>
+          <a:xfrm>
+            <a:off x="8552377" y="4673650"/>
+            <a:ext cx="400800" cy="393600"/>
+          </a:xfrm>
+          <a:prstGeom prst="rect">
+            <a:avLst/>
+          </a:prstGeom>
+        </p:spPr>
+        <p:txBody>
+          <a:bodyPr spcFirstLastPara="1" wrap="square" lIns="0" tIns="0" rIns="0" bIns="0" anchor="ctr" anchorCtr="0">
+            <a:noAutofit/>
+          </a:bodyPr>
+          <a:lstStyle/>
+          <a:p>
+            <a:pPr marL="0" lvl="0" indent="0" algn="r" rtl="0">
+              <a:spcBef>
+                <a:spcPts val="0"/>
+              </a:spcBef>
+              <a:spcAft>
+                <a:spcPts val="0"/>
+              </a:spcAft>
+              <a:buNone/>
+            </a:pPr>
+            <a:fld id="{00000000-1234-1234-1234-123412341234}" type="slidenum">
+              <a:rPr lang="en"/>
+              <a:t>10</a:t>
+            </a:fld>
+            <a:endParaRPr/>
+          </a:p>
+        </p:txBody>
+      </p:sp>
+    </p:spTree>
+  </p:cSld>
+  <p:clrMapOvr>
+    <a:masterClrMapping/>
+  </p:clrMapOvr>
+</p:sld>
+</file>
+
+<file path=ppt/slides/slide11.xml><?xml version="1.0" encoding="utf-8"?>
+<p:sld xmlns:a="http://schemas.openxmlformats.org/drawingml/2006/main" xmlns:r="http://schemas.openxmlformats.org/officeDocument/2006/relationships" xmlns:p="http://schemas.openxmlformats.org/presentationml/2006/main">
+  <p:cSld>
+    <p:spTree>
+      <p:nvGrpSpPr>
         <p:cNvPr id="1" name="Shape 406"/>
         <p:cNvGrpSpPr/>
         <p:nvPr/>
@@ -17725,7 +18376,7 @@
             </a:pPr>
             <a:fld id="{00000000-1234-1234-1234-123412341234}" type="slidenum">
               <a:rPr lang="en"/>
-              <a:t>10</a:t>
+              <a:t>11</a:t>
             </a:fld>
             <a:endParaRPr/>
           </a:p>
@@ -17744,7 +18395,7 @@
 </p:sld>
 </file>
 
-<file path=ppt/slides/slide11.xml><?xml version="1.0" encoding="utf-8"?>
+<file path=ppt/slides/slide12.xml><?xml version="1.0" encoding="utf-8"?>
 <p:sld xmlns:a="http://schemas.openxmlformats.org/drawingml/2006/main" xmlns:r="http://schemas.openxmlformats.org/officeDocument/2006/relationships" xmlns:p="http://schemas.openxmlformats.org/presentationml/2006/main">
   <p:cSld>
     <p:spTree>
@@ -17889,7 +18540,7 @@
             </a:pPr>
             <a:fld id="{00000000-1234-1234-1234-123412341234}" type="slidenum">
               <a:rPr lang="en"/>
-              <a:t>11</a:t>
+              <a:t>12</a:t>
             </a:fld>
             <a:endParaRPr/>
           </a:p>
@@ -17968,7 +18619,7 @@
 </p:sld>
 </file>
 
-<file path=ppt/slides/slide12.xml><?xml version="1.0" encoding="utf-8"?>
+<file path=ppt/slides/slide13.xml><?xml version="1.0" encoding="utf-8"?>
 <p:sld xmlns:a="http://schemas.openxmlformats.org/drawingml/2006/main" xmlns:r="http://schemas.openxmlformats.org/officeDocument/2006/relationships" xmlns:p="http://schemas.openxmlformats.org/presentationml/2006/main">
   <p:cSld>
     <p:spTree>
@@ -18113,7 +18764,7 @@
             </a:pPr>
             <a:fld id="{00000000-1234-1234-1234-123412341234}" type="slidenum">
               <a:rPr lang="en"/>
-              <a:t>12</a:t>
+              <a:t>13</a:t>
             </a:fld>
             <a:endParaRPr/>
           </a:p>
@@ -18281,7 +18932,7 @@
 </p:sld>
 </file>
 
-<file path=ppt/slides/slide13.xml><?xml version="1.0" encoding="utf-8"?>
+<file path=ppt/slides/slide14.xml><?xml version="1.0" encoding="utf-8"?>
 <p:sld xmlns:a="http://schemas.openxmlformats.org/drawingml/2006/main" xmlns:r="http://schemas.openxmlformats.org/officeDocument/2006/relationships" xmlns:p="http://schemas.openxmlformats.org/presentationml/2006/main">
   <p:cSld>
     <p:spTree>
@@ -18426,7 +19077,7 @@
             </a:pPr>
             <a:fld id="{00000000-1234-1234-1234-123412341234}" type="slidenum">
               <a:rPr lang="en"/>
-              <a:t>13</a:t>
+              <a:t>14</a:t>
             </a:fld>
             <a:endParaRPr/>
           </a:p>
@@ -18453,7 +19104,7 @@
         </p:blipFill>
         <p:spPr>
           <a:xfrm>
-            <a:off x="417131" y="2018711"/>
+            <a:off x="2168438" y="2039812"/>
             <a:ext cx="1428462" cy="2937347"/>
           </a:xfrm>
           <a:prstGeom prst="rect">
@@ -18477,14 +19128,13 @@
         </p:nvPicPr>
         <p:blipFill>
           <a:blip r:embed="rId4"/>
-          <a:stretch>
-            <a:fillRect/>
-          </a:stretch>
+          <a:srcRect/>
+          <a:stretch/>
         </p:blipFill>
         <p:spPr>
           <a:xfrm>
-            <a:off x="2099743" y="2018710"/>
-            <a:ext cx="1441901" cy="2937347"/>
+            <a:off x="3862654" y="2039811"/>
+            <a:ext cx="1418692" cy="2937347"/>
           </a:xfrm>
           <a:prstGeom prst="rect">
             <a:avLst/>
@@ -18507,73 +19157,13 @@
         </p:nvPicPr>
         <p:blipFill>
           <a:blip r:embed="rId5"/>
-          <a:stretch>
-            <a:fillRect/>
-          </a:stretch>
-        </p:blipFill>
-        <p:spPr>
-          <a:xfrm>
-            <a:off x="3794861" y="2018709"/>
-            <a:ext cx="1430327" cy="2937348"/>
-          </a:xfrm>
-          <a:prstGeom prst="rect">
-            <a:avLst/>
-          </a:prstGeom>
-        </p:spPr>
-      </p:pic>
-      <p:pic>
-        <p:nvPicPr>
-          <p:cNvPr id="9" name="Picture 8">
-            <a:extLst>
-              <a:ext uri="{FF2B5EF4-FFF2-40B4-BE49-F238E27FC236}">
-                <a16:creationId xmlns:a16="http://schemas.microsoft.com/office/drawing/2014/main" id="{9C9295AD-CF9C-4B5E-8520-52398C8E97F3}"/>
-              </a:ext>
-            </a:extLst>
-          </p:cNvPr>
-          <p:cNvPicPr>
-            <a:picLocks noChangeAspect="1"/>
-          </p:cNvPicPr>
-          <p:nvPr/>
-        </p:nvPicPr>
-        <p:blipFill>
-          <a:blip r:embed="rId6"/>
           <a:srcRect/>
           <a:stretch/>
         </p:blipFill>
         <p:spPr>
           <a:xfrm>
-            <a:off x="5478405" y="2019367"/>
-            <a:ext cx="1441185" cy="2936031"/>
-          </a:xfrm>
-          <a:prstGeom prst="rect">
-            <a:avLst/>
-          </a:prstGeom>
-        </p:spPr>
-      </p:pic>
-      <p:pic>
-        <p:nvPicPr>
-          <p:cNvPr id="10" name="Picture 9">
-            <a:extLst>
-              <a:ext uri="{FF2B5EF4-FFF2-40B4-BE49-F238E27FC236}">
-                <a16:creationId xmlns:a16="http://schemas.microsoft.com/office/drawing/2014/main" id="{2545FA49-7366-4647-AB01-070096F897CF}"/>
-              </a:ext>
-            </a:extLst>
-          </p:cNvPr>
-          <p:cNvPicPr>
-            <a:picLocks noChangeAspect="1"/>
-          </p:cNvPicPr>
-          <p:nvPr/>
-        </p:nvPicPr>
-        <p:blipFill>
-          <a:blip r:embed="rId7"/>
-          <a:stretch>
-            <a:fillRect/>
-          </a:stretch>
-        </p:blipFill>
-        <p:spPr>
-          <a:xfrm>
-            <a:off x="7172808" y="2018709"/>
-            <a:ext cx="1457170" cy="2937348"/>
+            <a:off x="5546269" y="2039810"/>
+            <a:ext cx="1430125" cy="2937348"/>
           </a:xfrm>
           <a:prstGeom prst="rect">
             <a:avLst/>
@@ -18584,260 +19174,6 @@
     <p:extLst>
       <p:ext uri="{BB962C8B-B14F-4D97-AF65-F5344CB8AC3E}">
         <p14:creationId xmlns:p14="http://schemas.microsoft.com/office/powerpoint/2010/main" val="2559485229"/>
-      </p:ext>
-    </p:extLst>
-  </p:cSld>
-  <p:clrMapOvr>
-    <a:masterClrMapping/>
-  </p:clrMapOvr>
-</p:sld>
-</file>
-
-<file path=ppt/slides/slide14.xml><?xml version="1.0" encoding="utf-8"?>
-<p:sld xmlns:a="http://schemas.openxmlformats.org/drawingml/2006/main" xmlns:r="http://schemas.openxmlformats.org/officeDocument/2006/relationships" xmlns:p="http://schemas.openxmlformats.org/presentationml/2006/main">
-  <p:cSld>
-    <p:spTree>
-      <p:nvGrpSpPr>
-        <p:cNvPr id="1" name="Shape 406"/>
-        <p:cNvGrpSpPr/>
-        <p:nvPr/>
-      </p:nvGrpSpPr>
-      <p:grpSpPr>
-        <a:xfrm>
-          <a:off x="0" y="0"/>
-          <a:ext cx="0" cy="0"/>
-          <a:chOff x="0" y="0"/>
-          <a:chExt cx="0" cy="0"/>
-        </a:xfrm>
-      </p:grpSpPr>
-      <p:sp>
-        <p:nvSpPr>
-          <p:cNvPr id="407" name="Google Shape;407;p18"/>
-          <p:cNvSpPr txBox="1">
-            <a:spLocks noGrp="1"/>
-          </p:cNvSpPr>
-          <p:nvPr>
-            <p:ph type="title"/>
-          </p:nvPr>
-        </p:nvSpPr>
-        <p:spPr>
-          <a:xfrm>
-            <a:off x="1334450" y="805875"/>
-            <a:ext cx="6475200" cy="593700"/>
-          </a:xfrm>
-          <a:prstGeom prst="rect">
-            <a:avLst/>
-          </a:prstGeom>
-        </p:spPr>
-        <p:txBody>
-          <a:bodyPr spcFirstLastPara="1" wrap="square" lIns="0" tIns="0" rIns="0" bIns="0" anchor="b" anchorCtr="0">
-            <a:noAutofit/>
-          </a:bodyPr>
-          <a:lstStyle/>
-          <a:p>
-            <a:pPr marL="0" lvl="0" indent="0" algn="l" rtl="0">
-              <a:spcBef>
-                <a:spcPts val="0"/>
-              </a:spcBef>
-              <a:spcAft>
-                <a:spcPts val="0"/>
-              </a:spcAft>
-              <a:buNone/>
-            </a:pPr>
-            <a:r>
-              <a:rPr lang="en-US"/>
-              <a:t>Install </a:t>
-            </a:r>
-            <a:r>
-              <a:rPr lang="en-US">
-                <a:solidFill>
-                  <a:schemeClr val="accent1"/>
-                </a:solidFill>
-              </a:rPr>
-              <a:t>blynk app @Arduino ide</a:t>
-            </a:r>
-            <a:endParaRPr/>
-          </a:p>
-        </p:txBody>
-      </p:sp>
-      <p:sp>
-        <p:nvSpPr>
-          <p:cNvPr id="408" name="Google Shape;408;p18"/>
-          <p:cNvSpPr txBox="1">
-            <a:spLocks noGrp="1"/>
-          </p:cNvSpPr>
-          <p:nvPr>
-            <p:ph type="body" idx="1"/>
-          </p:nvPr>
-        </p:nvSpPr>
-        <p:spPr>
-          <a:xfrm>
-            <a:off x="1334449" y="1513149"/>
-            <a:ext cx="7282013" cy="2833800"/>
-          </a:xfrm>
-          <a:prstGeom prst="rect">
-            <a:avLst/>
-          </a:prstGeom>
-        </p:spPr>
-        <p:txBody>
-          <a:bodyPr spcFirstLastPara="1" wrap="square" lIns="0" tIns="0" rIns="0" bIns="0" anchor="t" anchorCtr="0">
-            <a:noAutofit/>
-          </a:bodyPr>
-          <a:lstStyle/>
-          <a:p>
-            <a:pPr marL="457200" lvl="0" indent="-381000" algn="l" rtl="0">
-              <a:lnSpc>
-                <a:spcPct val="150000"/>
-              </a:lnSpc>
-              <a:spcBef>
-                <a:spcPts val="0"/>
-              </a:spcBef>
-              <a:spcAft>
-                <a:spcPts val="0"/>
-              </a:spcAft>
-              <a:buSzPts val="2400"/>
-              <a:buChar char="⩥"/>
-            </a:pPr>
-            <a:r>
-              <a:rPr lang="en-US"/>
-              <a:t>Downloading Blynk Library from Website</a:t>
-            </a:r>
-          </a:p>
-          <a:p>
-            <a:pPr marL="76200" lvl="0" indent="0" algn="l" rtl="0">
-              <a:lnSpc>
-                <a:spcPct val="150000"/>
-              </a:lnSpc>
-              <a:spcBef>
-                <a:spcPts val="0"/>
-              </a:spcBef>
-              <a:spcAft>
-                <a:spcPts val="0"/>
-              </a:spcAft>
-              <a:buSzPts val="2400"/>
-              <a:buNone/>
-            </a:pPr>
-            <a:r>
-              <a:rPr lang="en-US">
-                <a:hlinkClick r:id="rId3"/>
-              </a:rPr>
-              <a:t>Download Link:</a:t>
-            </a:r>
-            <a:endParaRPr lang="en-US"/>
-          </a:p>
-          <a:p>
-            <a:pPr marL="76200" lvl="0" indent="0" algn="l" rtl="0">
-              <a:lnSpc>
-                <a:spcPct val="150000"/>
-              </a:lnSpc>
-              <a:spcBef>
-                <a:spcPts val="0"/>
-              </a:spcBef>
-              <a:spcAft>
-                <a:spcPts val="0"/>
-              </a:spcAft>
-              <a:buSzPts val="2400"/>
-              <a:buNone/>
-            </a:pPr>
-            <a:r>
-              <a:rPr lang="en-US"/>
-              <a:t>After downloading, include the library (.zip) in Arduino IDE</a:t>
-            </a:r>
-          </a:p>
-          <a:p>
-            <a:pPr marL="76200" lvl="0" indent="0" algn="l" rtl="0">
-              <a:lnSpc>
-                <a:spcPct val="150000"/>
-              </a:lnSpc>
-              <a:spcBef>
-                <a:spcPts val="600"/>
-              </a:spcBef>
-              <a:spcAft>
-                <a:spcPts val="0"/>
-              </a:spcAft>
-              <a:buSzPts val="2400"/>
-              <a:buNone/>
-            </a:pPr>
-            <a:endParaRPr lang="en-US"/>
-          </a:p>
-        </p:txBody>
-      </p:sp>
-      <p:sp>
-        <p:nvSpPr>
-          <p:cNvPr id="409" name="Google Shape;409;p18"/>
-          <p:cNvSpPr txBox="1">
-            <a:spLocks noGrp="1"/>
-          </p:cNvSpPr>
-          <p:nvPr>
-            <p:ph type="sldNum" idx="12"/>
-          </p:nvPr>
-        </p:nvSpPr>
-        <p:spPr>
-          <a:xfrm>
-            <a:off x="8552377" y="4673650"/>
-            <a:ext cx="400800" cy="393600"/>
-          </a:xfrm>
-          <a:prstGeom prst="rect">
-            <a:avLst/>
-          </a:prstGeom>
-        </p:spPr>
-        <p:txBody>
-          <a:bodyPr spcFirstLastPara="1" wrap="square" lIns="0" tIns="0" rIns="0" bIns="0" anchor="ctr" anchorCtr="0">
-            <a:noAutofit/>
-          </a:bodyPr>
-          <a:lstStyle/>
-          <a:p>
-            <a:pPr marL="0" lvl="0" indent="0" algn="r" rtl="0">
-              <a:spcBef>
-                <a:spcPts val="0"/>
-              </a:spcBef>
-              <a:spcAft>
-                <a:spcPts val="0"/>
-              </a:spcAft>
-              <a:buNone/>
-            </a:pPr>
-            <a:fld id="{00000000-1234-1234-1234-123412341234}" type="slidenum">
-              <a:rPr lang="en"/>
-              <a:t>14</a:t>
-            </a:fld>
-            <a:endParaRPr/>
-          </a:p>
-        </p:txBody>
-      </p:sp>
-      <p:pic>
-        <p:nvPicPr>
-          <p:cNvPr id="2" name="Picture 1">
-            <a:extLst>
-              <a:ext uri="{FF2B5EF4-FFF2-40B4-BE49-F238E27FC236}">
-                <a16:creationId xmlns:a16="http://schemas.microsoft.com/office/drawing/2014/main" id="{1261E10F-D648-43DE-82DA-37890CA9D4B6}"/>
-              </a:ext>
-            </a:extLst>
-          </p:cNvPr>
-          <p:cNvPicPr>
-            <a:picLocks noChangeAspect="1"/>
-          </p:cNvPicPr>
-          <p:nvPr/>
-        </p:nvPicPr>
-        <p:blipFill>
-          <a:blip r:embed="rId4"/>
-          <a:stretch>
-            <a:fillRect/>
-          </a:stretch>
-        </p:blipFill>
-        <p:spPr>
-          <a:xfrm>
-            <a:off x="1404689" y="3304418"/>
-            <a:ext cx="5441120" cy="1211344"/>
-          </a:xfrm>
-          <a:prstGeom prst="rect">
-            <a:avLst/>
-          </a:prstGeom>
-        </p:spPr>
-      </p:pic>
-    </p:spTree>
-    <p:extLst>
-      <p:ext uri="{BB962C8B-B14F-4D97-AF65-F5344CB8AC3E}">
-        <p14:creationId xmlns:p14="http://schemas.microsoft.com/office/powerpoint/2010/main" val="1435931525"/>
       </p:ext>
     </p:extLst>
   </p:cSld>
@@ -18908,6 +19244,260 @@
                   <a:schemeClr val="accent1"/>
                 </a:solidFill>
               </a:rPr>
+              <a:t>blynk app @Arduino ide</a:t>
+            </a:r>
+            <a:endParaRPr/>
+          </a:p>
+        </p:txBody>
+      </p:sp>
+      <p:sp>
+        <p:nvSpPr>
+          <p:cNvPr id="408" name="Google Shape;408;p18"/>
+          <p:cNvSpPr txBox="1">
+            <a:spLocks noGrp="1"/>
+          </p:cNvSpPr>
+          <p:nvPr>
+            <p:ph type="body" idx="1"/>
+          </p:nvPr>
+        </p:nvSpPr>
+        <p:spPr>
+          <a:xfrm>
+            <a:off x="1334449" y="1513149"/>
+            <a:ext cx="7282013" cy="2833800"/>
+          </a:xfrm>
+          <a:prstGeom prst="rect">
+            <a:avLst/>
+          </a:prstGeom>
+        </p:spPr>
+        <p:txBody>
+          <a:bodyPr spcFirstLastPara="1" wrap="square" lIns="0" tIns="0" rIns="0" bIns="0" anchor="t" anchorCtr="0">
+            <a:noAutofit/>
+          </a:bodyPr>
+          <a:lstStyle/>
+          <a:p>
+            <a:pPr marL="457200" lvl="0" indent="-381000" algn="l" rtl="0">
+              <a:lnSpc>
+                <a:spcPct val="150000"/>
+              </a:lnSpc>
+              <a:spcBef>
+                <a:spcPts val="0"/>
+              </a:spcBef>
+              <a:spcAft>
+                <a:spcPts val="0"/>
+              </a:spcAft>
+              <a:buSzPts val="2400"/>
+              <a:buChar char="⩥"/>
+            </a:pPr>
+            <a:r>
+              <a:rPr lang="en-US"/>
+              <a:t>Downloading Blynk Library from Website</a:t>
+            </a:r>
+          </a:p>
+          <a:p>
+            <a:pPr marL="76200" lvl="0" indent="0" algn="l" rtl="0">
+              <a:lnSpc>
+                <a:spcPct val="150000"/>
+              </a:lnSpc>
+              <a:spcBef>
+                <a:spcPts val="0"/>
+              </a:spcBef>
+              <a:spcAft>
+                <a:spcPts val="0"/>
+              </a:spcAft>
+              <a:buSzPts val="2400"/>
+              <a:buNone/>
+            </a:pPr>
+            <a:r>
+              <a:rPr lang="en-US">
+                <a:hlinkClick r:id="rId3"/>
+              </a:rPr>
+              <a:t>Download Link:</a:t>
+            </a:r>
+            <a:endParaRPr lang="en-US"/>
+          </a:p>
+          <a:p>
+            <a:pPr marL="76200" lvl="0" indent="0" algn="l" rtl="0">
+              <a:lnSpc>
+                <a:spcPct val="150000"/>
+              </a:lnSpc>
+              <a:spcBef>
+                <a:spcPts val="0"/>
+              </a:spcBef>
+              <a:spcAft>
+                <a:spcPts val="0"/>
+              </a:spcAft>
+              <a:buSzPts val="2400"/>
+              <a:buNone/>
+            </a:pPr>
+            <a:r>
+              <a:rPr lang="en-US"/>
+              <a:t>After downloading, include the library (.zip) in Arduino IDE</a:t>
+            </a:r>
+          </a:p>
+          <a:p>
+            <a:pPr marL="76200" lvl="0" indent="0" algn="l" rtl="0">
+              <a:lnSpc>
+                <a:spcPct val="150000"/>
+              </a:lnSpc>
+              <a:spcBef>
+                <a:spcPts val="600"/>
+              </a:spcBef>
+              <a:spcAft>
+                <a:spcPts val="0"/>
+              </a:spcAft>
+              <a:buSzPts val="2400"/>
+              <a:buNone/>
+            </a:pPr>
+            <a:endParaRPr lang="en-US"/>
+          </a:p>
+        </p:txBody>
+      </p:sp>
+      <p:sp>
+        <p:nvSpPr>
+          <p:cNvPr id="409" name="Google Shape;409;p18"/>
+          <p:cNvSpPr txBox="1">
+            <a:spLocks noGrp="1"/>
+          </p:cNvSpPr>
+          <p:nvPr>
+            <p:ph type="sldNum" idx="12"/>
+          </p:nvPr>
+        </p:nvSpPr>
+        <p:spPr>
+          <a:xfrm>
+            <a:off x="8552377" y="4673650"/>
+            <a:ext cx="400800" cy="393600"/>
+          </a:xfrm>
+          <a:prstGeom prst="rect">
+            <a:avLst/>
+          </a:prstGeom>
+        </p:spPr>
+        <p:txBody>
+          <a:bodyPr spcFirstLastPara="1" wrap="square" lIns="0" tIns="0" rIns="0" bIns="0" anchor="ctr" anchorCtr="0">
+            <a:noAutofit/>
+          </a:bodyPr>
+          <a:lstStyle/>
+          <a:p>
+            <a:pPr marL="0" lvl="0" indent="0" algn="r" rtl="0">
+              <a:spcBef>
+                <a:spcPts val="0"/>
+              </a:spcBef>
+              <a:spcAft>
+                <a:spcPts val="0"/>
+              </a:spcAft>
+              <a:buNone/>
+            </a:pPr>
+            <a:fld id="{00000000-1234-1234-1234-123412341234}" type="slidenum">
+              <a:rPr lang="en"/>
+              <a:t>15</a:t>
+            </a:fld>
+            <a:endParaRPr/>
+          </a:p>
+        </p:txBody>
+      </p:sp>
+      <p:pic>
+        <p:nvPicPr>
+          <p:cNvPr id="2" name="Picture 1">
+            <a:extLst>
+              <a:ext uri="{FF2B5EF4-FFF2-40B4-BE49-F238E27FC236}">
+                <a16:creationId xmlns:a16="http://schemas.microsoft.com/office/drawing/2014/main" id="{1261E10F-D648-43DE-82DA-37890CA9D4B6}"/>
+              </a:ext>
+            </a:extLst>
+          </p:cNvPr>
+          <p:cNvPicPr>
+            <a:picLocks noChangeAspect="1"/>
+          </p:cNvPicPr>
+          <p:nvPr/>
+        </p:nvPicPr>
+        <p:blipFill>
+          <a:blip r:embed="rId4"/>
+          <a:stretch>
+            <a:fillRect/>
+          </a:stretch>
+        </p:blipFill>
+        <p:spPr>
+          <a:xfrm>
+            <a:off x="1404689" y="3304418"/>
+            <a:ext cx="5441120" cy="1211344"/>
+          </a:xfrm>
+          <a:prstGeom prst="rect">
+            <a:avLst/>
+          </a:prstGeom>
+        </p:spPr>
+      </p:pic>
+    </p:spTree>
+    <p:extLst>
+      <p:ext uri="{BB962C8B-B14F-4D97-AF65-F5344CB8AC3E}">
+        <p14:creationId xmlns:p14="http://schemas.microsoft.com/office/powerpoint/2010/main" val="1435931525"/>
+      </p:ext>
+    </p:extLst>
+  </p:cSld>
+  <p:clrMapOvr>
+    <a:masterClrMapping/>
+  </p:clrMapOvr>
+</p:sld>
+</file>
+
+<file path=ppt/slides/slide16.xml><?xml version="1.0" encoding="utf-8"?>
+<p:sld xmlns:a="http://schemas.openxmlformats.org/drawingml/2006/main" xmlns:r="http://schemas.openxmlformats.org/officeDocument/2006/relationships" xmlns:p="http://schemas.openxmlformats.org/presentationml/2006/main">
+  <p:cSld>
+    <p:spTree>
+      <p:nvGrpSpPr>
+        <p:cNvPr id="1" name="Shape 406"/>
+        <p:cNvGrpSpPr/>
+        <p:nvPr/>
+      </p:nvGrpSpPr>
+      <p:grpSpPr>
+        <a:xfrm>
+          <a:off x="0" y="0"/>
+          <a:ext cx="0" cy="0"/>
+          <a:chOff x="0" y="0"/>
+          <a:chExt cx="0" cy="0"/>
+        </a:xfrm>
+      </p:grpSpPr>
+      <p:sp>
+        <p:nvSpPr>
+          <p:cNvPr id="407" name="Google Shape;407;p18"/>
+          <p:cNvSpPr txBox="1">
+            <a:spLocks noGrp="1"/>
+          </p:cNvSpPr>
+          <p:nvPr>
+            <p:ph type="title"/>
+          </p:nvPr>
+        </p:nvSpPr>
+        <p:spPr>
+          <a:xfrm>
+            <a:off x="1334450" y="805875"/>
+            <a:ext cx="6475200" cy="593700"/>
+          </a:xfrm>
+          <a:prstGeom prst="rect">
+            <a:avLst/>
+          </a:prstGeom>
+        </p:spPr>
+        <p:txBody>
+          <a:bodyPr spcFirstLastPara="1" wrap="square" lIns="0" tIns="0" rIns="0" bIns="0" anchor="b" anchorCtr="0">
+            <a:noAutofit/>
+          </a:bodyPr>
+          <a:lstStyle/>
+          <a:p>
+            <a:pPr marL="0" lvl="0" indent="0" algn="l" rtl="0">
+              <a:spcBef>
+                <a:spcPts val="0"/>
+              </a:spcBef>
+              <a:spcAft>
+                <a:spcPts val="0"/>
+              </a:spcAft>
+              <a:buNone/>
+            </a:pPr>
+            <a:r>
+              <a:rPr lang="en-US"/>
+              <a:t>Install </a:t>
+            </a:r>
+            <a:r>
+              <a:rPr lang="en-US">
+                <a:solidFill>
+                  <a:schemeClr val="accent1"/>
+                </a:solidFill>
+              </a:rPr>
               <a:t>blynk app @Arduino ide - 2</a:t>
             </a:r>
             <a:endParaRPr/>
@@ -19011,7 +19601,7 @@
             </a:pPr>
             <a:fld id="{00000000-1234-1234-1234-123412341234}" type="slidenum">
               <a:rPr lang="en"/>
-              <a:t>15</a:t>
+              <a:t>16</a:t>
             </a:fld>
             <a:endParaRPr/>
           </a:p>
@@ -19090,7 +19680,7 @@
 </p:sld>
 </file>
 
-<file path=ppt/slides/slide16.xml><?xml version="1.0" encoding="utf-8"?>
+<file path=ppt/slides/slide17.xml><?xml version="1.0" encoding="utf-8"?>
 <p:sld xmlns:a="http://schemas.openxmlformats.org/drawingml/2006/main" xmlns:r="http://schemas.openxmlformats.org/officeDocument/2006/relationships" xmlns:p="http://schemas.openxmlformats.org/presentationml/2006/main">
   <p:cSld>
     <p:spTree>
@@ -19253,7 +19843,7 @@
             </a:pPr>
             <a:fld id="{00000000-1234-1234-1234-123412341234}" type="slidenum">
               <a:rPr lang="en"/>
-              <a:t>16</a:t>
+              <a:t>17</a:t>
             </a:fld>
             <a:endParaRPr/>
           </a:p>
@@ -19302,7 +19892,7 @@
 </p:sld>
 </file>
 
-<file path=ppt/slides/slide17.xml><?xml version="1.0" encoding="utf-8"?>
+<file path=ppt/slides/slide18.xml><?xml version="1.0" encoding="utf-8"?>
 <p:sld xmlns:a="http://schemas.openxmlformats.org/drawingml/2006/main" xmlns:r="http://schemas.openxmlformats.org/officeDocument/2006/relationships" xmlns:p="http://schemas.openxmlformats.org/presentationml/2006/main">
   <p:cSld>
     <p:spTree>
@@ -19447,7 +20037,7 @@
             </a:pPr>
             <a:fld id="{00000000-1234-1234-1234-123412341234}" type="slidenum">
               <a:rPr lang="en"/>
-              <a:t>17</a:t>
+              <a:t>18</a:t>
             </a:fld>
             <a:endParaRPr/>
           </a:p>
@@ -19513,7 +20103,7 @@
 </p:sld>
 </file>
 
-<file path=ppt/slides/slide18.xml><?xml version="1.0" encoding="utf-8"?>
+<file path=ppt/slides/slide19.xml><?xml version="1.0" encoding="utf-8"?>
 <p:sld xmlns:a="http://schemas.openxmlformats.org/drawingml/2006/main" xmlns:r="http://schemas.openxmlformats.org/officeDocument/2006/relationships" xmlns:p="http://schemas.openxmlformats.org/presentationml/2006/main">
   <p:cSld>
     <p:spTree>
@@ -19674,7 +20264,7 @@
             </a:pPr>
             <a:fld id="{00000000-1234-1234-1234-123412341234}" type="slidenum">
               <a:rPr lang="en"/>
-              <a:t>18</a:t>
+              <a:t>19</a:t>
             </a:fld>
             <a:endParaRPr/>
           </a:p>
@@ -19714,157 +20304,6 @@
     <p:extLst>
       <p:ext uri="{BB962C8B-B14F-4D97-AF65-F5344CB8AC3E}">
         <p14:creationId xmlns:p14="http://schemas.microsoft.com/office/powerpoint/2010/main" val="1786142899"/>
-      </p:ext>
-    </p:extLst>
-  </p:cSld>
-  <p:clrMapOvr>
-    <a:masterClrMapping/>
-  </p:clrMapOvr>
-</p:sld>
-</file>
-
-<file path=ppt/slides/slide19.xml><?xml version="1.0" encoding="utf-8"?>
-<p:sld xmlns:a="http://schemas.openxmlformats.org/drawingml/2006/main" xmlns:r="http://schemas.openxmlformats.org/officeDocument/2006/relationships" xmlns:p="http://schemas.openxmlformats.org/presentationml/2006/main">
-  <p:cSld>
-    <p:spTree>
-      <p:nvGrpSpPr>
-        <p:cNvPr id="1" name="Shape 406"/>
-        <p:cNvGrpSpPr/>
-        <p:nvPr/>
-      </p:nvGrpSpPr>
-      <p:grpSpPr>
-        <a:xfrm>
-          <a:off x="0" y="0"/>
-          <a:ext cx="0" cy="0"/>
-          <a:chOff x="0" y="0"/>
-          <a:chExt cx="0" cy="0"/>
-        </a:xfrm>
-      </p:grpSpPr>
-      <p:sp>
-        <p:nvSpPr>
-          <p:cNvPr id="407" name="Google Shape;407;p18"/>
-          <p:cNvSpPr txBox="1">
-            <a:spLocks noGrp="1"/>
-          </p:cNvSpPr>
-          <p:nvPr>
-            <p:ph type="title"/>
-          </p:nvPr>
-        </p:nvSpPr>
-        <p:spPr>
-          <a:xfrm>
-            <a:off x="1334450" y="805875"/>
-            <a:ext cx="6475200" cy="593700"/>
-          </a:xfrm>
-          <a:prstGeom prst="rect">
-            <a:avLst/>
-          </a:prstGeom>
-        </p:spPr>
-        <p:txBody>
-          <a:bodyPr spcFirstLastPara="1" wrap="square" lIns="0" tIns="0" rIns="0" bIns="0" anchor="b" anchorCtr="0">
-            <a:noAutofit/>
-          </a:bodyPr>
-          <a:lstStyle/>
-          <a:p>
-            <a:pPr marL="0" lvl="0" indent="0" algn="l" rtl="0">
-              <a:spcBef>
-                <a:spcPts val="0"/>
-              </a:spcBef>
-              <a:spcAft>
-                <a:spcPts val="0"/>
-              </a:spcAft>
-              <a:buNone/>
-            </a:pPr>
-            <a:r>
-              <a:rPr lang="en-US"/>
-              <a:t>connect </a:t>
-            </a:r>
-            <a:r>
-              <a:rPr lang="en-US">
-                <a:solidFill>
-                  <a:schemeClr val="accent1"/>
-                </a:solidFill>
-              </a:rPr>
-              <a:t>iot device w/ auth token - 4</a:t>
-            </a:r>
-            <a:endParaRPr/>
-          </a:p>
-        </p:txBody>
-      </p:sp>
-      <p:sp>
-        <p:nvSpPr>
-          <p:cNvPr id="409" name="Google Shape;409;p18"/>
-          <p:cNvSpPr txBox="1">
-            <a:spLocks noGrp="1"/>
-          </p:cNvSpPr>
-          <p:nvPr>
-            <p:ph type="sldNum" idx="12"/>
-          </p:nvPr>
-        </p:nvSpPr>
-        <p:spPr>
-          <a:xfrm>
-            <a:off x="8552377" y="4673650"/>
-            <a:ext cx="400800" cy="393600"/>
-          </a:xfrm>
-          <a:prstGeom prst="rect">
-            <a:avLst/>
-          </a:prstGeom>
-        </p:spPr>
-        <p:txBody>
-          <a:bodyPr spcFirstLastPara="1" wrap="square" lIns="0" tIns="0" rIns="0" bIns="0" anchor="ctr" anchorCtr="0">
-            <a:noAutofit/>
-          </a:bodyPr>
-          <a:lstStyle/>
-          <a:p>
-            <a:pPr marL="0" lvl="0" indent="0" algn="r" rtl="0">
-              <a:spcBef>
-                <a:spcPts val="0"/>
-              </a:spcBef>
-              <a:spcAft>
-                <a:spcPts val="0"/>
-              </a:spcAft>
-              <a:buNone/>
-            </a:pPr>
-            <a:fld id="{00000000-1234-1234-1234-123412341234}" type="slidenum">
-              <a:rPr lang="en"/>
-              <a:t>19</a:t>
-            </a:fld>
-            <a:endParaRPr/>
-          </a:p>
-        </p:txBody>
-      </p:sp>
-      <p:pic>
-        <p:nvPicPr>
-          <p:cNvPr id="2" name="Picture 1">
-            <a:extLst>
-              <a:ext uri="{FF2B5EF4-FFF2-40B4-BE49-F238E27FC236}">
-                <a16:creationId xmlns:a16="http://schemas.microsoft.com/office/drawing/2014/main" id="{CF39C02F-9923-4FA9-AE51-CFFF9462C90F}"/>
-              </a:ext>
-            </a:extLst>
-          </p:cNvPr>
-          <p:cNvPicPr>
-            <a:picLocks noChangeAspect="1"/>
-          </p:cNvPicPr>
-          <p:nvPr/>
-        </p:nvPicPr>
-        <p:blipFill>
-          <a:blip r:embed="rId3"/>
-          <a:srcRect/>
-          <a:stretch/>
-        </p:blipFill>
-        <p:spPr>
-          <a:xfrm>
-            <a:off x="2961187" y="1530903"/>
-            <a:ext cx="3221626" cy="3339547"/>
-          </a:xfrm>
-          <a:prstGeom prst="rect">
-            <a:avLst/>
-          </a:prstGeom>
-        </p:spPr>
-      </p:pic>
-    </p:spTree>
-    <p:extLst>
-      <p:ext uri="{BB962C8B-B14F-4D97-AF65-F5344CB8AC3E}">
-        <p14:creationId xmlns:p14="http://schemas.microsoft.com/office/powerpoint/2010/main" val="1484620203"/>
       </p:ext>
     </p:extLst>
   </p:cSld>
@@ -20256,7 +20695,7 @@
                   <a:schemeClr val="accent1"/>
                 </a:solidFill>
               </a:rPr>
-              <a:t>iot device w/ auth token - 5</a:t>
+              <a:t>iot device w/ auth token - 4</a:t>
             </a:r>
             <a:endParaRPr/>
           </a:p>
@@ -20325,8 +20764,8 @@
         </p:blipFill>
         <p:spPr>
           <a:xfrm>
-            <a:off x="3198386" y="1530903"/>
-            <a:ext cx="2747228" cy="3339547"/>
+            <a:off x="2961187" y="1530903"/>
+            <a:ext cx="3221626" cy="3339547"/>
           </a:xfrm>
           <a:prstGeom prst="rect">
             <a:avLst/>
@@ -20336,7 +20775,7 @@
     </p:spTree>
     <p:extLst>
       <p:ext uri="{BB962C8B-B14F-4D97-AF65-F5344CB8AC3E}">
-        <p14:creationId xmlns:p14="http://schemas.microsoft.com/office/powerpoint/2010/main" val="2068303267"/>
+        <p14:creationId xmlns:p14="http://schemas.microsoft.com/office/powerpoint/2010/main" val="1484620203"/>
       </p:ext>
     </p:extLst>
   </p:cSld>
@@ -20399,7 +20838,7 @@
             </a:pPr>
             <a:r>
               <a:rPr lang="en-US"/>
-              <a:t>the </a:t>
+              <a:t>connect </a:t>
             </a:r>
             <a:r>
               <a:rPr lang="en-US">
@@ -20407,7 +20846,7 @@
                   <a:schemeClr val="accent1"/>
                 </a:solidFill>
               </a:rPr>
-              <a:t>results (connection)</a:t>
+              <a:t>iot device w/ auth token - 5</a:t>
             </a:r>
             <a:endParaRPr/>
           </a:p>
@@ -20457,10 +20896,10 @@
       </p:sp>
       <p:pic>
         <p:nvPicPr>
-          <p:cNvPr id="6" name="Picture 5">
+          <p:cNvPr id="2" name="Picture 1">
             <a:extLst>
               <a:ext uri="{FF2B5EF4-FFF2-40B4-BE49-F238E27FC236}">
-                <a16:creationId xmlns:a16="http://schemas.microsoft.com/office/drawing/2014/main" id="{5EB37100-F951-4602-84EF-902D079CF54D}"/>
+                <a16:creationId xmlns:a16="http://schemas.microsoft.com/office/drawing/2014/main" id="{CF39C02F-9923-4FA9-AE51-CFFF9462C90F}"/>
               </a:ext>
             </a:extLst>
           </p:cNvPr>
@@ -20471,14 +20910,13 @@
         </p:nvPicPr>
         <p:blipFill>
           <a:blip r:embed="rId3"/>
-          <a:stretch>
-            <a:fillRect/>
-          </a:stretch>
+          <a:srcRect/>
+          <a:stretch/>
         </p:blipFill>
         <p:spPr>
           <a:xfrm>
-            <a:off x="1334450" y="1719629"/>
-            <a:ext cx="5017113" cy="2792860"/>
+            <a:off x="3198386" y="1530903"/>
+            <a:ext cx="2747228" cy="3339547"/>
           </a:xfrm>
           <a:prstGeom prst="rect">
             <a:avLst/>
@@ -20488,7 +20926,7 @@
     </p:spTree>
     <p:extLst>
       <p:ext uri="{BB962C8B-B14F-4D97-AF65-F5344CB8AC3E}">
-        <p14:creationId xmlns:p14="http://schemas.microsoft.com/office/powerpoint/2010/main" val="2740415114"/>
+        <p14:creationId xmlns:p14="http://schemas.microsoft.com/office/powerpoint/2010/main" val="2068303267"/>
       </p:ext>
     </p:extLst>
   </p:cSld>
@@ -20559,6 +20997,158 @@
                   <a:schemeClr val="accent1"/>
                 </a:solidFill>
               </a:rPr>
+              <a:t>results (connection)</a:t>
+            </a:r>
+            <a:endParaRPr/>
+          </a:p>
+        </p:txBody>
+      </p:sp>
+      <p:sp>
+        <p:nvSpPr>
+          <p:cNvPr id="409" name="Google Shape;409;p18"/>
+          <p:cNvSpPr txBox="1">
+            <a:spLocks noGrp="1"/>
+          </p:cNvSpPr>
+          <p:nvPr>
+            <p:ph type="sldNum" idx="12"/>
+          </p:nvPr>
+        </p:nvSpPr>
+        <p:spPr>
+          <a:xfrm>
+            <a:off x="8552377" y="4673650"/>
+            <a:ext cx="400800" cy="393600"/>
+          </a:xfrm>
+          <a:prstGeom prst="rect">
+            <a:avLst/>
+          </a:prstGeom>
+        </p:spPr>
+        <p:txBody>
+          <a:bodyPr spcFirstLastPara="1" wrap="square" lIns="0" tIns="0" rIns="0" bIns="0" anchor="ctr" anchorCtr="0">
+            <a:noAutofit/>
+          </a:bodyPr>
+          <a:lstStyle/>
+          <a:p>
+            <a:pPr marL="0" lvl="0" indent="0" algn="r" rtl="0">
+              <a:spcBef>
+                <a:spcPts val="0"/>
+              </a:spcBef>
+              <a:spcAft>
+                <a:spcPts val="0"/>
+              </a:spcAft>
+              <a:buNone/>
+            </a:pPr>
+            <a:fld id="{00000000-1234-1234-1234-123412341234}" type="slidenum">
+              <a:rPr lang="en"/>
+              <a:t>22</a:t>
+            </a:fld>
+            <a:endParaRPr/>
+          </a:p>
+        </p:txBody>
+      </p:sp>
+      <p:pic>
+        <p:nvPicPr>
+          <p:cNvPr id="6" name="Picture 5">
+            <a:extLst>
+              <a:ext uri="{FF2B5EF4-FFF2-40B4-BE49-F238E27FC236}">
+                <a16:creationId xmlns:a16="http://schemas.microsoft.com/office/drawing/2014/main" id="{5EB37100-F951-4602-84EF-902D079CF54D}"/>
+              </a:ext>
+            </a:extLst>
+          </p:cNvPr>
+          <p:cNvPicPr>
+            <a:picLocks noChangeAspect="1"/>
+          </p:cNvPicPr>
+          <p:nvPr/>
+        </p:nvPicPr>
+        <p:blipFill>
+          <a:blip r:embed="rId3"/>
+          <a:stretch>
+            <a:fillRect/>
+          </a:stretch>
+        </p:blipFill>
+        <p:spPr>
+          <a:xfrm>
+            <a:off x="1334450" y="1719629"/>
+            <a:ext cx="5017113" cy="2792860"/>
+          </a:xfrm>
+          <a:prstGeom prst="rect">
+            <a:avLst/>
+          </a:prstGeom>
+        </p:spPr>
+      </p:pic>
+    </p:spTree>
+    <p:extLst>
+      <p:ext uri="{BB962C8B-B14F-4D97-AF65-F5344CB8AC3E}">
+        <p14:creationId xmlns:p14="http://schemas.microsoft.com/office/powerpoint/2010/main" val="2740415114"/>
+      </p:ext>
+    </p:extLst>
+  </p:cSld>
+  <p:clrMapOvr>
+    <a:masterClrMapping/>
+  </p:clrMapOvr>
+</p:sld>
+</file>
+
+<file path=ppt/slides/slide23.xml><?xml version="1.0" encoding="utf-8"?>
+<p:sld xmlns:a="http://schemas.openxmlformats.org/drawingml/2006/main" xmlns:r="http://schemas.openxmlformats.org/officeDocument/2006/relationships" xmlns:p="http://schemas.openxmlformats.org/presentationml/2006/main">
+  <p:cSld>
+    <p:spTree>
+      <p:nvGrpSpPr>
+        <p:cNvPr id="1" name="Shape 406"/>
+        <p:cNvGrpSpPr/>
+        <p:nvPr/>
+      </p:nvGrpSpPr>
+      <p:grpSpPr>
+        <a:xfrm>
+          <a:off x="0" y="0"/>
+          <a:ext cx="0" cy="0"/>
+          <a:chOff x="0" y="0"/>
+          <a:chExt cx="0" cy="0"/>
+        </a:xfrm>
+      </p:grpSpPr>
+      <p:sp>
+        <p:nvSpPr>
+          <p:cNvPr id="407" name="Google Shape;407;p18"/>
+          <p:cNvSpPr txBox="1">
+            <a:spLocks noGrp="1"/>
+          </p:cNvSpPr>
+          <p:nvPr>
+            <p:ph type="title"/>
+          </p:nvPr>
+        </p:nvSpPr>
+        <p:spPr>
+          <a:xfrm>
+            <a:off x="1334450" y="805875"/>
+            <a:ext cx="6475200" cy="593700"/>
+          </a:xfrm>
+          <a:prstGeom prst="rect">
+            <a:avLst/>
+          </a:prstGeom>
+        </p:spPr>
+        <p:txBody>
+          <a:bodyPr spcFirstLastPara="1" wrap="square" lIns="0" tIns="0" rIns="0" bIns="0" anchor="b" anchorCtr="0">
+            <a:noAutofit/>
+          </a:bodyPr>
+          <a:lstStyle/>
+          <a:p>
+            <a:pPr marL="0" lvl="0" indent="0" algn="l" rtl="0">
+              <a:spcBef>
+                <a:spcPts val="0"/>
+              </a:spcBef>
+              <a:spcAft>
+                <a:spcPts val="0"/>
+              </a:spcAft>
+              <a:buNone/>
+            </a:pPr>
+            <a:r>
+              <a:rPr lang="en-US"/>
+              <a:t>the </a:t>
+            </a:r>
+            <a:r>
+              <a:rPr lang="en-US">
+                <a:solidFill>
+                  <a:schemeClr val="accent1"/>
+                </a:solidFill>
+              </a:rPr>
               <a:t>results - 2</a:t>
             </a:r>
             <a:endParaRPr/>
@@ -20601,7 +21191,7 @@
             </a:pPr>
             <a:fld id="{00000000-1234-1234-1234-123412341234}" type="slidenum">
               <a:rPr lang="en"/>
-              <a:t>22</a:t>
+              <a:t>23</a:t>
             </a:fld>
             <a:endParaRPr/>
           </a:p>
@@ -20842,7 +21432,7 @@
 </p:sld>
 </file>
 
-<file path=ppt/slides/slide23.xml><?xml version="1.0" encoding="utf-8"?>
+<file path=ppt/slides/slide24.xml><?xml version="1.0" encoding="utf-8"?>
 <p:sld xmlns:a="http://schemas.openxmlformats.org/drawingml/2006/main" xmlns:r="http://schemas.openxmlformats.org/officeDocument/2006/relationships" xmlns:p="http://schemas.openxmlformats.org/presentationml/2006/main">
   <p:cSld>
     <p:spTree>
@@ -21000,7 +21590,7 @@
             </a:pPr>
             <a:fld id="{00000000-1234-1234-1234-123412341234}" type="slidenum">
               <a:rPr lang="en"/>
-              <a:t>23</a:t>
+              <a:t>24</a:t>
             </a:fld>
             <a:endParaRPr/>
           </a:p>
@@ -21019,7 +21609,7 @@
 </p:sld>
 </file>
 
-<file path=ppt/slides/slide24.xml><?xml version="1.0" encoding="utf-8"?>
+<file path=ppt/slides/slide25.xml><?xml version="1.0" encoding="utf-8"?>
 <p:sld xmlns:a="http://schemas.openxmlformats.org/drawingml/2006/main" xmlns:r="http://schemas.openxmlformats.org/officeDocument/2006/relationships" xmlns:p="http://schemas.openxmlformats.org/presentationml/2006/main">
   <p:cSld>
     <p:bg>
@@ -21151,7 +21741,7 @@
             </a:pPr>
             <a:fld id="{00000000-1234-1234-1234-123412341234}" type="slidenum">
               <a:rPr lang="en"/>
-              <a:t>24</a:t>
+              <a:t>25</a:t>
             </a:fld>
             <a:endParaRPr/>
           </a:p>
@@ -21195,7 +21785,7 @@
 </p:sld>
 </file>
 
-<file path=ppt/slides/slide25.xml><?xml version="1.0" encoding="utf-8"?>
+<file path=ppt/slides/slide26.xml><?xml version="1.0" encoding="utf-8"?>
 <p:sld xmlns:a="http://schemas.openxmlformats.org/drawingml/2006/main" xmlns:r="http://schemas.openxmlformats.org/officeDocument/2006/relationships" xmlns:p="http://schemas.openxmlformats.org/presentationml/2006/main">
   <p:cSld>
     <p:spTree>
@@ -24795,7 +25385,7 @@
             </a:pPr>
             <a:fld id="{00000000-1234-1234-1234-123412341234}" type="slidenum">
               <a:rPr lang="en"/>
-              <a:t>25</a:t>
+              <a:t>26</a:t>
             </a:fld>
             <a:endParaRPr/>
           </a:p>
@@ -24877,1307 +25467,6 @@
     <p:extLst>
       <p:ext uri="{BB962C8B-B14F-4D97-AF65-F5344CB8AC3E}">
         <p14:creationId xmlns:p14="http://schemas.microsoft.com/office/powerpoint/2010/main" val="996107057"/>
-      </p:ext>
-    </p:extLst>
-  </p:cSld>
-  <p:clrMapOvr>
-    <a:masterClrMapping/>
-  </p:clrMapOvr>
-</p:sld>
-</file>
-
-<file path=ppt/slides/slide26.xml><?xml version="1.0" encoding="utf-8"?>
-<p:sld xmlns:a="http://schemas.openxmlformats.org/drawingml/2006/main" xmlns:r="http://schemas.openxmlformats.org/officeDocument/2006/relationships" xmlns:p="http://schemas.openxmlformats.org/presentationml/2006/main">
-  <p:cSld>
-    <p:spTree>
-      <p:nvGrpSpPr>
-        <p:cNvPr id="1" name="Shape 434"/>
-        <p:cNvGrpSpPr/>
-        <p:nvPr/>
-      </p:nvGrpSpPr>
-      <p:grpSpPr>
-        <a:xfrm>
-          <a:off x="0" y="0"/>
-          <a:ext cx="0" cy="0"/>
-          <a:chOff x="0" y="0"/>
-          <a:chExt cx="0" cy="0"/>
-        </a:xfrm>
-      </p:grpSpPr>
-      <p:sp>
-        <p:nvSpPr>
-          <p:cNvPr id="9" name="Rectangle 8">
-            <a:extLst>
-              <a:ext uri="{FF2B5EF4-FFF2-40B4-BE49-F238E27FC236}">
-                <a16:creationId xmlns:a16="http://schemas.microsoft.com/office/drawing/2014/main" id="{F8B9ED47-4595-443D-9FF3-816F087A7381}"/>
-              </a:ext>
-            </a:extLst>
-          </p:cNvPr>
-          <p:cNvSpPr/>
-          <p:nvPr/>
-        </p:nvSpPr>
-        <p:spPr>
-          <a:xfrm>
-            <a:off x="5966940" y="1478165"/>
-            <a:ext cx="3177060" cy="3499471"/>
-          </a:xfrm>
-          <a:prstGeom prst="rect">
-            <a:avLst/>
-          </a:prstGeom>
-          <a:solidFill>
-            <a:schemeClr val="tx1"/>
-          </a:solidFill>
-        </p:spPr>
-        <p:style>
-          <a:lnRef idx="2">
-            <a:schemeClr val="accent1">
-              <a:shade val="50000"/>
-            </a:schemeClr>
-          </a:lnRef>
-          <a:fillRef idx="1">
-            <a:schemeClr val="accent1"/>
-          </a:fillRef>
-          <a:effectRef idx="0">
-            <a:schemeClr val="accent1"/>
-          </a:effectRef>
-          <a:fontRef idx="minor">
-            <a:schemeClr val="lt1"/>
-          </a:fontRef>
-        </p:style>
-        <p:txBody>
-          <a:bodyPr rtlCol="0" anchor="ctr"/>
-          <a:lstStyle/>
-          <a:p>
-            <a:pPr algn="ctr"/>
-            <a:endParaRPr lang="en-US"/>
-          </a:p>
-        </p:txBody>
-      </p:sp>
-      <p:sp>
-        <p:nvSpPr>
-          <p:cNvPr id="2" name="Rectangle 1">
-            <a:extLst>
-              <a:ext uri="{FF2B5EF4-FFF2-40B4-BE49-F238E27FC236}">
-                <a16:creationId xmlns:a16="http://schemas.microsoft.com/office/drawing/2014/main" id="{9E820815-BA7A-4E97-B6FE-9E27F78EF429}"/>
-              </a:ext>
-            </a:extLst>
-          </p:cNvPr>
-          <p:cNvSpPr/>
-          <p:nvPr/>
-        </p:nvSpPr>
-        <p:spPr>
-          <a:xfrm>
-            <a:off x="393801" y="1478165"/>
-            <a:ext cx="5491360" cy="3499471"/>
-          </a:xfrm>
-          <a:prstGeom prst="rect">
-            <a:avLst/>
-          </a:prstGeom>
-        </p:spPr>
-        <p:style>
-          <a:lnRef idx="2">
-            <a:schemeClr val="accent1">
-              <a:shade val="50000"/>
-            </a:schemeClr>
-          </a:lnRef>
-          <a:fillRef idx="1">
-            <a:schemeClr val="accent1"/>
-          </a:fillRef>
-          <a:effectRef idx="0">
-            <a:schemeClr val="accent1"/>
-          </a:effectRef>
-          <a:fontRef idx="minor">
-            <a:schemeClr val="lt1"/>
-          </a:fontRef>
-        </p:style>
-        <p:txBody>
-          <a:bodyPr rtlCol="0" anchor="ctr"/>
-          <a:lstStyle/>
-          <a:p>
-            <a:pPr algn="ctr"/>
-            <a:endParaRPr lang="en-US"/>
-          </a:p>
-        </p:txBody>
-      </p:sp>
-      <p:sp>
-        <p:nvSpPr>
-          <p:cNvPr id="435" name="Google Shape;435;p20"/>
-          <p:cNvSpPr txBox="1">
-            <a:spLocks noGrp="1"/>
-          </p:cNvSpPr>
-          <p:nvPr>
-            <p:ph type="body" idx="1"/>
-          </p:nvPr>
-        </p:nvSpPr>
-        <p:spPr>
-          <a:xfrm>
-            <a:off x="475580" y="1679950"/>
-            <a:ext cx="2549920" cy="2993700"/>
-          </a:xfrm>
-          <a:prstGeom prst="rect">
-            <a:avLst/>
-          </a:prstGeom>
-        </p:spPr>
-        <p:txBody>
-          <a:bodyPr spcFirstLastPara="1" wrap="square" lIns="0" tIns="0" rIns="0" bIns="0" anchor="t" anchorCtr="0">
-            <a:noAutofit/>
-          </a:bodyPr>
-          <a:lstStyle/>
-          <a:p>
-            <a:pPr marL="0" lvl="0" indent="0" algn="l" rtl="0">
-              <a:spcBef>
-                <a:spcPts val="0"/>
-              </a:spcBef>
-              <a:spcAft>
-                <a:spcPts val="0"/>
-              </a:spcAft>
-              <a:buNone/>
-            </a:pPr>
-            <a:r>
-              <a:rPr lang="en-US" b="1"/>
-              <a:t>Add New Widget</a:t>
-            </a:r>
-            <a:endParaRPr b="1"/>
-          </a:p>
-          <a:p>
-            <a:pPr marL="0" lvl="0" indent="0" algn="l" rtl="0">
-              <a:spcBef>
-                <a:spcPts val="600"/>
-              </a:spcBef>
-              <a:spcAft>
-                <a:spcPts val="600"/>
-              </a:spcAft>
-              <a:buNone/>
-            </a:pPr>
-            <a:r>
-              <a:rPr lang="en-US"/>
-              <a:t>Create two (2) widget to show current sensor value. </a:t>
-            </a:r>
-          </a:p>
-          <a:p>
-            <a:pPr marL="0" lvl="0" indent="0" algn="l" rtl="0">
-              <a:spcBef>
-                <a:spcPts val="600"/>
-              </a:spcBef>
-              <a:spcAft>
-                <a:spcPts val="600"/>
-              </a:spcAft>
-              <a:buNone/>
-            </a:pPr>
-            <a:r>
-              <a:rPr lang="en-US"/>
-              <a:t>1 widget for temperature</a:t>
-            </a:r>
-          </a:p>
-          <a:p>
-            <a:pPr marL="0" lvl="0" indent="0" algn="l" rtl="0">
-              <a:spcBef>
-                <a:spcPts val="600"/>
-              </a:spcBef>
-              <a:spcAft>
-                <a:spcPts val="600"/>
-              </a:spcAft>
-              <a:buNone/>
-            </a:pPr>
-            <a:r>
-              <a:rPr lang="en-US"/>
-              <a:t>1 widget for humidity</a:t>
-            </a:r>
-            <a:endParaRPr/>
-          </a:p>
-        </p:txBody>
-      </p:sp>
-      <p:sp>
-        <p:nvSpPr>
-          <p:cNvPr id="436" name="Google Shape;436;p20"/>
-          <p:cNvSpPr txBox="1">
-            <a:spLocks noGrp="1"/>
-          </p:cNvSpPr>
-          <p:nvPr>
-            <p:ph type="title"/>
-          </p:nvPr>
-        </p:nvSpPr>
-        <p:spPr>
-          <a:xfrm>
-            <a:off x="1334450" y="805875"/>
-            <a:ext cx="6475200" cy="593700"/>
-          </a:xfrm>
-          <a:prstGeom prst="rect">
-            <a:avLst/>
-          </a:prstGeom>
-        </p:spPr>
-        <p:txBody>
-          <a:bodyPr spcFirstLastPara="1" wrap="square" lIns="0" tIns="0" rIns="0" bIns="0" anchor="b" anchorCtr="0">
-            <a:noAutofit/>
-          </a:bodyPr>
-          <a:lstStyle/>
-          <a:p>
-            <a:pPr marL="0" lvl="0" indent="0" algn="l" rtl="0">
-              <a:spcBef>
-                <a:spcPts val="0"/>
-              </a:spcBef>
-              <a:spcAft>
-                <a:spcPts val="0"/>
-              </a:spcAft>
-              <a:buNone/>
-            </a:pPr>
-            <a:r>
-              <a:rPr lang="en-US"/>
-              <a:t>How to</a:t>
-            </a:r>
-            <a:r>
-              <a:rPr lang="en"/>
-              <a:t> </a:t>
-            </a:r>
-            <a:r>
-              <a:rPr lang="en-US">
-                <a:solidFill>
-                  <a:schemeClr val="accent1"/>
-                </a:solidFill>
-              </a:rPr>
-              <a:t>do</a:t>
-            </a:r>
-            <a:r>
-              <a:rPr lang="en"/>
-              <a:t> </a:t>
-            </a:r>
-            <a:r>
-              <a:rPr lang="en-US"/>
-              <a:t>that ?</a:t>
-            </a:r>
-            <a:endParaRPr/>
-          </a:p>
-        </p:txBody>
-      </p:sp>
-      <p:sp>
-        <p:nvSpPr>
-          <p:cNvPr id="437" name="Google Shape;437;p20"/>
-          <p:cNvSpPr txBox="1">
-            <a:spLocks noGrp="1"/>
-          </p:cNvSpPr>
-          <p:nvPr>
-            <p:ph type="body" idx="2"/>
-          </p:nvPr>
-        </p:nvSpPr>
-        <p:spPr>
-          <a:xfrm>
-            <a:off x="3263289" y="1679950"/>
-            <a:ext cx="2549921" cy="2993700"/>
-          </a:xfrm>
-          <a:prstGeom prst="rect">
-            <a:avLst/>
-          </a:prstGeom>
-        </p:spPr>
-        <p:txBody>
-          <a:bodyPr spcFirstLastPara="1" wrap="square" lIns="0" tIns="0" rIns="0" bIns="0" anchor="t" anchorCtr="0">
-            <a:noAutofit/>
-          </a:bodyPr>
-          <a:lstStyle/>
-          <a:p>
-            <a:pPr marL="0" lvl="0" indent="0" algn="l" rtl="0">
-              <a:spcBef>
-                <a:spcPts val="0"/>
-              </a:spcBef>
-              <a:spcAft>
-                <a:spcPts val="0"/>
-              </a:spcAft>
-              <a:buNone/>
-            </a:pPr>
-            <a:r>
-              <a:rPr lang="en-US" b="1">
-                <a:solidFill>
-                  <a:schemeClr val="tx1"/>
-                </a:solidFill>
-              </a:rPr>
-              <a:t>Settings up Widget</a:t>
-            </a:r>
-            <a:endParaRPr b="1">
-              <a:solidFill>
-                <a:schemeClr val="tx1"/>
-              </a:solidFill>
-            </a:endParaRPr>
-          </a:p>
-          <a:p>
-            <a:pPr marL="0" lvl="0" indent="0" algn="l" rtl="0">
-              <a:spcBef>
-                <a:spcPts val="600"/>
-              </a:spcBef>
-              <a:spcAft>
-                <a:spcPts val="600"/>
-              </a:spcAft>
-              <a:buNone/>
-            </a:pPr>
-            <a:r>
-              <a:rPr lang="en-US">
-                <a:solidFill>
-                  <a:schemeClr val="tx1"/>
-                </a:solidFill>
-              </a:rPr>
-              <a:t>Modify the widget setting and make it able to receive the sensor value through Virtual Pin (Blynk)</a:t>
-            </a:r>
-            <a:endParaRPr>
-              <a:solidFill>
-                <a:schemeClr val="tx1"/>
-              </a:solidFill>
-            </a:endParaRPr>
-          </a:p>
-        </p:txBody>
-      </p:sp>
-      <p:sp>
-        <p:nvSpPr>
-          <p:cNvPr id="438" name="Google Shape;438;p20"/>
-          <p:cNvSpPr txBox="1">
-            <a:spLocks noGrp="1"/>
-          </p:cNvSpPr>
-          <p:nvPr>
-            <p:ph type="sldNum" idx="12"/>
-          </p:nvPr>
-        </p:nvSpPr>
-        <p:spPr>
-          <a:xfrm>
-            <a:off x="8552377" y="4673650"/>
-            <a:ext cx="400800" cy="393600"/>
-          </a:xfrm>
-          <a:prstGeom prst="rect">
-            <a:avLst/>
-          </a:prstGeom>
-        </p:spPr>
-        <p:txBody>
-          <a:bodyPr spcFirstLastPara="1" wrap="square" lIns="0" tIns="0" rIns="0" bIns="0" anchor="ctr" anchorCtr="0">
-            <a:noAutofit/>
-          </a:bodyPr>
-          <a:lstStyle/>
-          <a:p>
-            <a:pPr marL="0" lvl="0" indent="0" algn="r" rtl="0">
-              <a:spcBef>
-                <a:spcPts val="0"/>
-              </a:spcBef>
-              <a:spcAft>
-                <a:spcPts val="0"/>
-              </a:spcAft>
-              <a:buNone/>
-            </a:pPr>
-            <a:fld id="{00000000-1234-1234-1234-123412341234}" type="slidenum">
-              <a:rPr lang="en"/>
-              <a:t>26</a:t>
-            </a:fld>
-            <a:endParaRPr/>
-          </a:p>
-        </p:txBody>
-      </p:sp>
-      <p:sp>
-        <p:nvSpPr>
-          <p:cNvPr id="6" name="Google Shape;435;p20">
-            <a:extLst>
-              <a:ext uri="{FF2B5EF4-FFF2-40B4-BE49-F238E27FC236}">
-                <a16:creationId xmlns:a16="http://schemas.microsoft.com/office/drawing/2014/main" id="{C1BBE288-59B0-46D1-80D4-EC1C4B48D1A2}"/>
-              </a:ext>
-            </a:extLst>
-          </p:cNvPr>
-          <p:cNvSpPr txBox="1">
-            <a:spLocks/>
-          </p:cNvSpPr>
-          <p:nvPr/>
-        </p:nvSpPr>
-        <p:spPr>
-          <a:xfrm>
-            <a:off x="6051000" y="1679950"/>
-            <a:ext cx="3093000" cy="2993700"/>
-          </a:xfrm>
-          <a:prstGeom prst="rect">
-            <a:avLst/>
-          </a:prstGeom>
-          <a:noFill/>
-          <a:ln>
-            <a:noFill/>
-          </a:ln>
-        </p:spPr>
-        <p:txBody>
-          <a:bodyPr spcFirstLastPara="1" wrap="square" lIns="0" tIns="0" rIns="0" bIns="0" anchor="t" anchorCtr="0">
-            <a:noAutofit/>
-          </a:bodyPr>
-          <a:lstStyle>
-            <a:defPPr marR="0" lvl="0" algn="l" rtl="0">
-              <a:lnSpc>
-                <a:spcPct val="100000"/>
-              </a:lnSpc>
-              <a:spcBef>
-                <a:spcPts val="0"/>
-              </a:spcBef>
-              <a:spcAft>
-                <a:spcPts val="0"/>
-              </a:spcAft>
-            </a:defPPr>
-            <a:lvl1pPr marL="457200" marR="0" lvl="0" indent="-355600" algn="l" rtl="0">
-              <a:lnSpc>
-                <a:spcPct val="100000"/>
-              </a:lnSpc>
-              <a:spcBef>
-                <a:spcPts val="0"/>
-              </a:spcBef>
-              <a:spcAft>
-                <a:spcPts val="0"/>
-              </a:spcAft>
-              <a:buClr>
-                <a:schemeClr val="accent1"/>
-              </a:buClr>
-              <a:buSzPts val="2000"/>
-              <a:buFont typeface="Saira SemiCondensed Light"/>
-              <a:buChar char="⩥"/>
-              <a:defRPr sz="2000" b="0" i="0" u="none" strike="noStrike" cap="none">
-                <a:solidFill>
-                  <a:schemeClr val="dk1"/>
-                </a:solidFill>
-                <a:latin typeface="Saira SemiCondensed Light"/>
-                <a:ea typeface="Saira SemiCondensed Light"/>
-                <a:cs typeface="Saira SemiCondensed Light"/>
-                <a:sym typeface="Saira SemiCondensed Light"/>
-              </a:defRPr>
-            </a:lvl1pPr>
-            <a:lvl2pPr marL="914400" marR="0" lvl="1" indent="-355600" algn="l" rtl="0">
-              <a:lnSpc>
-                <a:spcPct val="100000"/>
-              </a:lnSpc>
-              <a:spcBef>
-                <a:spcPts val="600"/>
-              </a:spcBef>
-              <a:spcAft>
-                <a:spcPts val="0"/>
-              </a:spcAft>
-              <a:buClr>
-                <a:schemeClr val="accent2"/>
-              </a:buClr>
-              <a:buSzPts val="2000"/>
-              <a:buFont typeface="Saira SemiCondensed Light"/>
-              <a:buChar char="⊳"/>
-              <a:defRPr sz="2000" b="0" i="0" u="none" strike="noStrike" cap="none">
-                <a:solidFill>
-                  <a:schemeClr val="dk1"/>
-                </a:solidFill>
-                <a:latin typeface="Saira SemiCondensed Light"/>
-                <a:ea typeface="Saira SemiCondensed Light"/>
-                <a:cs typeface="Saira SemiCondensed Light"/>
-                <a:sym typeface="Saira SemiCondensed Light"/>
-              </a:defRPr>
-            </a:lvl2pPr>
-            <a:lvl3pPr marL="1371600" marR="0" lvl="2" indent="-355600" algn="l" rtl="0">
-              <a:lnSpc>
-                <a:spcPct val="100000"/>
-              </a:lnSpc>
-              <a:spcBef>
-                <a:spcPts val="600"/>
-              </a:spcBef>
-              <a:spcAft>
-                <a:spcPts val="0"/>
-              </a:spcAft>
-              <a:buClr>
-                <a:schemeClr val="accent2"/>
-              </a:buClr>
-              <a:buSzPts val="2000"/>
-              <a:buFont typeface="Saira SemiCondensed Light"/>
-              <a:buChar char="■"/>
-              <a:defRPr sz="2000" b="0" i="0" u="none" strike="noStrike" cap="none">
-                <a:solidFill>
-                  <a:schemeClr val="dk1"/>
-                </a:solidFill>
-                <a:latin typeface="Saira SemiCondensed Light"/>
-                <a:ea typeface="Saira SemiCondensed Light"/>
-                <a:cs typeface="Saira SemiCondensed Light"/>
-                <a:sym typeface="Saira SemiCondensed Light"/>
-              </a:defRPr>
-            </a:lvl3pPr>
-            <a:lvl4pPr marL="1828800" marR="0" lvl="3" indent="-355600" algn="l" rtl="0">
-              <a:lnSpc>
-                <a:spcPct val="100000"/>
-              </a:lnSpc>
-              <a:spcBef>
-                <a:spcPts val="600"/>
-              </a:spcBef>
-              <a:spcAft>
-                <a:spcPts val="0"/>
-              </a:spcAft>
-              <a:buClr>
-                <a:schemeClr val="accent2"/>
-              </a:buClr>
-              <a:buSzPts val="2000"/>
-              <a:buFont typeface="Saira SemiCondensed Light"/>
-              <a:buChar char="●"/>
-              <a:defRPr sz="2000" b="0" i="0" u="none" strike="noStrike" cap="none">
-                <a:solidFill>
-                  <a:schemeClr val="dk1"/>
-                </a:solidFill>
-                <a:latin typeface="Saira SemiCondensed Light"/>
-                <a:ea typeface="Saira SemiCondensed Light"/>
-                <a:cs typeface="Saira SemiCondensed Light"/>
-                <a:sym typeface="Saira SemiCondensed Light"/>
-              </a:defRPr>
-            </a:lvl4pPr>
-            <a:lvl5pPr marL="2286000" marR="0" lvl="4" indent="-355600" algn="l" rtl="0">
-              <a:lnSpc>
-                <a:spcPct val="100000"/>
-              </a:lnSpc>
-              <a:spcBef>
-                <a:spcPts val="600"/>
-              </a:spcBef>
-              <a:spcAft>
-                <a:spcPts val="0"/>
-              </a:spcAft>
-              <a:buClr>
-                <a:schemeClr val="accent2"/>
-              </a:buClr>
-              <a:buSzPts val="2000"/>
-              <a:buFont typeface="Saira SemiCondensed Light"/>
-              <a:buChar char="○"/>
-              <a:defRPr sz="2000" b="0" i="0" u="none" strike="noStrike" cap="none">
-                <a:solidFill>
-                  <a:schemeClr val="dk1"/>
-                </a:solidFill>
-                <a:latin typeface="Saira SemiCondensed Light"/>
-                <a:ea typeface="Saira SemiCondensed Light"/>
-                <a:cs typeface="Saira SemiCondensed Light"/>
-                <a:sym typeface="Saira SemiCondensed Light"/>
-              </a:defRPr>
-            </a:lvl5pPr>
-            <a:lvl6pPr marL="2743200" marR="0" lvl="5" indent="-355600" algn="l" rtl="0">
-              <a:lnSpc>
-                <a:spcPct val="100000"/>
-              </a:lnSpc>
-              <a:spcBef>
-                <a:spcPts val="600"/>
-              </a:spcBef>
-              <a:spcAft>
-                <a:spcPts val="0"/>
-              </a:spcAft>
-              <a:buClr>
-                <a:schemeClr val="dk1"/>
-              </a:buClr>
-              <a:buSzPts val="2000"/>
-              <a:buFont typeface="Saira SemiCondensed Light"/>
-              <a:buChar char="■"/>
-              <a:defRPr sz="2000" b="0" i="0" u="none" strike="noStrike" cap="none">
-                <a:solidFill>
-                  <a:schemeClr val="dk1"/>
-                </a:solidFill>
-                <a:latin typeface="Saira SemiCondensed Light"/>
-                <a:ea typeface="Saira SemiCondensed Light"/>
-                <a:cs typeface="Saira SemiCondensed Light"/>
-                <a:sym typeface="Saira SemiCondensed Light"/>
-              </a:defRPr>
-            </a:lvl6pPr>
-            <a:lvl7pPr marL="3200400" marR="0" lvl="6" indent="-355600" algn="l" rtl="0">
-              <a:lnSpc>
-                <a:spcPct val="100000"/>
-              </a:lnSpc>
-              <a:spcBef>
-                <a:spcPts val="600"/>
-              </a:spcBef>
-              <a:spcAft>
-                <a:spcPts val="0"/>
-              </a:spcAft>
-              <a:buClr>
-                <a:schemeClr val="dk1"/>
-              </a:buClr>
-              <a:buSzPts val="2000"/>
-              <a:buFont typeface="Saira SemiCondensed Light"/>
-              <a:buChar char="●"/>
-              <a:defRPr sz="2000" b="0" i="0" u="none" strike="noStrike" cap="none">
-                <a:solidFill>
-                  <a:schemeClr val="dk1"/>
-                </a:solidFill>
-                <a:latin typeface="Saira SemiCondensed Light"/>
-                <a:ea typeface="Saira SemiCondensed Light"/>
-                <a:cs typeface="Saira SemiCondensed Light"/>
-                <a:sym typeface="Saira SemiCondensed Light"/>
-              </a:defRPr>
-            </a:lvl7pPr>
-            <a:lvl8pPr marL="3657600" marR="0" lvl="7" indent="-355600" algn="l" rtl="0">
-              <a:lnSpc>
-                <a:spcPct val="100000"/>
-              </a:lnSpc>
-              <a:spcBef>
-                <a:spcPts val="600"/>
-              </a:spcBef>
-              <a:spcAft>
-                <a:spcPts val="0"/>
-              </a:spcAft>
-              <a:buClr>
-                <a:schemeClr val="dk1"/>
-              </a:buClr>
-              <a:buSzPts val="2000"/>
-              <a:buFont typeface="Saira SemiCondensed Light"/>
-              <a:buChar char="○"/>
-              <a:defRPr sz="2000" b="0" i="0" u="none" strike="noStrike" cap="none">
-                <a:solidFill>
-                  <a:schemeClr val="dk1"/>
-                </a:solidFill>
-                <a:latin typeface="Saira SemiCondensed Light"/>
-                <a:ea typeface="Saira SemiCondensed Light"/>
-                <a:cs typeface="Saira SemiCondensed Light"/>
-                <a:sym typeface="Saira SemiCondensed Light"/>
-              </a:defRPr>
-            </a:lvl8pPr>
-            <a:lvl9pPr marL="4114800" marR="0" lvl="8" indent="-355600" algn="l" rtl="0">
-              <a:lnSpc>
-                <a:spcPct val="100000"/>
-              </a:lnSpc>
-              <a:spcBef>
-                <a:spcPts val="600"/>
-              </a:spcBef>
-              <a:spcAft>
-                <a:spcPts val="600"/>
-              </a:spcAft>
-              <a:buClr>
-                <a:schemeClr val="dk1"/>
-              </a:buClr>
-              <a:buSzPts val="2000"/>
-              <a:buFont typeface="Saira SemiCondensed Light"/>
-              <a:buChar char="■"/>
-              <a:defRPr sz="2000" b="0" i="0" u="none" strike="noStrike" cap="none">
-                <a:solidFill>
-                  <a:schemeClr val="dk1"/>
-                </a:solidFill>
-                <a:latin typeface="Saira SemiCondensed Light"/>
-                <a:ea typeface="Saira SemiCondensed Light"/>
-                <a:cs typeface="Saira SemiCondensed Light"/>
-                <a:sym typeface="Saira SemiCondensed Light"/>
-              </a:defRPr>
-            </a:lvl9pPr>
-          </a:lstStyle>
-          <a:p>
-            <a:pPr marL="0" indent="0">
-              <a:buFont typeface="Saira SemiCondensed Light"/>
-              <a:buNone/>
-            </a:pPr>
-            <a:r>
-              <a:rPr lang="en-US" b="1" u="sng">
-                <a:solidFill>
-                  <a:srgbClr val="B64B7F"/>
-                </a:solidFill>
-              </a:rPr>
-              <a:t>Modify the Code</a:t>
-            </a:r>
-          </a:p>
-          <a:p>
-            <a:pPr marL="0" indent="0">
-              <a:spcBef>
-                <a:spcPts val="600"/>
-              </a:spcBef>
-              <a:spcAft>
-                <a:spcPts val="600"/>
-              </a:spcAft>
-              <a:buFont typeface="Saira SemiCondensed Light"/>
-              <a:buNone/>
-            </a:pPr>
-            <a:r>
-              <a:rPr lang="en-US">
-                <a:solidFill>
-                  <a:srgbClr val="B64B7F"/>
-                </a:solidFill>
-              </a:rPr>
-              <a:t>Add DHT22 Sensor Code into Arduino IDE to read the current sensor value, and send it with </a:t>
-            </a:r>
-            <a:r>
-              <a:rPr lang="en-US" b="1" i="1">
-                <a:solidFill>
-                  <a:srgbClr val="B64B7F"/>
-                </a:solidFill>
-              </a:rPr>
-              <a:t>virtualWrite(virtualPin, value).</a:t>
-            </a:r>
-          </a:p>
-        </p:txBody>
-      </p:sp>
-      <p:sp>
-        <p:nvSpPr>
-          <p:cNvPr id="7" name="Google Shape;436;p20">
-            <a:extLst>
-              <a:ext uri="{FF2B5EF4-FFF2-40B4-BE49-F238E27FC236}">
-                <a16:creationId xmlns:a16="http://schemas.microsoft.com/office/drawing/2014/main" id="{0145A154-AE91-4E63-A2A5-6492C50E79DD}"/>
-              </a:ext>
-            </a:extLst>
-          </p:cNvPr>
-          <p:cNvSpPr txBox="1">
-            <a:spLocks/>
-          </p:cNvSpPr>
-          <p:nvPr/>
-        </p:nvSpPr>
-        <p:spPr>
-          <a:xfrm>
-            <a:off x="1406699" y="4253112"/>
-            <a:ext cx="3237600" cy="593700"/>
-          </a:xfrm>
-          <a:prstGeom prst="rect">
-            <a:avLst/>
-          </a:prstGeom>
-          <a:noFill/>
-          <a:ln>
-            <a:noFill/>
-          </a:ln>
-        </p:spPr>
-        <p:txBody>
-          <a:bodyPr spcFirstLastPara="1" wrap="square" lIns="0" tIns="0" rIns="0" bIns="0" anchor="b" anchorCtr="0">
-            <a:noAutofit/>
-          </a:bodyPr>
-          <a:lstStyle>
-            <a:defPPr marR="0" lvl="0" algn="l" rtl="0">
-              <a:lnSpc>
-                <a:spcPct val="100000"/>
-              </a:lnSpc>
-              <a:spcBef>
-                <a:spcPts val="0"/>
-              </a:spcBef>
-              <a:spcAft>
-                <a:spcPts val="0"/>
-              </a:spcAft>
-            </a:defPPr>
-            <a:lvl1pPr marR="0" lvl="0" algn="l" rtl="0">
-              <a:lnSpc>
-                <a:spcPct val="90000"/>
-              </a:lnSpc>
-              <a:spcBef>
-                <a:spcPts val="0"/>
-              </a:spcBef>
-              <a:spcAft>
-                <a:spcPts val="0"/>
-              </a:spcAft>
-              <a:buClr>
-                <a:schemeClr val="dk1"/>
-              </a:buClr>
-              <a:buSzPts val="4200"/>
-              <a:buFont typeface="Bebas Neue"/>
-              <a:buNone/>
-              <a:defRPr sz="4200" b="0" i="0" u="none" strike="noStrike" cap="none">
-                <a:solidFill>
-                  <a:schemeClr val="dk1"/>
-                </a:solidFill>
-                <a:latin typeface="Bebas Neue"/>
-                <a:ea typeface="Bebas Neue"/>
-                <a:cs typeface="Bebas Neue"/>
-                <a:sym typeface="Bebas Neue"/>
-              </a:defRPr>
-            </a:lvl1pPr>
-            <a:lvl2pPr marR="0" lvl="1" algn="l" rtl="0">
-              <a:lnSpc>
-                <a:spcPct val="90000"/>
-              </a:lnSpc>
-              <a:spcBef>
-                <a:spcPts val="0"/>
-              </a:spcBef>
-              <a:spcAft>
-                <a:spcPts val="0"/>
-              </a:spcAft>
-              <a:buClr>
-                <a:schemeClr val="dk1"/>
-              </a:buClr>
-              <a:buSzPts val="4200"/>
-              <a:buFont typeface="Bebas Neue"/>
-              <a:buNone/>
-              <a:defRPr sz="4200" b="0" i="0" u="none" strike="noStrike" cap="none">
-                <a:solidFill>
-                  <a:schemeClr val="dk1"/>
-                </a:solidFill>
-                <a:latin typeface="Bebas Neue"/>
-                <a:ea typeface="Bebas Neue"/>
-                <a:cs typeface="Bebas Neue"/>
-                <a:sym typeface="Bebas Neue"/>
-              </a:defRPr>
-            </a:lvl2pPr>
-            <a:lvl3pPr marR="0" lvl="2" algn="l" rtl="0">
-              <a:lnSpc>
-                <a:spcPct val="90000"/>
-              </a:lnSpc>
-              <a:spcBef>
-                <a:spcPts val="0"/>
-              </a:spcBef>
-              <a:spcAft>
-                <a:spcPts val="0"/>
-              </a:spcAft>
-              <a:buClr>
-                <a:schemeClr val="dk1"/>
-              </a:buClr>
-              <a:buSzPts val="4200"/>
-              <a:buFont typeface="Bebas Neue"/>
-              <a:buNone/>
-              <a:defRPr sz="4200" b="0" i="0" u="none" strike="noStrike" cap="none">
-                <a:solidFill>
-                  <a:schemeClr val="dk1"/>
-                </a:solidFill>
-                <a:latin typeface="Bebas Neue"/>
-                <a:ea typeface="Bebas Neue"/>
-                <a:cs typeface="Bebas Neue"/>
-                <a:sym typeface="Bebas Neue"/>
-              </a:defRPr>
-            </a:lvl3pPr>
-            <a:lvl4pPr marR="0" lvl="3" algn="l" rtl="0">
-              <a:lnSpc>
-                <a:spcPct val="90000"/>
-              </a:lnSpc>
-              <a:spcBef>
-                <a:spcPts val="0"/>
-              </a:spcBef>
-              <a:spcAft>
-                <a:spcPts val="0"/>
-              </a:spcAft>
-              <a:buClr>
-                <a:schemeClr val="dk1"/>
-              </a:buClr>
-              <a:buSzPts val="4200"/>
-              <a:buFont typeface="Bebas Neue"/>
-              <a:buNone/>
-              <a:defRPr sz="4200" b="0" i="0" u="none" strike="noStrike" cap="none">
-                <a:solidFill>
-                  <a:schemeClr val="dk1"/>
-                </a:solidFill>
-                <a:latin typeface="Bebas Neue"/>
-                <a:ea typeface="Bebas Neue"/>
-                <a:cs typeface="Bebas Neue"/>
-                <a:sym typeface="Bebas Neue"/>
-              </a:defRPr>
-            </a:lvl4pPr>
-            <a:lvl5pPr marR="0" lvl="4" algn="l" rtl="0">
-              <a:lnSpc>
-                <a:spcPct val="90000"/>
-              </a:lnSpc>
-              <a:spcBef>
-                <a:spcPts val="0"/>
-              </a:spcBef>
-              <a:spcAft>
-                <a:spcPts val="0"/>
-              </a:spcAft>
-              <a:buClr>
-                <a:schemeClr val="dk1"/>
-              </a:buClr>
-              <a:buSzPts val="4200"/>
-              <a:buFont typeface="Bebas Neue"/>
-              <a:buNone/>
-              <a:defRPr sz="4200" b="0" i="0" u="none" strike="noStrike" cap="none">
-                <a:solidFill>
-                  <a:schemeClr val="dk1"/>
-                </a:solidFill>
-                <a:latin typeface="Bebas Neue"/>
-                <a:ea typeface="Bebas Neue"/>
-                <a:cs typeface="Bebas Neue"/>
-                <a:sym typeface="Bebas Neue"/>
-              </a:defRPr>
-            </a:lvl5pPr>
-            <a:lvl6pPr marR="0" lvl="5" algn="l" rtl="0">
-              <a:lnSpc>
-                <a:spcPct val="90000"/>
-              </a:lnSpc>
-              <a:spcBef>
-                <a:spcPts val="0"/>
-              </a:spcBef>
-              <a:spcAft>
-                <a:spcPts val="0"/>
-              </a:spcAft>
-              <a:buClr>
-                <a:schemeClr val="dk1"/>
-              </a:buClr>
-              <a:buSzPts val="4200"/>
-              <a:buFont typeface="Bebas Neue"/>
-              <a:buNone/>
-              <a:defRPr sz="4200" b="0" i="0" u="none" strike="noStrike" cap="none">
-                <a:solidFill>
-                  <a:schemeClr val="dk1"/>
-                </a:solidFill>
-                <a:latin typeface="Bebas Neue"/>
-                <a:ea typeface="Bebas Neue"/>
-                <a:cs typeface="Bebas Neue"/>
-                <a:sym typeface="Bebas Neue"/>
-              </a:defRPr>
-            </a:lvl6pPr>
-            <a:lvl7pPr marR="0" lvl="6" algn="l" rtl="0">
-              <a:lnSpc>
-                <a:spcPct val="90000"/>
-              </a:lnSpc>
-              <a:spcBef>
-                <a:spcPts val="0"/>
-              </a:spcBef>
-              <a:spcAft>
-                <a:spcPts val="0"/>
-              </a:spcAft>
-              <a:buClr>
-                <a:schemeClr val="dk1"/>
-              </a:buClr>
-              <a:buSzPts val="4200"/>
-              <a:buFont typeface="Bebas Neue"/>
-              <a:buNone/>
-              <a:defRPr sz="4200" b="0" i="0" u="none" strike="noStrike" cap="none">
-                <a:solidFill>
-                  <a:schemeClr val="dk1"/>
-                </a:solidFill>
-                <a:latin typeface="Bebas Neue"/>
-                <a:ea typeface="Bebas Neue"/>
-                <a:cs typeface="Bebas Neue"/>
-                <a:sym typeface="Bebas Neue"/>
-              </a:defRPr>
-            </a:lvl7pPr>
-            <a:lvl8pPr marR="0" lvl="7" algn="l" rtl="0">
-              <a:lnSpc>
-                <a:spcPct val="90000"/>
-              </a:lnSpc>
-              <a:spcBef>
-                <a:spcPts val="0"/>
-              </a:spcBef>
-              <a:spcAft>
-                <a:spcPts val="0"/>
-              </a:spcAft>
-              <a:buClr>
-                <a:schemeClr val="dk1"/>
-              </a:buClr>
-              <a:buSzPts val="4200"/>
-              <a:buFont typeface="Bebas Neue"/>
-              <a:buNone/>
-              <a:defRPr sz="4200" b="0" i="0" u="none" strike="noStrike" cap="none">
-                <a:solidFill>
-                  <a:schemeClr val="dk1"/>
-                </a:solidFill>
-                <a:latin typeface="Bebas Neue"/>
-                <a:ea typeface="Bebas Neue"/>
-                <a:cs typeface="Bebas Neue"/>
-                <a:sym typeface="Bebas Neue"/>
-              </a:defRPr>
-            </a:lvl8pPr>
-            <a:lvl9pPr marR="0" lvl="8" algn="l" rtl="0">
-              <a:lnSpc>
-                <a:spcPct val="90000"/>
-              </a:lnSpc>
-              <a:spcBef>
-                <a:spcPts val="0"/>
-              </a:spcBef>
-              <a:spcAft>
-                <a:spcPts val="0"/>
-              </a:spcAft>
-              <a:buClr>
-                <a:schemeClr val="dk1"/>
-              </a:buClr>
-              <a:buSzPts val="4200"/>
-              <a:buFont typeface="Bebas Neue"/>
-              <a:buNone/>
-              <a:defRPr sz="4200" b="0" i="0" u="none" strike="noStrike" cap="none">
-                <a:solidFill>
-                  <a:schemeClr val="dk1"/>
-                </a:solidFill>
-                <a:latin typeface="Bebas Neue"/>
-                <a:ea typeface="Bebas Neue"/>
-                <a:cs typeface="Bebas Neue"/>
-                <a:sym typeface="Bebas Neue"/>
-              </a:defRPr>
-            </a:lvl9pPr>
-          </a:lstStyle>
-          <a:p>
-            <a:pPr algn="ctr"/>
-            <a:r>
-              <a:rPr lang="en-US">
-                <a:solidFill>
-                  <a:schemeClr val="bg1">
-                    <a:lumMod val="75000"/>
-                    <a:lumOff val="25000"/>
-                  </a:schemeClr>
-                </a:solidFill>
-              </a:rPr>
-              <a:t>Mobile settings</a:t>
-            </a:r>
-          </a:p>
-        </p:txBody>
-      </p:sp>
-      <p:sp>
-        <p:nvSpPr>
-          <p:cNvPr id="10" name="Google Shape;436;p20">
-            <a:extLst>
-              <a:ext uri="{FF2B5EF4-FFF2-40B4-BE49-F238E27FC236}">
-                <a16:creationId xmlns:a16="http://schemas.microsoft.com/office/drawing/2014/main" id="{5400D025-C7B7-4636-B0DE-09503ECF3D90}"/>
-              </a:ext>
-            </a:extLst>
-          </p:cNvPr>
-          <p:cNvSpPr txBox="1">
-            <a:spLocks/>
-          </p:cNvSpPr>
-          <p:nvPr/>
-        </p:nvSpPr>
-        <p:spPr>
-          <a:xfrm>
-            <a:off x="5936670" y="4253112"/>
-            <a:ext cx="3237600" cy="593700"/>
-          </a:xfrm>
-          <a:prstGeom prst="rect">
-            <a:avLst/>
-          </a:prstGeom>
-          <a:noFill/>
-          <a:ln>
-            <a:noFill/>
-          </a:ln>
-        </p:spPr>
-        <p:txBody>
-          <a:bodyPr spcFirstLastPara="1" wrap="square" lIns="0" tIns="0" rIns="0" bIns="0" anchor="b" anchorCtr="0">
-            <a:noAutofit/>
-          </a:bodyPr>
-          <a:lstStyle>
-            <a:defPPr marR="0" lvl="0" algn="l" rtl="0">
-              <a:lnSpc>
-                <a:spcPct val="100000"/>
-              </a:lnSpc>
-              <a:spcBef>
-                <a:spcPts val="0"/>
-              </a:spcBef>
-              <a:spcAft>
-                <a:spcPts val="0"/>
-              </a:spcAft>
-            </a:defPPr>
-            <a:lvl1pPr marR="0" lvl="0" algn="l" rtl="0">
-              <a:lnSpc>
-                <a:spcPct val="90000"/>
-              </a:lnSpc>
-              <a:spcBef>
-                <a:spcPts val="0"/>
-              </a:spcBef>
-              <a:spcAft>
-                <a:spcPts val="0"/>
-              </a:spcAft>
-              <a:buClr>
-                <a:schemeClr val="dk1"/>
-              </a:buClr>
-              <a:buSzPts val="4200"/>
-              <a:buFont typeface="Bebas Neue"/>
-              <a:buNone/>
-              <a:defRPr sz="4200" b="0" i="0" u="none" strike="noStrike" cap="none">
-                <a:solidFill>
-                  <a:schemeClr val="dk1"/>
-                </a:solidFill>
-                <a:latin typeface="Bebas Neue"/>
-                <a:ea typeface="Bebas Neue"/>
-                <a:cs typeface="Bebas Neue"/>
-                <a:sym typeface="Bebas Neue"/>
-              </a:defRPr>
-            </a:lvl1pPr>
-            <a:lvl2pPr marR="0" lvl="1" algn="l" rtl="0">
-              <a:lnSpc>
-                <a:spcPct val="90000"/>
-              </a:lnSpc>
-              <a:spcBef>
-                <a:spcPts val="0"/>
-              </a:spcBef>
-              <a:spcAft>
-                <a:spcPts val="0"/>
-              </a:spcAft>
-              <a:buClr>
-                <a:schemeClr val="dk1"/>
-              </a:buClr>
-              <a:buSzPts val="4200"/>
-              <a:buFont typeface="Bebas Neue"/>
-              <a:buNone/>
-              <a:defRPr sz="4200" b="0" i="0" u="none" strike="noStrike" cap="none">
-                <a:solidFill>
-                  <a:schemeClr val="dk1"/>
-                </a:solidFill>
-                <a:latin typeface="Bebas Neue"/>
-                <a:ea typeface="Bebas Neue"/>
-                <a:cs typeface="Bebas Neue"/>
-                <a:sym typeface="Bebas Neue"/>
-              </a:defRPr>
-            </a:lvl2pPr>
-            <a:lvl3pPr marR="0" lvl="2" algn="l" rtl="0">
-              <a:lnSpc>
-                <a:spcPct val="90000"/>
-              </a:lnSpc>
-              <a:spcBef>
-                <a:spcPts val="0"/>
-              </a:spcBef>
-              <a:spcAft>
-                <a:spcPts val="0"/>
-              </a:spcAft>
-              <a:buClr>
-                <a:schemeClr val="dk1"/>
-              </a:buClr>
-              <a:buSzPts val="4200"/>
-              <a:buFont typeface="Bebas Neue"/>
-              <a:buNone/>
-              <a:defRPr sz="4200" b="0" i="0" u="none" strike="noStrike" cap="none">
-                <a:solidFill>
-                  <a:schemeClr val="dk1"/>
-                </a:solidFill>
-                <a:latin typeface="Bebas Neue"/>
-                <a:ea typeface="Bebas Neue"/>
-                <a:cs typeface="Bebas Neue"/>
-                <a:sym typeface="Bebas Neue"/>
-              </a:defRPr>
-            </a:lvl3pPr>
-            <a:lvl4pPr marR="0" lvl="3" algn="l" rtl="0">
-              <a:lnSpc>
-                <a:spcPct val="90000"/>
-              </a:lnSpc>
-              <a:spcBef>
-                <a:spcPts val="0"/>
-              </a:spcBef>
-              <a:spcAft>
-                <a:spcPts val="0"/>
-              </a:spcAft>
-              <a:buClr>
-                <a:schemeClr val="dk1"/>
-              </a:buClr>
-              <a:buSzPts val="4200"/>
-              <a:buFont typeface="Bebas Neue"/>
-              <a:buNone/>
-              <a:defRPr sz="4200" b="0" i="0" u="none" strike="noStrike" cap="none">
-                <a:solidFill>
-                  <a:schemeClr val="dk1"/>
-                </a:solidFill>
-                <a:latin typeface="Bebas Neue"/>
-                <a:ea typeface="Bebas Neue"/>
-                <a:cs typeface="Bebas Neue"/>
-                <a:sym typeface="Bebas Neue"/>
-              </a:defRPr>
-            </a:lvl4pPr>
-            <a:lvl5pPr marR="0" lvl="4" algn="l" rtl="0">
-              <a:lnSpc>
-                <a:spcPct val="90000"/>
-              </a:lnSpc>
-              <a:spcBef>
-                <a:spcPts val="0"/>
-              </a:spcBef>
-              <a:spcAft>
-                <a:spcPts val="0"/>
-              </a:spcAft>
-              <a:buClr>
-                <a:schemeClr val="dk1"/>
-              </a:buClr>
-              <a:buSzPts val="4200"/>
-              <a:buFont typeface="Bebas Neue"/>
-              <a:buNone/>
-              <a:defRPr sz="4200" b="0" i="0" u="none" strike="noStrike" cap="none">
-                <a:solidFill>
-                  <a:schemeClr val="dk1"/>
-                </a:solidFill>
-                <a:latin typeface="Bebas Neue"/>
-                <a:ea typeface="Bebas Neue"/>
-                <a:cs typeface="Bebas Neue"/>
-                <a:sym typeface="Bebas Neue"/>
-              </a:defRPr>
-            </a:lvl5pPr>
-            <a:lvl6pPr marR="0" lvl="5" algn="l" rtl="0">
-              <a:lnSpc>
-                <a:spcPct val="90000"/>
-              </a:lnSpc>
-              <a:spcBef>
-                <a:spcPts val="0"/>
-              </a:spcBef>
-              <a:spcAft>
-                <a:spcPts val="0"/>
-              </a:spcAft>
-              <a:buClr>
-                <a:schemeClr val="dk1"/>
-              </a:buClr>
-              <a:buSzPts val="4200"/>
-              <a:buFont typeface="Bebas Neue"/>
-              <a:buNone/>
-              <a:defRPr sz="4200" b="0" i="0" u="none" strike="noStrike" cap="none">
-                <a:solidFill>
-                  <a:schemeClr val="dk1"/>
-                </a:solidFill>
-                <a:latin typeface="Bebas Neue"/>
-                <a:ea typeface="Bebas Neue"/>
-                <a:cs typeface="Bebas Neue"/>
-                <a:sym typeface="Bebas Neue"/>
-              </a:defRPr>
-            </a:lvl6pPr>
-            <a:lvl7pPr marR="0" lvl="6" algn="l" rtl="0">
-              <a:lnSpc>
-                <a:spcPct val="90000"/>
-              </a:lnSpc>
-              <a:spcBef>
-                <a:spcPts val="0"/>
-              </a:spcBef>
-              <a:spcAft>
-                <a:spcPts val="0"/>
-              </a:spcAft>
-              <a:buClr>
-                <a:schemeClr val="dk1"/>
-              </a:buClr>
-              <a:buSzPts val="4200"/>
-              <a:buFont typeface="Bebas Neue"/>
-              <a:buNone/>
-              <a:defRPr sz="4200" b="0" i="0" u="none" strike="noStrike" cap="none">
-                <a:solidFill>
-                  <a:schemeClr val="dk1"/>
-                </a:solidFill>
-                <a:latin typeface="Bebas Neue"/>
-                <a:ea typeface="Bebas Neue"/>
-                <a:cs typeface="Bebas Neue"/>
-                <a:sym typeface="Bebas Neue"/>
-              </a:defRPr>
-            </a:lvl7pPr>
-            <a:lvl8pPr marR="0" lvl="7" algn="l" rtl="0">
-              <a:lnSpc>
-                <a:spcPct val="90000"/>
-              </a:lnSpc>
-              <a:spcBef>
-                <a:spcPts val="0"/>
-              </a:spcBef>
-              <a:spcAft>
-                <a:spcPts val="0"/>
-              </a:spcAft>
-              <a:buClr>
-                <a:schemeClr val="dk1"/>
-              </a:buClr>
-              <a:buSzPts val="4200"/>
-              <a:buFont typeface="Bebas Neue"/>
-              <a:buNone/>
-              <a:defRPr sz="4200" b="0" i="0" u="none" strike="noStrike" cap="none">
-                <a:solidFill>
-                  <a:schemeClr val="dk1"/>
-                </a:solidFill>
-                <a:latin typeface="Bebas Neue"/>
-                <a:ea typeface="Bebas Neue"/>
-                <a:cs typeface="Bebas Neue"/>
-                <a:sym typeface="Bebas Neue"/>
-              </a:defRPr>
-            </a:lvl8pPr>
-            <a:lvl9pPr marR="0" lvl="8" algn="l" rtl="0">
-              <a:lnSpc>
-                <a:spcPct val="90000"/>
-              </a:lnSpc>
-              <a:spcBef>
-                <a:spcPts val="0"/>
-              </a:spcBef>
-              <a:spcAft>
-                <a:spcPts val="0"/>
-              </a:spcAft>
-              <a:buClr>
-                <a:schemeClr val="dk1"/>
-              </a:buClr>
-              <a:buSzPts val="4200"/>
-              <a:buFont typeface="Bebas Neue"/>
-              <a:buNone/>
-              <a:defRPr sz="4200" b="0" i="0" u="none" strike="noStrike" cap="none">
-                <a:solidFill>
-                  <a:schemeClr val="dk1"/>
-                </a:solidFill>
-                <a:latin typeface="Bebas Neue"/>
-                <a:ea typeface="Bebas Neue"/>
-                <a:cs typeface="Bebas Neue"/>
-                <a:sym typeface="Bebas Neue"/>
-              </a:defRPr>
-            </a:lvl9pPr>
-          </a:lstStyle>
-          <a:p>
-            <a:pPr algn="ctr"/>
-            <a:r>
-              <a:rPr lang="en-US">
-                <a:solidFill>
-                  <a:schemeClr val="bg1">
-                    <a:lumMod val="75000"/>
-                    <a:lumOff val="25000"/>
-                  </a:schemeClr>
-                </a:solidFill>
-              </a:rPr>
-              <a:t>Arduino settings</a:t>
-            </a:r>
-          </a:p>
-        </p:txBody>
-      </p:sp>
-    </p:spTree>
-    <p:extLst>
-      <p:ext uri="{BB962C8B-B14F-4D97-AF65-F5344CB8AC3E}">
-        <p14:creationId xmlns:p14="http://schemas.microsoft.com/office/powerpoint/2010/main" val="2837674758"/>
       </p:ext>
     </p:extLst>
   </p:cSld>
@@ -26339,6 +25628,1307 @@
             </a:r>
             <a:endParaRPr b="1"/>
           </a:p>
+          <a:p>
+            <a:pPr marL="0" lvl="0" indent="0" algn="l" rtl="0">
+              <a:spcBef>
+                <a:spcPts val="600"/>
+              </a:spcBef>
+              <a:spcAft>
+                <a:spcPts val="600"/>
+              </a:spcAft>
+              <a:buNone/>
+            </a:pPr>
+            <a:r>
+              <a:rPr lang="en-US"/>
+              <a:t>Create two (2) widget to show current sensor value. </a:t>
+            </a:r>
+          </a:p>
+          <a:p>
+            <a:pPr marL="0" lvl="0" indent="0" algn="l" rtl="0">
+              <a:spcBef>
+                <a:spcPts val="600"/>
+              </a:spcBef>
+              <a:spcAft>
+                <a:spcPts val="600"/>
+              </a:spcAft>
+              <a:buNone/>
+            </a:pPr>
+            <a:r>
+              <a:rPr lang="en-US"/>
+              <a:t>1 widget for temperature</a:t>
+            </a:r>
+          </a:p>
+          <a:p>
+            <a:pPr marL="0" lvl="0" indent="0" algn="l" rtl="0">
+              <a:spcBef>
+                <a:spcPts val="600"/>
+              </a:spcBef>
+              <a:spcAft>
+                <a:spcPts val="600"/>
+              </a:spcAft>
+              <a:buNone/>
+            </a:pPr>
+            <a:r>
+              <a:rPr lang="en-US"/>
+              <a:t>1 widget for humidity</a:t>
+            </a:r>
+            <a:endParaRPr/>
+          </a:p>
+        </p:txBody>
+      </p:sp>
+      <p:sp>
+        <p:nvSpPr>
+          <p:cNvPr id="436" name="Google Shape;436;p20"/>
+          <p:cNvSpPr txBox="1">
+            <a:spLocks noGrp="1"/>
+          </p:cNvSpPr>
+          <p:nvPr>
+            <p:ph type="title"/>
+          </p:nvPr>
+        </p:nvSpPr>
+        <p:spPr>
+          <a:xfrm>
+            <a:off x="1334450" y="805875"/>
+            <a:ext cx="6475200" cy="593700"/>
+          </a:xfrm>
+          <a:prstGeom prst="rect">
+            <a:avLst/>
+          </a:prstGeom>
+        </p:spPr>
+        <p:txBody>
+          <a:bodyPr spcFirstLastPara="1" wrap="square" lIns="0" tIns="0" rIns="0" bIns="0" anchor="b" anchorCtr="0">
+            <a:noAutofit/>
+          </a:bodyPr>
+          <a:lstStyle/>
+          <a:p>
+            <a:pPr marL="0" lvl="0" indent="0" algn="l" rtl="0">
+              <a:spcBef>
+                <a:spcPts val="0"/>
+              </a:spcBef>
+              <a:spcAft>
+                <a:spcPts val="0"/>
+              </a:spcAft>
+              <a:buNone/>
+            </a:pPr>
+            <a:r>
+              <a:rPr lang="en-US"/>
+              <a:t>How to</a:t>
+            </a:r>
+            <a:r>
+              <a:rPr lang="en"/>
+              <a:t> </a:t>
+            </a:r>
+            <a:r>
+              <a:rPr lang="en-US">
+                <a:solidFill>
+                  <a:schemeClr val="accent1"/>
+                </a:solidFill>
+              </a:rPr>
+              <a:t>do</a:t>
+            </a:r>
+            <a:r>
+              <a:rPr lang="en"/>
+              <a:t> </a:t>
+            </a:r>
+            <a:r>
+              <a:rPr lang="en-US"/>
+              <a:t>that ?</a:t>
+            </a:r>
+            <a:endParaRPr/>
+          </a:p>
+        </p:txBody>
+      </p:sp>
+      <p:sp>
+        <p:nvSpPr>
+          <p:cNvPr id="437" name="Google Shape;437;p20"/>
+          <p:cNvSpPr txBox="1">
+            <a:spLocks noGrp="1"/>
+          </p:cNvSpPr>
+          <p:nvPr>
+            <p:ph type="body" idx="2"/>
+          </p:nvPr>
+        </p:nvSpPr>
+        <p:spPr>
+          <a:xfrm>
+            <a:off x="3263289" y="1679950"/>
+            <a:ext cx="2549921" cy="2993700"/>
+          </a:xfrm>
+          <a:prstGeom prst="rect">
+            <a:avLst/>
+          </a:prstGeom>
+        </p:spPr>
+        <p:txBody>
+          <a:bodyPr spcFirstLastPara="1" wrap="square" lIns="0" tIns="0" rIns="0" bIns="0" anchor="t" anchorCtr="0">
+            <a:noAutofit/>
+          </a:bodyPr>
+          <a:lstStyle/>
+          <a:p>
+            <a:pPr marL="0" lvl="0" indent="0" algn="l" rtl="0">
+              <a:spcBef>
+                <a:spcPts val="0"/>
+              </a:spcBef>
+              <a:spcAft>
+                <a:spcPts val="0"/>
+              </a:spcAft>
+              <a:buNone/>
+            </a:pPr>
+            <a:r>
+              <a:rPr lang="en-US" b="1">
+                <a:solidFill>
+                  <a:schemeClr val="tx1"/>
+                </a:solidFill>
+              </a:rPr>
+              <a:t>Settings up Widget</a:t>
+            </a:r>
+            <a:endParaRPr b="1">
+              <a:solidFill>
+                <a:schemeClr val="tx1"/>
+              </a:solidFill>
+            </a:endParaRPr>
+          </a:p>
+          <a:p>
+            <a:pPr marL="0" lvl="0" indent="0" algn="l" rtl="0">
+              <a:spcBef>
+                <a:spcPts val="600"/>
+              </a:spcBef>
+              <a:spcAft>
+                <a:spcPts val="600"/>
+              </a:spcAft>
+              <a:buNone/>
+            </a:pPr>
+            <a:r>
+              <a:rPr lang="en-US">
+                <a:solidFill>
+                  <a:schemeClr val="tx1"/>
+                </a:solidFill>
+              </a:rPr>
+              <a:t>Modify the widget setting and make it able to receive the sensor value through Virtual Pin (Blynk)</a:t>
+            </a:r>
+            <a:endParaRPr>
+              <a:solidFill>
+                <a:schemeClr val="tx1"/>
+              </a:solidFill>
+            </a:endParaRPr>
+          </a:p>
+        </p:txBody>
+      </p:sp>
+      <p:sp>
+        <p:nvSpPr>
+          <p:cNvPr id="438" name="Google Shape;438;p20"/>
+          <p:cNvSpPr txBox="1">
+            <a:spLocks noGrp="1"/>
+          </p:cNvSpPr>
+          <p:nvPr>
+            <p:ph type="sldNum" idx="12"/>
+          </p:nvPr>
+        </p:nvSpPr>
+        <p:spPr>
+          <a:xfrm>
+            <a:off x="8552377" y="4673650"/>
+            <a:ext cx="400800" cy="393600"/>
+          </a:xfrm>
+          <a:prstGeom prst="rect">
+            <a:avLst/>
+          </a:prstGeom>
+        </p:spPr>
+        <p:txBody>
+          <a:bodyPr spcFirstLastPara="1" wrap="square" lIns="0" tIns="0" rIns="0" bIns="0" anchor="ctr" anchorCtr="0">
+            <a:noAutofit/>
+          </a:bodyPr>
+          <a:lstStyle/>
+          <a:p>
+            <a:pPr marL="0" lvl="0" indent="0" algn="r" rtl="0">
+              <a:spcBef>
+                <a:spcPts val="0"/>
+              </a:spcBef>
+              <a:spcAft>
+                <a:spcPts val="0"/>
+              </a:spcAft>
+              <a:buNone/>
+            </a:pPr>
+            <a:fld id="{00000000-1234-1234-1234-123412341234}" type="slidenum">
+              <a:rPr lang="en"/>
+              <a:t>27</a:t>
+            </a:fld>
+            <a:endParaRPr/>
+          </a:p>
+        </p:txBody>
+      </p:sp>
+      <p:sp>
+        <p:nvSpPr>
+          <p:cNvPr id="6" name="Google Shape;435;p20">
+            <a:extLst>
+              <a:ext uri="{FF2B5EF4-FFF2-40B4-BE49-F238E27FC236}">
+                <a16:creationId xmlns:a16="http://schemas.microsoft.com/office/drawing/2014/main" id="{C1BBE288-59B0-46D1-80D4-EC1C4B48D1A2}"/>
+              </a:ext>
+            </a:extLst>
+          </p:cNvPr>
+          <p:cNvSpPr txBox="1">
+            <a:spLocks/>
+          </p:cNvSpPr>
+          <p:nvPr/>
+        </p:nvSpPr>
+        <p:spPr>
+          <a:xfrm>
+            <a:off x="6051000" y="1679950"/>
+            <a:ext cx="3093000" cy="2993700"/>
+          </a:xfrm>
+          <a:prstGeom prst="rect">
+            <a:avLst/>
+          </a:prstGeom>
+          <a:noFill/>
+          <a:ln>
+            <a:noFill/>
+          </a:ln>
+        </p:spPr>
+        <p:txBody>
+          <a:bodyPr spcFirstLastPara="1" wrap="square" lIns="0" tIns="0" rIns="0" bIns="0" anchor="t" anchorCtr="0">
+            <a:noAutofit/>
+          </a:bodyPr>
+          <a:lstStyle>
+            <a:defPPr marR="0" lvl="0" algn="l" rtl="0">
+              <a:lnSpc>
+                <a:spcPct val="100000"/>
+              </a:lnSpc>
+              <a:spcBef>
+                <a:spcPts val="0"/>
+              </a:spcBef>
+              <a:spcAft>
+                <a:spcPts val="0"/>
+              </a:spcAft>
+            </a:defPPr>
+            <a:lvl1pPr marL="457200" marR="0" lvl="0" indent="-355600" algn="l" rtl="0">
+              <a:lnSpc>
+                <a:spcPct val="100000"/>
+              </a:lnSpc>
+              <a:spcBef>
+                <a:spcPts val="0"/>
+              </a:spcBef>
+              <a:spcAft>
+                <a:spcPts val="0"/>
+              </a:spcAft>
+              <a:buClr>
+                <a:schemeClr val="accent1"/>
+              </a:buClr>
+              <a:buSzPts val="2000"/>
+              <a:buFont typeface="Saira SemiCondensed Light"/>
+              <a:buChar char="⩥"/>
+              <a:defRPr sz="2000" b="0" i="0" u="none" strike="noStrike" cap="none">
+                <a:solidFill>
+                  <a:schemeClr val="dk1"/>
+                </a:solidFill>
+                <a:latin typeface="Saira SemiCondensed Light"/>
+                <a:ea typeface="Saira SemiCondensed Light"/>
+                <a:cs typeface="Saira SemiCondensed Light"/>
+                <a:sym typeface="Saira SemiCondensed Light"/>
+              </a:defRPr>
+            </a:lvl1pPr>
+            <a:lvl2pPr marL="914400" marR="0" lvl="1" indent="-355600" algn="l" rtl="0">
+              <a:lnSpc>
+                <a:spcPct val="100000"/>
+              </a:lnSpc>
+              <a:spcBef>
+                <a:spcPts val="600"/>
+              </a:spcBef>
+              <a:spcAft>
+                <a:spcPts val="0"/>
+              </a:spcAft>
+              <a:buClr>
+                <a:schemeClr val="accent2"/>
+              </a:buClr>
+              <a:buSzPts val="2000"/>
+              <a:buFont typeface="Saira SemiCondensed Light"/>
+              <a:buChar char="⊳"/>
+              <a:defRPr sz="2000" b="0" i="0" u="none" strike="noStrike" cap="none">
+                <a:solidFill>
+                  <a:schemeClr val="dk1"/>
+                </a:solidFill>
+                <a:latin typeface="Saira SemiCondensed Light"/>
+                <a:ea typeface="Saira SemiCondensed Light"/>
+                <a:cs typeface="Saira SemiCondensed Light"/>
+                <a:sym typeface="Saira SemiCondensed Light"/>
+              </a:defRPr>
+            </a:lvl2pPr>
+            <a:lvl3pPr marL="1371600" marR="0" lvl="2" indent="-355600" algn="l" rtl="0">
+              <a:lnSpc>
+                <a:spcPct val="100000"/>
+              </a:lnSpc>
+              <a:spcBef>
+                <a:spcPts val="600"/>
+              </a:spcBef>
+              <a:spcAft>
+                <a:spcPts val="0"/>
+              </a:spcAft>
+              <a:buClr>
+                <a:schemeClr val="accent2"/>
+              </a:buClr>
+              <a:buSzPts val="2000"/>
+              <a:buFont typeface="Saira SemiCondensed Light"/>
+              <a:buChar char="■"/>
+              <a:defRPr sz="2000" b="0" i="0" u="none" strike="noStrike" cap="none">
+                <a:solidFill>
+                  <a:schemeClr val="dk1"/>
+                </a:solidFill>
+                <a:latin typeface="Saira SemiCondensed Light"/>
+                <a:ea typeface="Saira SemiCondensed Light"/>
+                <a:cs typeface="Saira SemiCondensed Light"/>
+                <a:sym typeface="Saira SemiCondensed Light"/>
+              </a:defRPr>
+            </a:lvl3pPr>
+            <a:lvl4pPr marL="1828800" marR="0" lvl="3" indent="-355600" algn="l" rtl="0">
+              <a:lnSpc>
+                <a:spcPct val="100000"/>
+              </a:lnSpc>
+              <a:spcBef>
+                <a:spcPts val="600"/>
+              </a:spcBef>
+              <a:spcAft>
+                <a:spcPts val="0"/>
+              </a:spcAft>
+              <a:buClr>
+                <a:schemeClr val="accent2"/>
+              </a:buClr>
+              <a:buSzPts val="2000"/>
+              <a:buFont typeface="Saira SemiCondensed Light"/>
+              <a:buChar char="●"/>
+              <a:defRPr sz="2000" b="0" i="0" u="none" strike="noStrike" cap="none">
+                <a:solidFill>
+                  <a:schemeClr val="dk1"/>
+                </a:solidFill>
+                <a:latin typeface="Saira SemiCondensed Light"/>
+                <a:ea typeface="Saira SemiCondensed Light"/>
+                <a:cs typeface="Saira SemiCondensed Light"/>
+                <a:sym typeface="Saira SemiCondensed Light"/>
+              </a:defRPr>
+            </a:lvl4pPr>
+            <a:lvl5pPr marL="2286000" marR="0" lvl="4" indent="-355600" algn="l" rtl="0">
+              <a:lnSpc>
+                <a:spcPct val="100000"/>
+              </a:lnSpc>
+              <a:spcBef>
+                <a:spcPts val="600"/>
+              </a:spcBef>
+              <a:spcAft>
+                <a:spcPts val="0"/>
+              </a:spcAft>
+              <a:buClr>
+                <a:schemeClr val="accent2"/>
+              </a:buClr>
+              <a:buSzPts val="2000"/>
+              <a:buFont typeface="Saira SemiCondensed Light"/>
+              <a:buChar char="○"/>
+              <a:defRPr sz="2000" b="0" i="0" u="none" strike="noStrike" cap="none">
+                <a:solidFill>
+                  <a:schemeClr val="dk1"/>
+                </a:solidFill>
+                <a:latin typeface="Saira SemiCondensed Light"/>
+                <a:ea typeface="Saira SemiCondensed Light"/>
+                <a:cs typeface="Saira SemiCondensed Light"/>
+                <a:sym typeface="Saira SemiCondensed Light"/>
+              </a:defRPr>
+            </a:lvl5pPr>
+            <a:lvl6pPr marL="2743200" marR="0" lvl="5" indent="-355600" algn="l" rtl="0">
+              <a:lnSpc>
+                <a:spcPct val="100000"/>
+              </a:lnSpc>
+              <a:spcBef>
+                <a:spcPts val="600"/>
+              </a:spcBef>
+              <a:spcAft>
+                <a:spcPts val="0"/>
+              </a:spcAft>
+              <a:buClr>
+                <a:schemeClr val="dk1"/>
+              </a:buClr>
+              <a:buSzPts val="2000"/>
+              <a:buFont typeface="Saira SemiCondensed Light"/>
+              <a:buChar char="■"/>
+              <a:defRPr sz="2000" b="0" i="0" u="none" strike="noStrike" cap="none">
+                <a:solidFill>
+                  <a:schemeClr val="dk1"/>
+                </a:solidFill>
+                <a:latin typeface="Saira SemiCondensed Light"/>
+                <a:ea typeface="Saira SemiCondensed Light"/>
+                <a:cs typeface="Saira SemiCondensed Light"/>
+                <a:sym typeface="Saira SemiCondensed Light"/>
+              </a:defRPr>
+            </a:lvl6pPr>
+            <a:lvl7pPr marL="3200400" marR="0" lvl="6" indent="-355600" algn="l" rtl="0">
+              <a:lnSpc>
+                <a:spcPct val="100000"/>
+              </a:lnSpc>
+              <a:spcBef>
+                <a:spcPts val="600"/>
+              </a:spcBef>
+              <a:spcAft>
+                <a:spcPts val="0"/>
+              </a:spcAft>
+              <a:buClr>
+                <a:schemeClr val="dk1"/>
+              </a:buClr>
+              <a:buSzPts val="2000"/>
+              <a:buFont typeface="Saira SemiCondensed Light"/>
+              <a:buChar char="●"/>
+              <a:defRPr sz="2000" b="0" i="0" u="none" strike="noStrike" cap="none">
+                <a:solidFill>
+                  <a:schemeClr val="dk1"/>
+                </a:solidFill>
+                <a:latin typeface="Saira SemiCondensed Light"/>
+                <a:ea typeface="Saira SemiCondensed Light"/>
+                <a:cs typeface="Saira SemiCondensed Light"/>
+                <a:sym typeface="Saira SemiCondensed Light"/>
+              </a:defRPr>
+            </a:lvl7pPr>
+            <a:lvl8pPr marL="3657600" marR="0" lvl="7" indent="-355600" algn="l" rtl="0">
+              <a:lnSpc>
+                <a:spcPct val="100000"/>
+              </a:lnSpc>
+              <a:spcBef>
+                <a:spcPts val="600"/>
+              </a:spcBef>
+              <a:spcAft>
+                <a:spcPts val="0"/>
+              </a:spcAft>
+              <a:buClr>
+                <a:schemeClr val="dk1"/>
+              </a:buClr>
+              <a:buSzPts val="2000"/>
+              <a:buFont typeface="Saira SemiCondensed Light"/>
+              <a:buChar char="○"/>
+              <a:defRPr sz="2000" b="0" i="0" u="none" strike="noStrike" cap="none">
+                <a:solidFill>
+                  <a:schemeClr val="dk1"/>
+                </a:solidFill>
+                <a:latin typeface="Saira SemiCondensed Light"/>
+                <a:ea typeface="Saira SemiCondensed Light"/>
+                <a:cs typeface="Saira SemiCondensed Light"/>
+                <a:sym typeface="Saira SemiCondensed Light"/>
+              </a:defRPr>
+            </a:lvl8pPr>
+            <a:lvl9pPr marL="4114800" marR="0" lvl="8" indent="-355600" algn="l" rtl="0">
+              <a:lnSpc>
+                <a:spcPct val="100000"/>
+              </a:lnSpc>
+              <a:spcBef>
+                <a:spcPts val="600"/>
+              </a:spcBef>
+              <a:spcAft>
+                <a:spcPts val="600"/>
+              </a:spcAft>
+              <a:buClr>
+                <a:schemeClr val="dk1"/>
+              </a:buClr>
+              <a:buSzPts val="2000"/>
+              <a:buFont typeface="Saira SemiCondensed Light"/>
+              <a:buChar char="■"/>
+              <a:defRPr sz="2000" b="0" i="0" u="none" strike="noStrike" cap="none">
+                <a:solidFill>
+                  <a:schemeClr val="dk1"/>
+                </a:solidFill>
+                <a:latin typeface="Saira SemiCondensed Light"/>
+                <a:ea typeface="Saira SemiCondensed Light"/>
+                <a:cs typeface="Saira SemiCondensed Light"/>
+                <a:sym typeface="Saira SemiCondensed Light"/>
+              </a:defRPr>
+            </a:lvl9pPr>
+          </a:lstStyle>
+          <a:p>
+            <a:pPr marL="0" indent="0">
+              <a:buFont typeface="Saira SemiCondensed Light"/>
+              <a:buNone/>
+            </a:pPr>
+            <a:r>
+              <a:rPr lang="en-US" b="1" u="sng">
+                <a:solidFill>
+                  <a:srgbClr val="B64B7F"/>
+                </a:solidFill>
+              </a:rPr>
+              <a:t>Modify the Code</a:t>
+            </a:r>
+          </a:p>
+          <a:p>
+            <a:pPr marL="0" indent="0">
+              <a:spcBef>
+                <a:spcPts val="600"/>
+              </a:spcBef>
+              <a:spcAft>
+                <a:spcPts val="600"/>
+              </a:spcAft>
+              <a:buFont typeface="Saira SemiCondensed Light"/>
+              <a:buNone/>
+            </a:pPr>
+            <a:r>
+              <a:rPr lang="en-US">
+                <a:solidFill>
+                  <a:srgbClr val="B64B7F"/>
+                </a:solidFill>
+              </a:rPr>
+              <a:t>Add DHT22 Sensor Code into Arduino IDE to read the current sensor value, and send it with </a:t>
+            </a:r>
+            <a:r>
+              <a:rPr lang="en-US" b="1" i="1">
+                <a:solidFill>
+                  <a:srgbClr val="B64B7F"/>
+                </a:solidFill>
+              </a:rPr>
+              <a:t>virtualWrite(virtualPin, value).</a:t>
+            </a:r>
+          </a:p>
+        </p:txBody>
+      </p:sp>
+      <p:sp>
+        <p:nvSpPr>
+          <p:cNvPr id="7" name="Google Shape;436;p20">
+            <a:extLst>
+              <a:ext uri="{FF2B5EF4-FFF2-40B4-BE49-F238E27FC236}">
+                <a16:creationId xmlns:a16="http://schemas.microsoft.com/office/drawing/2014/main" id="{0145A154-AE91-4E63-A2A5-6492C50E79DD}"/>
+              </a:ext>
+            </a:extLst>
+          </p:cNvPr>
+          <p:cNvSpPr txBox="1">
+            <a:spLocks/>
+          </p:cNvSpPr>
+          <p:nvPr/>
+        </p:nvSpPr>
+        <p:spPr>
+          <a:xfrm>
+            <a:off x="1406699" y="4253112"/>
+            <a:ext cx="3237600" cy="593700"/>
+          </a:xfrm>
+          <a:prstGeom prst="rect">
+            <a:avLst/>
+          </a:prstGeom>
+          <a:noFill/>
+          <a:ln>
+            <a:noFill/>
+          </a:ln>
+        </p:spPr>
+        <p:txBody>
+          <a:bodyPr spcFirstLastPara="1" wrap="square" lIns="0" tIns="0" rIns="0" bIns="0" anchor="b" anchorCtr="0">
+            <a:noAutofit/>
+          </a:bodyPr>
+          <a:lstStyle>
+            <a:defPPr marR="0" lvl="0" algn="l" rtl="0">
+              <a:lnSpc>
+                <a:spcPct val="100000"/>
+              </a:lnSpc>
+              <a:spcBef>
+                <a:spcPts val="0"/>
+              </a:spcBef>
+              <a:spcAft>
+                <a:spcPts val="0"/>
+              </a:spcAft>
+            </a:defPPr>
+            <a:lvl1pPr marR="0" lvl="0" algn="l" rtl="0">
+              <a:lnSpc>
+                <a:spcPct val="90000"/>
+              </a:lnSpc>
+              <a:spcBef>
+                <a:spcPts val="0"/>
+              </a:spcBef>
+              <a:spcAft>
+                <a:spcPts val="0"/>
+              </a:spcAft>
+              <a:buClr>
+                <a:schemeClr val="dk1"/>
+              </a:buClr>
+              <a:buSzPts val="4200"/>
+              <a:buFont typeface="Bebas Neue"/>
+              <a:buNone/>
+              <a:defRPr sz="4200" b="0" i="0" u="none" strike="noStrike" cap="none">
+                <a:solidFill>
+                  <a:schemeClr val="dk1"/>
+                </a:solidFill>
+                <a:latin typeface="Bebas Neue"/>
+                <a:ea typeface="Bebas Neue"/>
+                <a:cs typeface="Bebas Neue"/>
+                <a:sym typeface="Bebas Neue"/>
+              </a:defRPr>
+            </a:lvl1pPr>
+            <a:lvl2pPr marR="0" lvl="1" algn="l" rtl="0">
+              <a:lnSpc>
+                <a:spcPct val="90000"/>
+              </a:lnSpc>
+              <a:spcBef>
+                <a:spcPts val="0"/>
+              </a:spcBef>
+              <a:spcAft>
+                <a:spcPts val="0"/>
+              </a:spcAft>
+              <a:buClr>
+                <a:schemeClr val="dk1"/>
+              </a:buClr>
+              <a:buSzPts val="4200"/>
+              <a:buFont typeface="Bebas Neue"/>
+              <a:buNone/>
+              <a:defRPr sz="4200" b="0" i="0" u="none" strike="noStrike" cap="none">
+                <a:solidFill>
+                  <a:schemeClr val="dk1"/>
+                </a:solidFill>
+                <a:latin typeface="Bebas Neue"/>
+                <a:ea typeface="Bebas Neue"/>
+                <a:cs typeface="Bebas Neue"/>
+                <a:sym typeface="Bebas Neue"/>
+              </a:defRPr>
+            </a:lvl2pPr>
+            <a:lvl3pPr marR="0" lvl="2" algn="l" rtl="0">
+              <a:lnSpc>
+                <a:spcPct val="90000"/>
+              </a:lnSpc>
+              <a:spcBef>
+                <a:spcPts val="0"/>
+              </a:spcBef>
+              <a:spcAft>
+                <a:spcPts val="0"/>
+              </a:spcAft>
+              <a:buClr>
+                <a:schemeClr val="dk1"/>
+              </a:buClr>
+              <a:buSzPts val="4200"/>
+              <a:buFont typeface="Bebas Neue"/>
+              <a:buNone/>
+              <a:defRPr sz="4200" b="0" i="0" u="none" strike="noStrike" cap="none">
+                <a:solidFill>
+                  <a:schemeClr val="dk1"/>
+                </a:solidFill>
+                <a:latin typeface="Bebas Neue"/>
+                <a:ea typeface="Bebas Neue"/>
+                <a:cs typeface="Bebas Neue"/>
+                <a:sym typeface="Bebas Neue"/>
+              </a:defRPr>
+            </a:lvl3pPr>
+            <a:lvl4pPr marR="0" lvl="3" algn="l" rtl="0">
+              <a:lnSpc>
+                <a:spcPct val="90000"/>
+              </a:lnSpc>
+              <a:spcBef>
+                <a:spcPts val="0"/>
+              </a:spcBef>
+              <a:spcAft>
+                <a:spcPts val="0"/>
+              </a:spcAft>
+              <a:buClr>
+                <a:schemeClr val="dk1"/>
+              </a:buClr>
+              <a:buSzPts val="4200"/>
+              <a:buFont typeface="Bebas Neue"/>
+              <a:buNone/>
+              <a:defRPr sz="4200" b="0" i="0" u="none" strike="noStrike" cap="none">
+                <a:solidFill>
+                  <a:schemeClr val="dk1"/>
+                </a:solidFill>
+                <a:latin typeface="Bebas Neue"/>
+                <a:ea typeface="Bebas Neue"/>
+                <a:cs typeface="Bebas Neue"/>
+                <a:sym typeface="Bebas Neue"/>
+              </a:defRPr>
+            </a:lvl4pPr>
+            <a:lvl5pPr marR="0" lvl="4" algn="l" rtl="0">
+              <a:lnSpc>
+                <a:spcPct val="90000"/>
+              </a:lnSpc>
+              <a:spcBef>
+                <a:spcPts val="0"/>
+              </a:spcBef>
+              <a:spcAft>
+                <a:spcPts val="0"/>
+              </a:spcAft>
+              <a:buClr>
+                <a:schemeClr val="dk1"/>
+              </a:buClr>
+              <a:buSzPts val="4200"/>
+              <a:buFont typeface="Bebas Neue"/>
+              <a:buNone/>
+              <a:defRPr sz="4200" b="0" i="0" u="none" strike="noStrike" cap="none">
+                <a:solidFill>
+                  <a:schemeClr val="dk1"/>
+                </a:solidFill>
+                <a:latin typeface="Bebas Neue"/>
+                <a:ea typeface="Bebas Neue"/>
+                <a:cs typeface="Bebas Neue"/>
+                <a:sym typeface="Bebas Neue"/>
+              </a:defRPr>
+            </a:lvl5pPr>
+            <a:lvl6pPr marR="0" lvl="5" algn="l" rtl="0">
+              <a:lnSpc>
+                <a:spcPct val="90000"/>
+              </a:lnSpc>
+              <a:spcBef>
+                <a:spcPts val="0"/>
+              </a:spcBef>
+              <a:spcAft>
+                <a:spcPts val="0"/>
+              </a:spcAft>
+              <a:buClr>
+                <a:schemeClr val="dk1"/>
+              </a:buClr>
+              <a:buSzPts val="4200"/>
+              <a:buFont typeface="Bebas Neue"/>
+              <a:buNone/>
+              <a:defRPr sz="4200" b="0" i="0" u="none" strike="noStrike" cap="none">
+                <a:solidFill>
+                  <a:schemeClr val="dk1"/>
+                </a:solidFill>
+                <a:latin typeface="Bebas Neue"/>
+                <a:ea typeface="Bebas Neue"/>
+                <a:cs typeface="Bebas Neue"/>
+                <a:sym typeface="Bebas Neue"/>
+              </a:defRPr>
+            </a:lvl6pPr>
+            <a:lvl7pPr marR="0" lvl="6" algn="l" rtl="0">
+              <a:lnSpc>
+                <a:spcPct val="90000"/>
+              </a:lnSpc>
+              <a:spcBef>
+                <a:spcPts val="0"/>
+              </a:spcBef>
+              <a:spcAft>
+                <a:spcPts val="0"/>
+              </a:spcAft>
+              <a:buClr>
+                <a:schemeClr val="dk1"/>
+              </a:buClr>
+              <a:buSzPts val="4200"/>
+              <a:buFont typeface="Bebas Neue"/>
+              <a:buNone/>
+              <a:defRPr sz="4200" b="0" i="0" u="none" strike="noStrike" cap="none">
+                <a:solidFill>
+                  <a:schemeClr val="dk1"/>
+                </a:solidFill>
+                <a:latin typeface="Bebas Neue"/>
+                <a:ea typeface="Bebas Neue"/>
+                <a:cs typeface="Bebas Neue"/>
+                <a:sym typeface="Bebas Neue"/>
+              </a:defRPr>
+            </a:lvl7pPr>
+            <a:lvl8pPr marR="0" lvl="7" algn="l" rtl="0">
+              <a:lnSpc>
+                <a:spcPct val="90000"/>
+              </a:lnSpc>
+              <a:spcBef>
+                <a:spcPts val="0"/>
+              </a:spcBef>
+              <a:spcAft>
+                <a:spcPts val="0"/>
+              </a:spcAft>
+              <a:buClr>
+                <a:schemeClr val="dk1"/>
+              </a:buClr>
+              <a:buSzPts val="4200"/>
+              <a:buFont typeface="Bebas Neue"/>
+              <a:buNone/>
+              <a:defRPr sz="4200" b="0" i="0" u="none" strike="noStrike" cap="none">
+                <a:solidFill>
+                  <a:schemeClr val="dk1"/>
+                </a:solidFill>
+                <a:latin typeface="Bebas Neue"/>
+                <a:ea typeface="Bebas Neue"/>
+                <a:cs typeface="Bebas Neue"/>
+                <a:sym typeface="Bebas Neue"/>
+              </a:defRPr>
+            </a:lvl8pPr>
+            <a:lvl9pPr marR="0" lvl="8" algn="l" rtl="0">
+              <a:lnSpc>
+                <a:spcPct val="90000"/>
+              </a:lnSpc>
+              <a:spcBef>
+                <a:spcPts val="0"/>
+              </a:spcBef>
+              <a:spcAft>
+                <a:spcPts val="0"/>
+              </a:spcAft>
+              <a:buClr>
+                <a:schemeClr val="dk1"/>
+              </a:buClr>
+              <a:buSzPts val="4200"/>
+              <a:buFont typeface="Bebas Neue"/>
+              <a:buNone/>
+              <a:defRPr sz="4200" b="0" i="0" u="none" strike="noStrike" cap="none">
+                <a:solidFill>
+                  <a:schemeClr val="dk1"/>
+                </a:solidFill>
+                <a:latin typeface="Bebas Neue"/>
+                <a:ea typeface="Bebas Neue"/>
+                <a:cs typeface="Bebas Neue"/>
+                <a:sym typeface="Bebas Neue"/>
+              </a:defRPr>
+            </a:lvl9pPr>
+          </a:lstStyle>
+          <a:p>
+            <a:pPr algn="ctr"/>
+            <a:r>
+              <a:rPr lang="en-US">
+                <a:solidFill>
+                  <a:schemeClr val="bg1">
+                    <a:lumMod val="75000"/>
+                    <a:lumOff val="25000"/>
+                  </a:schemeClr>
+                </a:solidFill>
+              </a:rPr>
+              <a:t>Mobile settings</a:t>
+            </a:r>
+          </a:p>
+        </p:txBody>
+      </p:sp>
+      <p:sp>
+        <p:nvSpPr>
+          <p:cNvPr id="10" name="Google Shape;436;p20">
+            <a:extLst>
+              <a:ext uri="{FF2B5EF4-FFF2-40B4-BE49-F238E27FC236}">
+                <a16:creationId xmlns:a16="http://schemas.microsoft.com/office/drawing/2014/main" id="{5400D025-C7B7-4636-B0DE-09503ECF3D90}"/>
+              </a:ext>
+            </a:extLst>
+          </p:cNvPr>
+          <p:cNvSpPr txBox="1">
+            <a:spLocks/>
+          </p:cNvSpPr>
+          <p:nvPr/>
+        </p:nvSpPr>
+        <p:spPr>
+          <a:xfrm>
+            <a:off x="5936670" y="4253112"/>
+            <a:ext cx="3237600" cy="593700"/>
+          </a:xfrm>
+          <a:prstGeom prst="rect">
+            <a:avLst/>
+          </a:prstGeom>
+          <a:noFill/>
+          <a:ln>
+            <a:noFill/>
+          </a:ln>
+        </p:spPr>
+        <p:txBody>
+          <a:bodyPr spcFirstLastPara="1" wrap="square" lIns="0" tIns="0" rIns="0" bIns="0" anchor="b" anchorCtr="0">
+            <a:noAutofit/>
+          </a:bodyPr>
+          <a:lstStyle>
+            <a:defPPr marR="0" lvl="0" algn="l" rtl="0">
+              <a:lnSpc>
+                <a:spcPct val="100000"/>
+              </a:lnSpc>
+              <a:spcBef>
+                <a:spcPts val="0"/>
+              </a:spcBef>
+              <a:spcAft>
+                <a:spcPts val="0"/>
+              </a:spcAft>
+            </a:defPPr>
+            <a:lvl1pPr marR="0" lvl="0" algn="l" rtl="0">
+              <a:lnSpc>
+                <a:spcPct val="90000"/>
+              </a:lnSpc>
+              <a:spcBef>
+                <a:spcPts val="0"/>
+              </a:spcBef>
+              <a:spcAft>
+                <a:spcPts val="0"/>
+              </a:spcAft>
+              <a:buClr>
+                <a:schemeClr val="dk1"/>
+              </a:buClr>
+              <a:buSzPts val="4200"/>
+              <a:buFont typeface="Bebas Neue"/>
+              <a:buNone/>
+              <a:defRPr sz="4200" b="0" i="0" u="none" strike="noStrike" cap="none">
+                <a:solidFill>
+                  <a:schemeClr val="dk1"/>
+                </a:solidFill>
+                <a:latin typeface="Bebas Neue"/>
+                <a:ea typeface="Bebas Neue"/>
+                <a:cs typeface="Bebas Neue"/>
+                <a:sym typeface="Bebas Neue"/>
+              </a:defRPr>
+            </a:lvl1pPr>
+            <a:lvl2pPr marR="0" lvl="1" algn="l" rtl="0">
+              <a:lnSpc>
+                <a:spcPct val="90000"/>
+              </a:lnSpc>
+              <a:spcBef>
+                <a:spcPts val="0"/>
+              </a:spcBef>
+              <a:spcAft>
+                <a:spcPts val="0"/>
+              </a:spcAft>
+              <a:buClr>
+                <a:schemeClr val="dk1"/>
+              </a:buClr>
+              <a:buSzPts val="4200"/>
+              <a:buFont typeface="Bebas Neue"/>
+              <a:buNone/>
+              <a:defRPr sz="4200" b="0" i="0" u="none" strike="noStrike" cap="none">
+                <a:solidFill>
+                  <a:schemeClr val="dk1"/>
+                </a:solidFill>
+                <a:latin typeface="Bebas Neue"/>
+                <a:ea typeface="Bebas Neue"/>
+                <a:cs typeface="Bebas Neue"/>
+                <a:sym typeface="Bebas Neue"/>
+              </a:defRPr>
+            </a:lvl2pPr>
+            <a:lvl3pPr marR="0" lvl="2" algn="l" rtl="0">
+              <a:lnSpc>
+                <a:spcPct val="90000"/>
+              </a:lnSpc>
+              <a:spcBef>
+                <a:spcPts val="0"/>
+              </a:spcBef>
+              <a:spcAft>
+                <a:spcPts val="0"/>
+              </a:spcAft>
+              <a:buClr>
+                <a:schemeClr val="dk1"/>
+              </a:buClr>
+              <a:buSzPts val="4200"/>
+              <a:buFont typeface="Bebas Neue"/>
+              <a:buNone/>
+              <a:defRPr sz="4200" b="0" i="0" u="none" strike="noStrike" cap="none">
+                <a:solidFill>
+                  <a:schemeClr val="dk1"/>
+                </a:solidFill>
+                <a:latin typeface="Bebas Neue"/>
+                <a:ea typeface="Bebas Neue"/>
+                <a:cs typeface="Bebas Neue"/>
+                <a:sym typeface="Bebas Neue"/>
+              </a:defRPr>
+            </a:lvl3pPr>
+            <a:lvl4pPr marR="0" lvl="3" algn="l" rtl="0">
+              <a:lnSpc>
+                <a:spcPct val="90000"/>
+              </a:lnSpc>
+              <a:spcBef>
+                <a:spcPts val="0"/>
+              </a:spcBef>
+              <a:spcAft>
+                <a:spcPts val="0"/>
+              </a:spcAft>
+              <a:buClr>
+                <a:schemeClr val="dk1"/>
+              </a:buClr>
+              <a:buSzPts val="4200"/>
+              <a:buFont typeface="Bebas Neue"/>
+              <a:buNone/>
+              <a:defRPr sz="4200" b="0" i="0" u="none" strike="noStrike" cap="none">
+                <a:solidFill>
+                  <a:schemeClr val="dk1"/>
+                </a:solidFill>
+                <a:latin typeface="Bebas Neue"/>
+                <a:ea typeface="Bebas Neue"/>
+                <a:cs typeface="Bebas Neue"/>
+                <a:sym typeface="Bebas Neue"/>
+              </a:defRPr>
+            </a:lvl4pPr>
+            <a:lvl5pPr marR="0" lvl="4" algn="l" rtl="0">
+              <a:lnSpc>
+                <a:spcPct val="90000"/>
+              </a:lnSpc>
+              <a:spcBef>
+                <a:spcPts val="0"/>
+              </a:spcBef>
+              <a:spcAft>
+                <a:spcPts val="0"/>
+              </a:spcAft>
+              <a:buClr>
+                <a:schemeClr val="dk1"/>
+              </a:buClr>
+              <a:buSzPts val="4200"/>
+              <a:buFont typeface="Bebas Neue"/>
+              <a:buNone/>
+              <a:defRPr sz="4200" b="0" i="0" u="none" strike="noStrike" cap="none">
+                <a:solidFill>
+                  <a:schemeClr val="dk1"/>
+                </a:solidFill>
+                <a:latin typeface="Bebas Neue"/>
+                <a:ea typeface="Bebas Neue"/>
+                <a:cs typeface="Bebas Neue"/>
+                <a:sym typeface="Bebas Neue"/>
+              </a:defRPr>
+            </a:lvl5pPr>
+            <a:lvl6pPr marR="0" lvl="5" algn="l" rtl="0">
+              <a:lnSpc>
+                <a:spcPct val="90000"/>
+              </a:lnSpc>
+              <a:spcBef>
+                <a:spcPts val="0"/>
+              </a:spcBef>
+              <a:spcAft>
+                <a:spcPts val="0"/>
+              </a:spcAft>
+              <a:buClr>
+                <a:schemeClr val="dk1"/>
+              </a:buClr>
+              <a:buSzPts val="4200"/>
+              <a:buFont typeface="Bebas Neue"/>
+              <a:buNone/>
+              <a:defRPr sz="4200" b="0" i="0" u="none" strike="noStrike" cap="none">
+                <a:solidFill>
+                  <a:schemeClr val="dk1"/>
+                </a:solidFill>
+                <a:latin typeface="Bebas Neue"/>
+                <a:ea typeface="Bebas Neue"/>
+                <a:cs typeface="Bebas Neue"/>
+                <a:sym typeface="Bebas Neue"/>
+              </a:defRPr>
+            </a:lvl6pPr>
+            <a:lvl7pPr marR="0" lvl="6" algn="l" rtl="0">
+              <a:lnSpc>
+                <a:spcPct val="90000"/>
+              </a:lnSpc>
+              <a:spcBef>
+                <a:spcPts val="0"/>
+              </a:spcBef>
+              <a:spcAft>
+                <a:spcPts val="0"/>
+              </a:spcAft>
+              <a:buClr>
+                <a:schemeClr val="dk1"/>
+              </a:buClr>
+              <a:buSzPts val="4200"/>
+              <a:buFont typeface="Bebas Neue"/>
+              <a:buNone/>
+              <a:defRPr sz="4200" b="0" i="0" u="none" strike="noStrike" cap="none">
+                <a:solidFill>
+                  <a:schemeClr val="dk1"/>
+                </a:solidFill>
+                <a:latin typeface="Bebas Neue"/>
+                <a:ea typeface="Bebas Neue"/>
+                <a:cs typeface="Bebas Neue"/>
+                <a:sym typeface="Bebas Neue"/>
+              </a:defRPr>
+            </a:lvl7pPr>
+            <a:lvl8pPr marR="0" lvl="7" algn="l" rtl="0">
+              <a:lnSpc>
+                <a:spcPct val="90000"/>
+              </a:lnSpc>
+              <a:spcBef>
+                <a:spcPts val="0"/>
+              </a:spcBef>
+              <a:spcAft>
+                <a:spcPts val="0"/>
+              </a:spcAft>
+              <a:buClr>
+                <a:schemeClr val="dk1"/>
+              </a:buClr>
+              <a:buSzPts val="4200"/>
+              <a:buFont typeface="Bebas Neue"/>
+              <a:buNone/>
+              <a:defRPr sz="4200" b="0" i="0" u="none" strike="noStrike" cap="none">
+                <a:solidFill>
+                  <a:schemeClr val="dk1"/>
+                </a:solidFill>
+                <a:latin typeface="Bebas Neue"/>
+                <a:ea typeface="Bebas Neue"/>
+                <a:cs typeface="Bebas Neue"/>
+                <a:sym typeface="Bebas Neue"/>
+              </a:defRPr>
+            </a:lvl8pPr>
+            <a:lvl9pPr marR="0" lvl="8" algn="l" rtl="0">
+              <a:lnSpc>
+                <a:spcPct val="90000"/>
+              </a:lnSpc>
+              <a:spcBef>
+                <a:spcPts val="0"/>
+              </a:spcBef>
+              <a:spcAft>
+                <a:spcPts val="0"/>
+              </a:spcAft>
+              <a:buClr>
+                <a:schemeClr val="dk1"/>
+              </a:buClr>
+              <a:buSzPts val="4200"/>
+              <a:buFont typeface="Bebas Neue"/>
+              <a:buNone/>
+              <a:defRPr sz="4200" b="0" i="0" u="none" strike="noStrike" cap="none">
+                <a:solidFill>
+                  <a:schemeClr val="dk1"/>
+                </a:solidFill>
+                <a:latin typeface="Bebas Neue"/>
+                <a:ea typeface="Bebas Neue"/>
+                <a:cs typeface="Bebas Neue"/>
+                <a:sym typeface="Bebas Neue"/>
+              </a:defRPr>
+            </a:lvl9pPr>
+          </a:lstStyle>
+          <a:p>
+            <a:pPr algn="ctr"/>
+            <a:r>
+              <a:rPr lang="en-US">
+                <a:solidFill>
+                  <a:schemeClr val="bg1">
+                    <a:lumMod val="75000"/>
+                    <a:lumOff val="25000"/>
+                  </a:schemeClr>
+                </a:solidFill>
+              </a:rPr>
+              <a:t>Arduino settings</a:t>
+            </a:r>
+          </a:p>
+        </p:txBody>
+      </p:sp>
+    </p:spTree>
+    <p:extLst>
+      <p:ext uri="{BB962C8B-B14F-4D97-AF65-F5344CB8AC3E}">
+        <p14:creationId xmlns:p14="http://schemas.microsoft.com/office/powerpoint/2010/main" val="2837674758"/>
+      </p:ext>
+    </p:extLst>
+  </p:cSld>
+  <p:clrMapOvr>
+    <a:masterClrMapping/>
+  </p:clrMapOvr>
+</p:sld>
+</file>
+
+<file path=ppt/slides/slide28.xml><?xml version="1.0" encoding="utf-8"?>
+<p:sld xmlns:a="http://schemas.openxmlformats.org/drawingml/2006/main" xmlns:r="http://schemas.openxmlformats.org/officeDocument/2006/relationships" xmlns:p="http://schemas.openxmlformats.org/presentationml/2006/main">
+  <p:cSld>
+    <p:spTree>
+      <p:nvGrpSpPr>
+        <p:cNvPr id="1" name="Shape 434"/>
+        <p:cNvGrpSpPr/>
+        <p:nvPr/>
+      </p:nvGrpSpPr>
+      <p:grpSpPr>
+        <a:xfrm>
+          <a:off x="0" y="0"/>
+          <a:ext cx="0" cy="0"/>
+          <a:chOff x="0" y="0"/>
+          <a:chExt cx="0" cy="0"/>
+        </a:xfrm>
+      </p:grpSpPr>
+      <p:sp>
+        <p:nvSpPr>
+          <p:cNvPr id="9" name="Rectangle 8">
+            <a:extLst>
+              <a:ext uri="{FF2B5EF4-FFF2-40B4-BE49-F238E27FC236}">
+                <a16:creationId xmlns:a16="http://schemas.microsoft.com/office/drawing/2014/main" id="{F8B9ED47-4595-443D-9FF3-816F087A7381}"/>
+              </a:ext>
+            </a:extLst>
+          </p:cNvPr>
+          <p:cNvSpPr/>
+          <p:nvPr/>
+        </p:nvSpPr>
+        <p:spPr>
+          <a:xfrm>
+            <a:off x="5966940" y="1478165"/>
+            <a:ext cx="3177060" cy="3499471"/>
+          </a:xfrm>
+          <a:prstGeom prst="rect">
+            <a:avLst/>
+          </a:prstGeom>
+          <a:solidFill>
+            <a:schemeClr val="tx1"/>
+          </a:solidFill>
+        </p:spPr>
+        <p:style>
+          <a:lnRef idx="2">
+            <a:schemeClr val="accent1">
+              <a:shade val="50000"/>
+            </a:schemeClr>
+          </a:lnRef>
+          <a:fillRef idx="1">
+            <a:schemeClr val="accent1"/>
+          </a:fillRef>
+          <a:effectRef idx="0">
+            <a:schemeClr val="accent1"/>
+          </a:effectRef>
+          <a:fontRef idx="minor">
+            <a:schemeClr val="lt1"/>
+          </a:fontRef>
+        </p:style>
+        <p:txBody>
+          <a:bodyPr rtlCol="0" anchor="ctr"/>
+          <a:lstStyle/>
+          <a:p>
+            <a:pPr algn="ctr"/>
+            <a:endParaRPr lang="en-US"/>
+          </a:p>
+        </p:txBody>
+      </p:sp>
+      <p:sp>
+        <p:nvSpPr>
+          <p:cNvPr id="2" name="Rectangle 1">
+            <a:extLst>
+              <a:ext uri="{FF2B5EF4-FFF2-40B4-BE49-F238E27FC236}">
+                <a16:creationId xmlns:a16="http://schemas.microsoft.com/office/drawing/2014/main" id="{9E820815-BA7A-4E97-B6FE-9E27F78EF429}"/>
+              </a:ext>
+            </a:extLst>
+          </p:cNvPr>
+          <p:cNvSpPr/>
+          <p:nvPr/>
+        </p:nvSpPr>
+        <p:spPr>
+          <a:xfrm>
+            <a:off x="393801" y="1478165"/>
+            <a:ext cx="5491360" cy="3499471"/>
+          </a:xfrm>
+          <a:prstGeom prst="rect">
+            <a:avLst/>
+          </a:prstGeom>
+        </p:spPr>
+        <p:style>
+          <a:lnRef idx="2">
+            <a:schemeClr val="accent1">
+              <a:shade val="50000"/>
+            </a:schemeClr>
+          </a:lnRef>
+          <a:fillRef idx="1">
+            <a:schemeClr val="accent1"/>
+          </a:fillRef>
+          <a:effectRef idx="0">
+            <a:schemeClr val="accent1"/>
+          </a:effectRef>
+          <a:fontRef idx="minor">
+            <a:schemeClr val="lt1"/>
+          </a:fontRef>
+        </p:style>
+        <p:txBody>
+          <a:bodyPr rtlCol="0" anchor="ctr"/>
+          <a:lstStyle/>
+          <a:p>
+            <a:pPr algn="ctr"/>
+            <a:endParaRPr lang="en-US"/>
+          </a:p>
+        </p:txBody>
+      </p:sp>
+      <p:sp>
+        <p:nvSpPr>
+          <p:cNvPr id="435" name="Google Shape;435;p20"/>
+          <p:cNvSpPr txBox="1">
+            <a:spLocks noGrp="1"/>
+          </p:cNvSpPr>
+          <p:nvPr>
+            <p:ph type="body" idx="1"/>
+          </p:nvPr>
+        </p:nvSpPr>
+        <p:spPr>
+          <a:xfrm>
+            <a:off x="475580" y="1679950"/>
+            <a:ext cx="2549920" cy="2993700"/>
+          </a:xfrm>
+          <a:prstGeom prst="rect">
+            <a:avLst/>
+          </a:prstGeom>
+        </p:spPr>
+        <p:txBody>
+          <a:bodyPr spcFirstLastPara="1" wrap="square" lIns="0" tIns="0" rIns="0" bIns="0" anchor="t" anchorCtr="0">
+            <a:noAutofit/>
+          </a:bodyPr>
+          <a:lstStyle/>
+          <a:p>
+            <a:pPr marL="0" lvl="0" indent="0" algn="l" rtl="0">
+              <a:spcBef>
+                <a:spcPts val="0"/>
+              </a:spcBef>
+              <a:spcAft>
+                <a:spcPts val="0"/>
+              </a:spcAft>
+              <a:buNone/>
+            </a:pPr>
+            <a:r>
+              <a:rPr lang="en-US" b="1"/>
+              <a:t>Add New Widget</a:t>
+            </a:r>
+            <a:endParaRPr b="1"/>
+          </a:p>
         </p:txBody>
       </p:sp>
       <p:sp>
@@ -26489,7 +27079,7 @@
             </a:pPr>
             <a:fld id="{00000000-1234-1234-1234-123412341234}" type="slidenum">
               <a:rPr lang="en"/>
-              <a:t>27</a:t>
+              <a:t>28</a:t>
             </a:fld>
             <a:endParaRPr/>
           </a:p>
@@ -27546,7 +28136,7 @@
 </p:sld>
 </file>
 
-<file path=ppt/slides/slide28.xml><?xml version="1.0" encoding="utf-8"?>
+<file path=ppt/slides/slide29.xml><?xml version="1.0" encoding="utf-8"?>
 <p:sld xmlns:a="http://schemas.openxmlformats.org/drawingml/2006/main" xmlns:r="http://schemas.openxmlformats.org/officeDocument/2006/relationships" xmlns:p="http://schemas.openxmlformats.org/presentationml/2006/main">
   <p:cSld>
     <p:spTree>
@@ -27649,7 +28239,7 @@
             </a:pPr>
             <a:fld id="{00000000-1234-1234-1234-123412341234}" type="slidenum">
               <a:rPr lang="en"/>
-              <a:t>28</a:t>
+              <a:t>29</a:t>
             </a:fld>
             <a:endParaRPr/>
           </a:p>
@@ -27726,7 +28316,120 @@
 </p:sld>
 </file>
 
-<file path=ppt/slides/slide29.xml><?xml version="1.0" encoding="utf-8"?>
+<file path=ppt/slides/slide3.xml><?xml version="1.0" encoding="utf-8"?>
+<p:sld xmlns:a="http://schemas.openxmlformats.org/drawingml/2006/main" xmlns:r="http://schemas.openxmlformats.org/officeDocument/2006/relationships" xmlns:p="http://schemas.openxmlformats.org/presentationml/2006/main">
+  <p:cSld>
+    <p:spTree>
+      <p:nvGrpSpPr>
+        <p:cNvPr id="1" name="Shape 394"/>
+        <p:cNvGrpSpPr/>
+        <p:nvPr/>
+      </p:nvGrpSpPr>
+      <p:grpSpPr>
+        <a:xfrm>
+          <a:off x="0" y="0"/>
+          <a:ext cx="0" cy="0"/>
+          <a:chOff x="0" y="0"/>
+          <a:chExt cx="0" cy="0"/>
+        </a:xfrm>
+      </p:grpSpPr>
+      <p:sp>
+        <p:nvSpPr>
+          <p:cNvPr id="395" name="Google Shape;395;p16"/>
+          <p:cNvSpPr txBox="1">
+            <a:spLocks noGrp="1"/>
+          </p:cNvSpPr>
+          <p:nvPr>
+            <p:ph type="ctrTitle"/>
+          </p:nvPr>
+        </p:nvSpPr>
+        <p:spPr>
+          <a:xfrm>
+            <a:off x="1334449" y="1974788"/>
+            <a:ext cx="6754473" cy="798900"/>
+          </a:xfrm>
+          <a:prstGeom prst="rect">
+            <a:avLst/>
+          </a:prstGeom>
+        </p:spPr>
+        <p:txBody>
+          <a:bodyPr spcFirstLastPara="1" wrap="square" lIns="0" tIns="0" rIns="0" bIns="0" anchor="b" anchorCtr="0">
+            <a:noAutofit/>
+          </a:bodyPr>
+          <a:lstStyle/>
+          <a:p>
+            <a:pPr marL="0" lvl="0" indent="0" algn="l" rtl="0">
+              <a:spcBef>
+                <a:spcPts val="0"/>
+              </a:spcBef>
+              <a:spcAft>
+                <a:spcPts val="0"/>
+              </a:spcAft>
+              <a:buNone/>
+            </a:pPr>
+            <a:r>
+              <a:rPr lang="en"/>
+              <a:t>1. </a:t>
+            </a:r>
+            <a:r>
+              <a:rPr lang="en-US"/>
+              <a:t>Iot through mobile apps</a:t>
+            </a:r>
+            <a:endParaRPr/>
+          </a:p>
+        </p:txBody>
+      </p:sp>
+      <p:sp>
+        <p:nvSpPr>
+          <p:cNvPr id="396" name="Google Shape;396;p16"/>
+          <p:cNvSpPr txBox="1">
+            <a:spLocks noGrp="1"/>
+          </p:cNvSpPr>
+          <p:nvPr>
+            <p:ph type="subTitle" idx="1"/>
+          </p:nvPr>
+        </p:nvSpPr>
+        <p:spPr>
+          <a:xfrm>
+            <a:off x="1334450" y="2794315"/>
+            <a:ext cx="6475200" cy="374400"/>
+          </a:xfrm>
+          <a:prstGeom prst="rect">
+            <a:avLst/>
+          </a:prstGeom>
+        </p:spPr>
+        <p:txBody>
+          <a:bodyPr spcFirstLastPara="1" wrap="square" lIns="0" tIns="0" rIns="0" bIns="0" anchor="t" anchorCtr="0">
+            <a:noAutofit/>
+          </a:bodyPr>
+          <a:lstStyle/>
+          <a:p>
+            <a:pPr marL="0" lvl="0" indent="0" algn="l" rtl="0">
+              <a:spcBef>
+                <a:spcPts val="0"/>
+              </a:spcBef>
+              <a:spcAft>
+                <a:spcPts val="600"/>
+              </a:spcAft>
+              <a:buNone/>
+            </a:pPr>
+            <a:r>
+              <a:rPr lang="en-US"/>
+              <a:t>Control your IoT device easily</a:t>
+            </a:r>
+            <a:endParaRPr/>
+          </a:p>
+        </p:txBody>
+      </p:sp>
+    </p:spTree>
+  </p:cSld>
+  <p:clrMapOvr>
+    <a:masterClrMapping/>
+  </p:clrMapOvr>
+</p:sld>
+</file>
+
+<file path=ppt/slides/slide30.xml><?xml version="1.0" encoding="utf-8"?>
 <p:sld xmlns:a="http://schemas.openxmlformats.org/drawingml/2006/main" xmlns:r="http://schemas.openxmlformats.org/officeDocument/2006/relationships" xmlns:p="http://schemas.openxmlformats.org/presentationml/2006/main">
   <p:cSld>
     <p:spTree>
@@ -27828,7 +28531,7 @@
             </a:pPr>
             <a:fld id="{00000000-1234-1234-1234-123412341234}" type="slidenum">
               <a:rPr lang="en"/>
-              <a:t>29</a:t>
+              <a:t>30</a:t>
             </a:fld>
             <a:endParaRPr/>
           </a:p>
@@ -27921,120 +28624,7 @@
 </p:sld>
 </file>
 
-<file path=ppt/slides/slide3.xml><?xml version="1.0" encoding="utf-8"?>
-<p:sld xmlns:a="http://schemas.openxmlformats.org/drawingml/2006/main" xmlns:r="http://schemas.openxmlformats.org/officeDocument/2006/relationships" xmlns:p="http://schemas.openxmlformats.org/presentationml/2006/main">
-  <p:cSld>
-    <p:spTree>
-      <p:nvGrpSpPr>
-        <p:cNvPr id="1" name="Shape 394"/>
-        <p:cNvGrpSpPr/>
-        <p:nvPr/>
-      </p:nvGrpSpPr>
-      <p:grpSpPr>
-        <a:xfrm>
-          <a:off x="0" y="0"/>
-          <a:ext cx="0" cy="0"/>
-          <a:chOff x="0" y="0"/>
-          <a:chExt cx="0" cy="0"/>
-        </a:xfrm>
-      </p:grpSpPr>
-      <p:sp>
-        <p:nvSpPr>
-          <p:cNvPr id="395" name="Google Shape;395;p16"/>
-          <p:cNvSpPr txBox="1">
-            <a:spLocks noGrp="1"/>
-          </p:cNvSpPr>
-          <p:nvPr>
-            <p:ph type="ctrTitle"/>
-          </p:nvPr>
-        </p:nvSpPr>
-        <p:spPr>
-          <a:xfrm>
-            <a:off x="1334449" y="1974788"/>
-            <a:ext cx="6754473" cy="798900"/>
-          </a:xfrm>
-          <a:prstGeom prst="rect">
-            <a:avLst/>
-          </a:prstGeom>
-        </p:spPr>
-        <p:txBody>
-          <a:bodyPr spcFirstLastPara="1" wrap="square" lIns="0" tIns="0" rIns="0" bIns="0" anchor="b" anchorCtr="0">
-            <a:noAutofit/>
-          </a:bodyPr>
-          <a:lstStyle/>
-          <a:p>
-            <a:pPr marL="0" lvl="0" indent="0" algn="l" rtl="0">
-              <a:spcBef>
-                <a:spcPts val="0"/>
-              </a:spcBef>
-              <a:spcAft>
-                <a:spcPts val="0"/>
-              </a:spcAft>
-              <a:buNone/>
-            </a:pPr>
-            <a:r>
-              <a:rPr lang="en"/>
-              <a:t>1. </a:t>
-            </a:r>
-            <a:r>
-              <a:rPr lang="en-US"/>
-              <a:t>Iot through mobile apps</a:t>
-            </a:r>
-            <a:endParaRPr/>
-          </a:p>
-        </p:txBody>
-      </p:sp>
-      <p:sp>
-        <p:nvSpPr>
-          <p:cNvPr id="396" name="Google Shape;396;p16"/>
-          <p:cNvSpPr txBox="1">
-            <a:spLocks noGrp="1"/>
-          </p:cNvSpPr>
-          <p:nvPr>
-            <p:ph type="subTitle" idx="1"/>
-          </p:nvPr>
-        </p:nvSpPr>
-        <p:spPr>
-          <a:xfrm>
-            <a:off x="1334450" y="2794315"/>
-            <a:ext cx="6475200" cy="374400"/>
-          </a:xfrm>
-          <a:prstGeom prst="rect">
-            <a:avLst/>
-          </a:prstGeom>
-        </p:spPr>
-        <p:txBody>
-          <a:bodyPr spcFirstLastPara="1" wrap="square" lIns="0" tIns="0" rIns="0" bIns="0" anchor="t" anchorCtr="0">
-            <a:noAutofit/>
-          </a:bodyPr>
-          <a:lstStyle/>
-          <a:p>
-            <a:pPr marL="0" lvl="0" indent="0" algn="l" rtl="0">
-              <a:spcBef>
-                <a:spcPts val="0"/>
-              </a:spcBef>
-              <a:spcAft>
-                <a:spcPts val="600"/>
-              </a:spcAft>
-              <a:buNone/>
-            </a:pPr>
-            <a:r>
-              <a:rPr lang="en-US"/>
-              <a:t>Control your IoT device easily</a:t>
-            </a:r>
-            <a:endParaRPr/>
-          </a:p>
-        </p:txBody>
-      </p:sp>
-    </p:spTree>
-  </p:cSld>
-  <p:clrMapOvr>
-    <a:masterClrMapping/>
-  </p:clrMapOvr>
-</p:sld>
-</file>
-
-<file path=ppt/slides/slide30.xml><?xml version="1.0" encoding="utf-8"?>
+<file path=ppt/slides/slide31.xml><?xml version="1.0" encoding="utf-8"?>
 <p:sld xmlns:a="http://schemas.openxmlformats.org/drawingml/2006/main" xmlns:r="http://schemas.openxmlformats.org/officeDocument/2006/relationships" xmlns:p="http://schemas.openxmlformats.org/presentationml/2006/main">
   <p:cSld>
     <p:spTree>
@@ -28129,7 +28719,7 @@
             </a:pPr>
             <a:fld id="{00000000-1234-1234-1234-123412341234}" type="slidenum">
               <a:rPr lang="en"/>
-              <a:t>30</a:t>
+              <a:t>31</a:t>
             </a:fld>
             <a:endParaRPr/>
           </a:p>
@@ -28441,7 +29031,7 @@
 </p:sld>
 </file>
 
-<file path=ppt/slides/slide31.xml><?xml version="1.0" encoding="utf-8"?>
+<file path=ppt/slides/slide32.xml><?xml version="1.0" encoding="utf-8"?>
 <p:sld xmlns:a="http://schemas.openxmlformats.org/drawingml/2006/main" xmlns:r="http://schemas.openxmlformats.org/officeDocument/2006/relationships" xmlns:p="http://schemas.openxmlformats.org/presentationml/2006/main">
   <p:cSld>
     <p:spTree>
@@ -28494,7 +29084,7 @@
             </a:pPr>
             <a:fld id="{00000000-1234-1234-1234-123412341234}" type="slidenum">
               <a:rPr lang="en"/>
-              <a:t>31</a:t>
+              <a:t>32</a:t>
             </a:fld>
             <a:endParaRPr/>
           </a:p>
@@ -29147,7 +29737,7 @@
 </p:sld>
 </file>
 
-<file path=ppt/slides/slide32.xml><?xml version="1.0" encoding="utf-8"?>
+<file path=ppt/slides/slide33.xml><?xml version="1.0" encoding="utf-8"?>
 <p:sld xmlns:a="http://schemas.openxmlformats.org/drawingml/2006/main" xmlns:r="http://schemas.openxmlformats.org/officeDocument/2006/relationships" xmlns:p="http://schemas.openxmlformats.org/presentationml/2006/main">
   <p:cSld>
     <p:spTree>
@@ -29342,7 +29932,7 @@
             </a:pPr>
             <a:fld id="{00000000-1234-1234-1234-123412341234}" type="slidenum">
               <a:rPr lang="en"/>
-              <a:t>32</a:t>
+              <a:t>33</a:t>
             </a:fld>
             <a:endParaRPr/>
           </a:p>
@@ -29926,6 +30516,124 @@
 </file>
 
 <file path=ppt/slides/slide7.xml><?xml version="1.0" encoding="utf-8"?>
+<p:sld xmlns:a="http://schemas.openxmlformats.org/drawingml/2006/main" xmlns:r="http://schemas.openxmlformats.org/officeDocument/2006/relationships" xmlns:p="http://schemas.openxmlformats.org/presentationml/2006/main">
+  <p:cSld>
+    <p:spTree>
+      <p:nvGrpSpPr>
+        <p:cNvPr id="1" name="Shape 394"/>
+        <p:cNvGrpSpPr/>
+        <p:nvPr/>
+      </p:nvGrpSpPr>
+      <p:grpSpPr>
+        <a:xfrm>
+          <a:off x="0" y="0"/>
+          <a:ext cx="0" cy="0"/>
+          <a:chOff x="0" y="0"/>
+          <a:chExt cx="0" cy="0"/>
+        </a:xfrm>
+      </p:grpSpPr>
+      <p:sp>
+        <p:nvSpPr>
+          <p:cNvPr id="395" name="Google Shape;395;p16"/>
+          <p:cNvSpPr txBox="1">
+            <a:spLocks noGrp="1"/>
+          </p:cNvSpPr>
+          <p:nvPr>
+            <p:ph type="ctrTitle"/>
+          </p:nvPr>
+        </p:nvSpPr>
+        <p:spPr>
+          <a:xfrm>
+            <a:off x="1334449" y="1974788"/>
+            <a:ext cx="6754473" cy="798900"/>
+          </a:xfrm>
+          <a:prstGeom prst="rect">
+            <a:avLst/>
+          </a:prstGeom>
+        </p:spPr>
+        <p:txBody>
+          <a:bodyPr spcFirstLastPara="1" wrap="square" lIns="0" tIns="0" rIns="0" bIns="0" anchor="b" anchorCtr="0">
+            <a:noAutofit/>
+          </a:bodyPr>
+          <a:lstStyle/>
+          <a:p>
+            <a:pPr marL="0" lvl="0" indent="0" algn="l" rtl="0">
+              <a:spcBef>
+                <a:spcPts val="0"/>
+              </a:spcBef>
+              <a:spcAft>
+                <a:spcPts val="0"/>
+              </a:spcAft>
+              <a:buNone/>
+            </a:pPr>
+            <a:r>
+              <a:rPr lang="en" sz="5400"/>
+              <a:t>2. </a:t>
+            </a:r>
+            <a:r>
+              <a:rPr lang="en-US" sz="5400"/>
+              <a:t>Blynk for iot development</a:t>
+            </a:r>
+            <a:endParaRPr sz="5400"/>
+          </a:p>
+        </p:txBody>
+      </p:sp>
+      <p:sp>
+        <p:nvSpPr>
+          <p:cNvPr id="396" name="Google Shape;396;p16"/>
+          <p:cNvSpPr txBox="1">
+            <a:spLocks noGrp="1"/>
+          </p:cNvSpPr>
+          <p:nvPr>
+            <p:ph type="subTitle" idx="1"/>
+          </p:nvPr>
+        </p:nvSpPr>
+        <p:spPr>
+          <a:xfrm>
+            <a:off x="1334450" y="2794315"/>
+            <a:ext cx="6475200" cy="374400"/>
+          </a:xfrm>
+          <a:prstGeom prst="rect">
+            <a:avLst/>
+          </a:prstGeom>
+        </p:spPr>
+        <p:txBody>
+          <a:bodyPr spcFirstLastPara="1" wrap="square" lIns="0" tIns="0" rIns="0" bIns="0" anchor="t" anchorCtr="0">
+            <a:noAutofit/>
+          </a:bodyPr>
+          <a:lstStyle/>
+          <a:p>
+            <a:pPr marL="0" lvl="0" indent="0" algn="l" rtl="0">
+              <a:spcBef>
+                <a:spcPts val="0"/>
+              </a:spcBef>
+              <a:spcAft>
+                <a:spcPts val="600"/>
+              </a:spcAft>
+              <a:buNone/>
+            </a:pPr>
+            <a:r>
+              <a:rPr lang="en-US"/>
+              <a:t>Develop your first IoT mobile apps</a:t>
+            </a:r>
+            <a:endParaRPr/>
+          </a:p>
+        </p:txBody>
+      </p:sp>
+    </p:spTree>
+    <p:extLst>
+      <p:ext uri="{BB962C8B-B14F-4D97-AF65-F5344CB8AC3E}">
+        <p14:creationId xmlns:p14="http://schemas.microsoft.com/office/powerpoint/2010/main" val="2013577687"/>
+      </p:ext>
+    </p:extLst>
+  </p:cSld>
+  <p:clrMapOvr>
+    <a:masterClrMapping/>
+  </p:clrMapOvr>
+</p:sld>
+</file>
+
+<file path=ppt/slides/slide8.xml><?xml version="1.0" encoding="utf-8"?>
 <p:sld xmlns:a="http://schemas.openxmlformats.org/drawingml/2006/main" xmlns:r="http://schemas.openxmlformats.org/officeDocument/2006/relationships" xmlns:p="http://schemas.openxmlformats.org/presentationml/2006/main">
   <p:cSld>
     <p:spTree>
@@ -30106,7 +30814,7 @@
             </a:pPr>
             <a:fld id="{00000000-1234-1234-1234-123412341234}" type="slidenum">
               <a:rPr lang="en"/>
-              <a:t>7</a:t>
+              <a:t>8</a:t>
             </a:fld>
             <a:endParaRPr/>
           </a:p>
@@ -30120,7 +30828,7 @@
 </p:sld>
 </file>
 
-<file path=ppt/slides/slide8.xml><?xml version="1.0" encoding="utf-8"?>
+<file path=ppt/slides/slide9.xml><?xml version="1.0" encoding="utf-8"?>
 <p:sld xmlns:a="http://schemas.openxmlformats.org/drawingml/2006/main" xmlns:r="http://schemas.openxmlformats.org/officeDocument/2006/relationships" xmlns:p="http://schemas.openxmlformats.org/presentationml/2006/main">
   <p:cSld>
     <p:spTree>
@@ -33720,7 +34428,7 @@
             </a:pPr>
             <a:fld id="{00000000-1234-1234-1234-123412341234}" type="slidenum">
               <a:rPr lang="en"/>
-              <a:t>8</a:t>
+              <a:t>9</a:t>
             </a:fld>
             <a:endParaRPr/>
           </a:p>
@@ -33765,547 +34473,6 @@
               <a:t>Providing free access to develop and control your first IoT Project</a:t>
             </a:r>
             <a:endParaRPr sz="2000"/>
-          </a:p>
-        </p:txBody>
-      </p:sp>
-    </p:spTree>
-  </p:cSld>
-  <p:clrMapOvr>
-    <a:masterClrMapping/>
-  </p:clrMapOvr>
-</p:sld>
-</file>
-
-<file path=ppt/slides/slide9.xml><?xml version="1.0" encoding="utf-8"?>
-<p:sld xmlns:a="http://schemas.openxmlformats.org/drawingml/2006/main" xmlns:r="http://schemas.openxmlformats.org/officeDocument/2006/relationships" xmlns:p="http://schemas.openxmlformats.org/presentationml/2006/main">
-  <p:cSld>
-    <p:spTree>
-      <p:nvGrpSpPr>
-        <p:cNvPr id="1" name="Shape 442"/>
-        <p:cNvGrpSpPr/>
-        <p:nvPr/>
-      </p:nvGrpSpPr>
-      <p:grpSpPr>
-        <a:xfrm>
-          <a:off x="0" y="0"/>
-          <a:ext cx="0" cy="0"/>
-          <a:chOff x="0" y="0"/>
-          <a:chExt cx="0" cy="0"/>
-        </a:xfrm>
-      </p:grpSpPr>
-      <p:sp>
-        <p:nvSpPr>
-          <p:cNvPr id="443" name="Google Shape;443;p21"/>
-          <p:cNvSpPr txBox="1">
-            <a:spLocks noGrp="1"/>
-          </p:cNvSpPr>
-          <p:nvPr>
-            <p:ph type="title"/>
-          </p:nvPr>
-        </p:nvSpPr>
-        <p:spPr>
-          <a:xfrm>
-            <a:off x="1334450" y="805875"/>
-            <a:ext cx="6475200" cy="593700"/>
-          </a:xfrm>
-          <a:prstGeom prst="rect">
-            <a:avLst/>
-          </a:prstGeom>
-        </p:spPr>
-        <p:txBody>
-          <a:bodyPr spcFirstLastPara="1" wrap="square" lIns="0" tIns="0" rIns="0" bIns="0" anchor="b" anchorCtr="0">
-            <a:noAutofit/>
-          </a:bodyPr>
-          <a:lstStyle/>
-          <a:p>
-            <a:pPr marL="0" lvl="0" indent="0" algn="l" rtl="0">
-              <a:spcBef>
-                <a:spcPts val="0"/>
-              </a:spcBef>
-              <a:spcAft>
-                <a:spcPts val="0"/>
-              </a:spcAft>
-              <a:buNone/>
-            </a:pPr>
-            <a:r>
-              <a:rPr lang="en-US">
-                <a:solidFill>
-                  <a:srgbClr val="B64B7F"/>
-                </a:solidFill>
-              </a:rPr>
-              <a:t>Few</a:t>
-            </a:r>
-            <a:r>
-              <a:rPr lang="en">
-                <a:solidFill>
-                  <a:srgbClr val="B64B7F"/>
-                </a:solidFill>
-              </a:rPr>
-              <a:t> </a:t>
-            </a:r>
-            <a:r>
-              <a:rPr lang="en-US">
-                <a:solidFill>
-                  <a:srgbClr val="B64B7F"/>
-                </a:solidFill>
-              </a:rPr>
-              <a:t>THINGS</a:t>
-            </a:r>
-            <a:r>
-              <a:rPr lang="en-US">
-                <a:solidFill>
-                  <a:schemeClr val="accent1"/>
-                </a:solidFill>
-              </a:rPr>
-              <a:t> </a:t>
-            </a:r>
-            <a:r>
-              <a:rPr lang="en-US">
-                <a:solidFill>
-                  <a:schemeClr val="tx1"/>
-                </a:solidFill>
-              </a:rPr>
-              <a:t>that you need</a:t>
-            </a:r>
-            <a:endParaRPr>
-              <a:solidFill>
-                <a:schemeClr val="tx1"/>
-              </a:solidFill>
-            </a:endParaRPr>
-          </a:p>
-        </p:txBody>
-      </p:sp>
-      <p:sp>
-        <p:nvSpPr>
-          <p:cNvPr id="444" name="Google Shape;444;p21"/>
-          <p:cNvSpPr txBox="1">
-            <a:spLocks noGrp="1"/>
-          </p:cNvSpPr>
-          <p:nvPr>
-            <p:ph type="body" idx="1"/>
-          </p:nvPr>
-        </p:nvSpPr>
-        <p:spPr>
-          <a:xfrm>
-            <a:off x="1334450" y="1513150"/>
-            <a:ext cx="2007000" cy="2937300"/>
-          </a:xfrm>
-          <a:prstGeom prst="rect">
-            <a:avLst/>
-          </a:prstGeom>
-        </p:spPr>
-        <p:txBody>
-          <a:bodyPr spcFirstLastPara="1" wrap="square" lIns="0" tIns="0" rIns="0" bIns="0" anchor="t" anchorCtr="0">
-            <a:noAutofit/>
-          </a:bodyPr>
-          <a:lstStyle/>
-          <a:p>
-            <a:pPr marL="0" lvl="0" indent="0" rtl="0">
-              <a:spcBef>
-                <a:spcPts val="0"/>
-              </a:spcBef>
-              <a:spcAft>
-                <a:spcPts val="0"/>
-              </a:spcAft>
-              <a:buNone/>
-            </a:pPr>
-            <a:r>
-              <a:rPr lang="en-US" b="1" u="sng"/>
-              <a:t>Smartphone</a:t>
-            </a:r>
-            <a:endParaRPr b="1" u="sng"/>
-          </a:p>
-          <a:p>
-            <a:pPr marL="0" lvl="0" indent="0">
-              <a:spcBef>
-                <a:spcPts val="600"/>
-              </a:spcBef>
-              <a:spcAft>
-                <a:spcPts val="600"/>
-              </a:spcAft>
-              <a:buNone/>
-            </a:pPr>
-            <a:r>
-              <a:rPr lang="en-US" sz="1400"/>
-              <a:t>• Android OS version 4.2+</a:t>
-            </a:r>
-          </a:p>
-          <a:p>
-            <a:pPr marL="0" lvl="0" indent="0">
-              <a:spcBef>
-                <a:spcPts val="600"/>
-              </a:spcBef>
-              <a:spcAft>
-                <a:spcPts val="600"/>
-              </a:spcAft>
-              <a:buNone/>
-            </a:pPr>
-            <a:r>
-              <a:rPr lang="en-US" sz="1400"/>
-              <a:t>• iOS version 9+</a:t>
-            </a:r>
-          </a:p>
-          <a:p>
-            <a:pPr marL="0" lvl="0" indent="0">
-              <a:spcBef>
-                <a:spcPts val="600"/>
-              </a:spcBef>
-              <a:spcAft>
-                <a:spcPts val="600"/>
-              </a:spcAft>
-              <a:buNone/>
-            </a:pPr>
-            <a:r>
-              <a:rPr lang="en-US" sz="1400"/>
-              <a:t>Blynk doesn't run on Windows Phones, Blackberries and other dead platforms. Sorry.</a:t>
-            </a:r>
-          </a:p>
-          <a:p>
-            <a:pPr marL="0" lvl="0" indent="0">
-              <a:spcBef>
-                <a:spcPts val="600"/>
-              </a:spcBef>
-              <a:spcAft>
-                <a:spcPts val="600"/>
-              </a:spcAft>
-              <a:buNone/>
-            </a:pPr>
-            <a:r>
-              <a:rPr lang="en-US" sz="1400"/>
-              <a:t>You can also run Blynk on emulators</a:t>
-            </a:r>
-            <a:endParaRPr sz="1400"/>
-          </a:p>
-        </p:txBody>
-      </p:sp>
-      <p:sp>
-        <p:nvSpPr>
-          <p:cNvPr id="445" name="Google Shape;445;p21"/>
-          <p:cNvSpPr txBox="1">
-            <a:spLocks noGrp="1"/>
-          </p:cNvSpPr>
-          <p:nvPr>
-            <p:ph type="body" idx="2"/>
-          </p:nvPr>
-        </p:nvSpPr>
-        <p:spPr>
-          <a:xfrm>
-            <a:off x="3552414" y="1513150"/>
-            <a:ext cx="2007000" cy="2937300"/>
-          </a:xfrm>
-          <a:prstGeom prst="rect">
-            <a:avLst/>
-          </a:prstGeom>
-        </p:spPr>
-        <p:txBody>
-          <a:bodyPr spcFirstLastPara="1" wrap="square" lIns="0" tIns="0" rIns="0" bIns="0" anchor="t" anchorCtr="0">
-            <a:noAutofit/>
-          </a:bodyPr>
-          <a:lstStyle/>
-          <a:p>
-            <a:pPr marL="0" lvl="0" indent="0" rtl="0">
-              <a:spcBef>
-                <a:spcPts val="0"/>
-              </a:spcBef>
-              <a:spcAft>
-                <a:spcPts val="0"/>
-              </a:spcAft>
-              <a:buNone/>
-            </a:pPr>
-            <a:r>
-              <a:rPr lang="en-US" b="1" u="sng">
-                <a:solidFill>
-                  <a:srgbClr val="B64B7F"/>
-                </a:solidFill>
-              </a:rPr>
-              <a:t>IoT Device</a:t>
-            </a:r>
-            <a:endParaRPr b="1" u="sng">
-              <a:solidFill>
-                <a:srgbClr val="B64B7F"/>
-              </a:solidFill>
-            </a:endParaRPr>
-          </a:p>
-          <a:p>
-            <a:pPr marL="0" lvl="0" indent="0">
-              <a:spcBef>
-                <a:spcPts val="600"/>
-              </a:spcBef>
-              <a:spcAft>
-                <a:spcPts val="600"/>
-              </a:spcAft>
-              <a:buNone/>
-            </a:pPr>
-            <a:r>
-              <a:rPr lang="en-US" sz="1400">
-                <a:solidFill>
-                  <a:srgbClr val="B64B7F"/>
-                </a:solidFill>
-              </a:rPr>
-              <a:t>Blynk can run on over 400 hardware modules. The most popular are:</a:t>
-            </a:r>
-          </a:p>
-          <a:p>
-            <a:pPr marL="0" lvl="0" indent="0">
-              <a:spcBef>
-                <a:spcPts val="600"/>
-              </a:spcBef>
-              <a:spcAft>
-                <a:spcPts val="600"/>
-              </a:spcAft>
-              <a:buNone/>
-            </a:pPr>
-            <a:r>
-              <a:rPr lang="en-US" sz="1400">
-                <a:solidFill>
-                  <a:srgbClr val="B64B7F"/>
-                </a:solidFill>
-              </a:rPr>
-              <a:t>• ESP8266</a:t>
-            </a:r>
-          </a:p>
-          <a:p>
-            <a:pPr marL="0" lvl="0" indent="0">
-              <a:spcBef>
-                <a:spcPts val="600"/>
-              </a:spcBef>
-              <a:spcAft>
-                <a:spcPts val="600"/>
-              </a:spcAft>
-              <a:buNone/>
-            </a:pPr>
-            <a:r>
-              <a:rPr lang="en-US" sz="1400">
-                <a:solidFill>
-                  <a:srgbClr val="B64B7F"/>
-                </a:solidFill>
-              </a:rPr>
-              <a:t>• ESP32</a:t>
-            </a:r>
-          </a:p>
-          <a:p>
-            <a:pPr marL="0" lvl="0" indent="0">
-              <a:spcBef>
-                <a:spcPts val="600"/>
-              </a:spcBef>
-              <a:spcAft>
-                <a:spcPts val="600"/>
-              </a:spcAft>
-              <a:buNone/>
-            </a:pPr>
-            <a:r>
-              <a:rPr lang="en-US" sz="1400">
-                <a:solidFill>
-                  <a:srgbClr val="B64B7F"/>
-                </a:solidFill>
-              </a:rPr>
-              <a:t>• NodeMCU</a:t>
-            </a:r>
-          </a:p>
-          <a:p>
-            <a:pPr marL="0" lvl="0" indent="0">
-              <a:spcBef>
-                <a:spcPts val="600"/>
-              </a:spcBef>
-              <a:spcAft>
-                <a:spcPts val="600"/>
-              </a:spcAft>
-              <a:buNone/>
-            </a:pPr>
-            <a:r>
-              <a:rPr lang="en-US" sz="1400">
-                <a:solidFill>
-                  <a:srgbClr val="B64B7F"/>
-                </a:solidFill>
-              </a:rPr>
-              <a:t>• Arduino (any model)</a:t>
-            </a:r>
-          </a:p>
-          <a:p>
-            <a:pPr marL="0" lvl="0" indent="0">
-              <a:spcBef>
-                <a:spcPts val="600"/>
-              </a:spcBef>
-              <a:spcAft>
-                <a:spcPts val="600"/>
-              </a:spcAft>
-              <a:buNone/>
-            </a:pPr>
-            <a:r>
-              <a:rPr lang="en-US" sz="1400">
-                <a:solidFill>
-                  <a:srgbClr val="B64B7F"/>
-                </a:solidFill>
-              </a:rPr>
-              <a:t>• Raspberry Pi (any model)</a:t>
-            </a:r>
-            <a:r>
-              <a:rPr lang="en" sz="1400">
-                <a:solidFill>
-                  <a:srgbClr val="B64B7F"/>
-                </a:solidFill>
-              </a:rPr>
-              <a:t>.</a:t>
-            </a:r>
-            <a:endParaRPr sz="1400">
-              <a:solidFill>
-                <a:srgbClr val="B64B7F"/>
-              </a:solidFill>
-            </a:endParaRPr>
-          </a:p>
-        </p:txBody>
-      </p:sp>
-      <p:sp>
-        <p:nvSpPr>
-          <p:cNvPr id="446" name="Google Shape;446;p21"/>
-          <p:cNvSpPr txBox="1">
-            <a:spLocks noGrp="1"/>
-          </p:cNvSpPr>
-          <p:nvPr>
-            <p:ph type="body" idx="3"/>
-          </p:nvPr>
-        </p:nvSpPr>
-        <p:spPr>
-          <a:xfrm>
-            <a:off x="5770377" y="1513150"/>
-            <a:ext cx="2220072" cy="2937300"/>
-          </a:xfrm>
-          <a:prstGeom prst="rect">
-            <a:avLst/>
-          </a:prstGeom>
-        </p:spPr>
-        <p:txBody>
-          <a:bodyPr spcFirstLastPara="1" wrap="square" lIns="0" tIns="0" rIns="0" bIns="0" anchor="t" anchorCtr="0">
-            <a:noAutofit/>
-          </a:bodyPr>
-          <a:lstStyle/>
-          <a:p>
-            <a:pPr marL="0" lvl="0" indent="0" rtl="0">
-              <a:spcBef>
-                <a:spcPts val="0"/>
-              </a:spcBef>
-              <a:spcAft>
-                <a:spcPts val="0"/>
-              </a:spcAft>
-              <a:buNone/>
-            </a:pPr>
-            <a:r>
-              <a:rPr lang="en-US" b="1" u="sng"/>
-              <a:t>Internet Connection</a:t>
-            </a:r>
-            <a:endParaRPr b="1" u="sng"/>
-          </a:p>
-          <a:p>
-            <a:pPr marL="0" lvl="0" indent="0">
-              <a:spcBef>
-                <a:spcPts val="600"/>
-              </a:spcBef>
-              <a:buNone/>
-            </a:pPr>
-            <a:r>
-              <a:rPr lang="en-US" sz="1400"/>
-              <a:t>To connect your hardware to the Internet, you can choose almost any module either built-in, or external shields</a:t>
-            </a:r>
-          </a:p>
-          <a:p>
-            <a:pPr marL="0" lvl="0" indent="0">
-              <a:spcBef>
-                <a:spcPts val="600"/>
-              </a:spcBef>
-              <a:buNone/>
-            </a:pPr>
-            <a:endParaRPr lang="en-US" sz="1400"/>
-          </a:p>
-          <a:p>
-            <a:pPr marL="0" lvl="0" indent="0">
-              <a:spcBef>
-                <a:spcPts val="600"/>
-              </a:spcBef>
-              <a:buNone/>
-            </a:pPr>
-            <a:r>
-              <a:rPr lang="en-US" sz="1400"/>
-              <a:t>Supported connectivity</a:t>
-            </a:r>
-          </a:p>
-          <a:p>
-            <a:pPr marL="0" lvl="0" indent="0">
-              <a:spcBef>
-                <a:spcPts val="600"/>
-              </a:spcBef>
-              <a:buNone/>
-            </a:pPr>
-            <a:r>
-              <a:rPr lang="en-US" sz="1400"/>
-              <a:t>• WiFi</a:t>
-            </a:r>
-          </a:p>
-          <a:p>
-            <a:pPr marL="0" lvl="0" indent="0">
-              <a:spcBef>
-                <a:spcPts val="600"/>
-              </a:spcBef>
-              <a:buNone/>
-            </a:pPr>
-            <a:r>
-              <a:rPr lang="en-US" sz="1400"/>
-              <a:t>• Ethernet</a:t>
-            </a:r>
-          </a:p>
-          <a:p>
-            <a:pPr marL="0" lvl="0" indent="0">
-              <a:spcBef>
-                <a:spcPts val="600"/>
-              </a:spcBef>
-              <a:buNone/>
-            </a:pPr>
-            <a:r>
-              <a:rPr lang="en-US" sz="1400"/>
-              <a:t>• Cellular (GSM, 2g, 3g, 4g, LTE)</a:t>
-            </a:r>
-            <a:endParaRPr sz="1200"/>
-          </a:p>
-        </p:txBody>
-      </p:sp>
-      <p:sp>
-        <p:nvSpPr>
-          <p:cNvPr id="447" name="Google Shape;447;p21"/>
-          <p:cNvSpPr txBox="1">
-            <a:spLocks noGrp="1"/>
-          </p:cNvSpPr>
-          <p:nvPr>
-            <p:ph type="sldNum" idx="12"/>
-          </p:nvPr>
-        </p:nvSpPr>
-        <p:spPr>
-          <a:xfrm>
-            <a:off x="8552377" y="4673650"/>
-            <a:ext cx="400800" cy="393600"/>
-          </a:xfrm>
-          <a:prstGeom prst="rect">
-            <a:avLst/>
-          </a:prstGeom>
-        </p:spPr>
-        <p:txBody>
-          <a:bodyPr spcFirstLastPara="1" wrap="square" lIns="0" tIns="0" rIns="0" bIns="0" anchor="ctr" anchorCtr="0">
-            <a:noAutofit/>
-          </a:bodyPr>
-          <a:lstStyle/>
-          <a:p>
-            <a:pPr marL="0" lvl="0" indent="0" algn="r" rtl="0">
-              <a:spcBef>
-                <a:spcPts val="0"/>
-              </a:spcBef>
-              <a:spcAft>
-                <a:spcPts val="0"/>
-              </a:spcAft>
-              <a:buNone/>
-            </a:pPr>
-            <a:fld id="{00000000-1234-1234-1234-123412341234}" type="slidenum">
-              <a:rPr lang="en"/>
-              <a:t>9</a:t>
-            </a:fld>
-            <a:endParaRPr/>
           </a:p>
         </p:txBody>
       </p:sp>
